--- a/dmanolov/Информатика 11 клас, ПП (C#)/М1.Обектно-ориентирано проектиране и програмиране/07.Абстрактни класове и интерфейси/07.2.Интерфейси.pptx
+++ b/dmanolov/Информатика 11 клас, ПП (C#)/М1.Обектно-ориентирано проектиране и програмиране/07.Абстрактни класове и интерфейси/07.2.Интерфейси.pptx
@@ -1,42 +1,42 @@
 
 <file path=ppt/presentation.xml><?xml version="1.0" encoding="utf-8"?>
-<p:presentation xmlns:a="http://schemas.openxmlformats.org/drawingml/2006/main" xmlns:r="http://schemas.openxmlformats.org/officeDocument/2006/relationships" xmlns:p="http://schemas.openxmlformats.org/presentationml/2006/main" showSpecialPlsOnTitleSld="0" removePersonalInfoOnSave="1" saveSubsetFonts="1">
+<p:presentation xmlns:a="http://schemas.openxmlformats.org/drawingml/2006/main" xmlns:r="http://schemas.openxmlformats.org/officeDocument/2006/relationships" xmlns:p="http://schemas.openxmlformats.org/presentationml/2006/main" showSpecialPlsOnTitleSld="0" removePersonalInfoOnSave="1">
   <p:sldMasterIdLst>
-    <p:sldMasterId id="2147483660" r:id="rId2"/>
+    <p:sldMasterId id="2147483648" r:id="rId1"/>
   </p:sldMasterIdLst>
   <p:notesMasterIdLst>
-    <p:notesMasterId r:id="rId29"/>
+    <p:notesMasterId r:id="rId28"/>
   </p:notesMasterIdLst>
   <p:handoutMasterIdLst>
-    <p:handoutMasterId r:id="rId30"/>
+    <p:handoutMasterId r:id="rId29"/>
   </p:handoutMasterIdLst>
   <p:sldIdLst>
-    <p:sldId id="394" r:id="rId3"/>
-    <p:sldId id="607" r:id="rId4"/>
-    <p:sldId id="608" r:id="rId5"/>
-    <p:sldId id="609" r:id="rId6"/>
-    <p:sldId id="610" r:id="rId7"/>
-    <p:sldId id="611" r:id="rId8"/>
-    <p:sldId id="612" r:id="rId9"/>
-    <p:sldId id="613" r:id="rId10"/>
-    <p:sldId id="614" r:id="rId11"/>
-    <p:sldId id="615" r:id="rId12"/>
-    <p:sldId id="616" r:id="rId13"/>
-    <p:sldId id="617" r:id="rId14"/>
-    <p:sldId id="618" r:id="rId15"/>
-    <p:sldId id="619" r:id="rId16"/>
-    <p:sldId id="620" r:id="rId17"/>
-    <p:sldId id="621" r:id="rId18"/>
-    <p:sldId id="622" r:id="rId19"/>
-    <p:sldId id="623" r:id="rId20"/>
-    <p:sldId id="624" r:id="rId21"/>
-    <p:sldId id="625" r:id="rId22"/>
-    <p:sldId id="626" r:id="rId23"/>
-    <p:sldId id="627" r:id="rId24"/>
-    <p:sldId id="628" r:id="rId25"/>
-    <p:sldId id="629" r:id="rId26"/>
-    <p:sldId id="594" r:id="rId27"/>
-    <p:sldId id="593" r:id="rId28"/>
+    <p:sldId id="394" r:id="rId2"/>
+    <p:sldId id="607" r:id="rId3"/>
+    <p:sldId id="608" r:id="rId4"/>
+    <p:sldId id="609" r:id="rId5"/>
+    <p:sldId id="610" r:id="rId6"/>
+    <p:sldId id="611" r:id="rId7"/>
+    <p:sldId id="612" r:id="rId8"/>
+    <p:sldId id="613" r:id="rId9"/>
+    <p:sldId id="614" r:id="rId10"/>
+    <p:sldId id="615" r:id="rId11"/>
+    <p:sldId id="616" r:id="rId12"/>
+    <p:sldId id="617" r:id="rId13"/>
+    <p:sldId id="618" r:id="rId14"/>
+    <p:sldId id="619" r:id="rId15"/>
+    <p:sldId id="620" r:id="rId16"/>
+    <p:sldId id="621" r:id="rId17"/>
+    <p:sldId id="622" r:id="rId18"/>
+    <p:sldId id="623" r:id="rId19"/>
+    <p:sldId id="624" r:id="rId20"/>
+    <p:sldId id="625" r:id="rId21"/>
+    <p:sldId id="626" r:id="rId22"/>
+    <p:sldId id="627" r:id="rId23"/>
+    <p:sldId id="628" r:id="rId24"/>
+    <p:sldId id="629" r:id="rId25"/>
+    <p:sldId id="594" r:id="rId26"/>
+    <p:sldId id="593" r:id="rId27"/>
   </p:sldIdLst>
   <p:sldSz cx="12188825" cy="6858000"/>
   <p:notesSz cx="6858000" cy="9144000"/>
@@ -44,7 +44,7 @@
     <a:defPPr>
       <a:defRPr lang="en-US"/>
     </a:defPPr>
-    <a:lvl1pPr marL="0" algn="l" defTabSz="1218987" rtl="0" eaLnBrk="1" latinLnBrk="0" hangingPunct="1">
+    <a:lvl1pPr marL="0" algn="l" defTabSz="1219200" rtl="0" eaLnBrk="1" latinLnBrk="0" hangingPunct="1">
       <a:defRPr sz="2400" kern="1200">
         <a:solidFill>
           <a:schemeClr val="tx1"/>
@@ -54,7 +54,7 @@
         <a:cs typeface="+mn-cs"/>
       </a:defRPr>
     </a:lvl1pPr>
-    <a:lvl2pPr marL="609493" algn="l" defTabSz="1218987" rtl="0" eaLnBrk="1" latinLnBrk="0" hangingPunct="1">
+    <a:lvl2pPr marL="609600" algn="l" defTabSz="1219200" rtl="0" eaLnBrk="1" latinLnBrk="0" hangingPunct="1">
       <a:defRPr sz="2400" kern="1200">
         <a:solidFill>
           <a:schemeClr val="tx1"/>
@@ -64,7 +64,7 @@
         <a:cs typeface="+mn-cs"/>
       </a:defRPr>
     </a:lvl2pPr>
-    <a:lvl3pPr marL="1218987" algn="l" defTabSz="1218987" rtl="0" eaLnBrk="1" latinLnBrk="0" hangingPunct="1">
+    <a:lvl3pPr marL="1219200" algn="l" defTabSz="1219200" rtl="0" eaLnBrk="1" latinLnBrk="0" hangingPunct="1">
       <a:defRPr sz="2400" kern="1200">
         <a:solidFill>
           <a:schemeClr val="tx1"/>
@@ -74,7 +74,7 @@
         <a:cs typeface="+mn-cs"/>
       </a:defRPr>
     </a:lvl3pPr>
-    <a:lvl4pPr marL="1828480" algn="l" defTabSz="1218987" rtl="0" eaLnBrk="1" latinLnBrk="0" hangingPunct="1">
+    <a:lvl4pPr marL="1828165" algn="l" defTabSz="1219200" rtl="0" eaLnBrk="1" latinLnBrk="0" hangingPunct="1">
       <a:defRPr sz="2400" kern="1200">
         <a:solidFill>
           <a:schemeClr val="tx1"/>
@@ -84,7 +84,7 @@
         <a:cs typeface="+mn-cs"/>
       </a:defRPr>
     </a:lvl4pPr>
-    <a:lvl5pPr marL="2437973" algn="l" defTabSz="1218987" rtl="0" eaLnBrk="1" latinLnBrk="0" hangingPunct="1">
+    <a:lvl5pPr marL="2437765" algn="l" defTabSz="1219200" rtl="0" eaLnBrk="1" latinLnBrk="0" hangingPunct="1">
       <a:defRPr sz="2400" kern="1200">
         <a:solidFill>
           <a:schemeClr val="tx1"/>
@@ -94,7 +94,7 @@
         <a:cs typeface="+mn-cs"/>
       </a:defRPr>
     </a:lvl5pPr>
-    <a:lvl6pPr marL="3047467" algn="l" defTabSz="1218987" rtl="0" eaLnBrk="1" latinLnBrk="0" hangingPunct="1">
+    <a:lvl6pPr marL="3047365" algn="l" defTabSz="1219200" rtl="0" eaLnBrk="1" latinLnBrk="0" hangingPunct="1">
       <a:defRPr sz="2400" kern="1200">
         <a:solidFill>
           <a:schemeClr val="tx1"/>
@@ -104,7 +104,7 @@
         <a:cs typeface="+mn-cs"/>
       </a:defRPr>
     </a:lvl6pPr>
-    <a:lvl7pPr marL="3656960" algn="l" defTabSz="1218987" rtl="0" eaLnBrk="1" latinLnBrk="0" hangingPunct="1">
+    <a:lvl7pPr marL="3656965" algn="l" defTabSz="1219200" rtl="0" eaLnBrk="1" latinLnBrk="0" hangingPunct="1">
       <a:defRPr sz="2400" kern="1200">
         <a:solidFill>
           <a:schemeClr val="tx1"/>
@@ -114,7 +114,7 @@
         <a:cs typeface="+mn-cs"/>
       </a:defRPr>
     </a:lvl7pPr>
-    <a:lvl8pPr marL="4266453" algn="l" defTabSz="1218987" rtl="0" eaLnBrk="1" latinLnBrk="0" hangingPunct="1">
+    <a:lvl8pPr marL="4266565" algn="l" defTabSz="1219200" rtl="0" eaLnBrk="1" latinLnBrk="0" hangingPunct="1">
       <a:defRPr sz="2400" kern="1200">
         <a:solidFill>
           <a:schemeClr val="tx1"/>
@@ -124,7 +124,7 @@
         <a:cs typeface="+mn-cs"/>
       </a:defRPr>
     </a:lvl8pPr>
-    <a:lvl9pPr marL="4875947" algn="l" defTabSz="1218987" rtl="0" eaLnBrk="1" latinLnBrk="0" hangingPunct="1">
+    <a:lvl9pPr marL="4876165" algn="l" defTabSz="1219200" rtl="0" eaLnBrk="1" latinLnBrk="0" hangingPunct="1">
       <a:defRPr sz="2400" kern="1200">
         <a:solidFill>
           <a:schemeClr val="tx1"/>
@@ -176,12 +176,12 @@
     </p:ext>
     <p:ext uri="{EFAFB233-063F-42B5-8137-9DF3F51BA10A}">
       <p15:sldGuideLst xmlns:p15="http://schemas.microsoft.com/office/powerpoint/2012/main">
-        <p15:guide id="1" orient="horz" pos="2160" userDrawn="1">
+        <p15:guide id="1" orient="horz" pos="2160">
           <p15:clr>
             <a:srgbClr val="A4A3A4"/>
           </p15:clr>
         </p15:guide>
-        <p15:guide id="5" pos="3839" userDrawn="1">
+        <p15:guide id="2" pos="3839">
           <p15:clr>
             <a:srgbClr val="A4A3A4"/>
           </p15:clr>
@@ -294,8 +294,7 @@
           <a:p>
             <a:fld id="{FE5B4EDC-59C0-49C7-8ADA-5A781B329E02}" type="datetimeFigureOut">
               <a:rPr lang="en-US"/>
-              <a:pPr/>
-              <a:t>1/5/2021</a:t>
+              <a:t>1/13/2021</a:t>
             </a:fld>
             <a:endParaRPr dirty="0"/>
           </a:p>
@@ -392,7 +391,6 @@
           <a:p>
             <a:fld id="{79429053-DC2A-4342-ADD4-2FD729D91E2C}" type="slidenum">
               <a:rPr sz="1000"/>
-              <a:pPr/>
               <a:t>‹#›</a:t>
             </a:fld>
             <a:endParaRPr sz="1000" dirty="0"/>
@@ -402,7 +400,7 @@
     </p:spTree>
     <p:extLst>
       <p:ext uri="{BB962C8B-B14F-4D97-AF65-F5344CB8AC3E}">
-        <p14:creationId xmlns:p14="http://schemas.microsoft.com/office/powerpoint/2010/main" val="4232045756"/>
+        <p14:creationId xmlns:p14="http://schemas.microsoft.com/office/powerpoint/2010/main" val="307688964"/>
       </p:ext>
     </p:extLst>
   </p:cSld>
@@ -493,8 +491,7 @@
           <a:p>
             <a:fld id="{F2D8D46A-B586-417D-BFBD-8C8FE0AAF762}" type="datetimeFigureOut">
               <a:rPr lang="en-US" smtClean="0"/>
-              <a:pPr/>
-              <a:t>1/5/2021</a:t>
+              <a:t>1/13/2021</a:t>
             </a:fld>
             <a:endParaRPr lang="en-US" dirty="0"/>
           </a:p>
@@ -682,7 +679,6 @@
           <a:p>
             <a:fld id="{3EBA5BD7-F043-4D1B-AA17-CD412FC534DE}" type="slidenum">
               <a:rPr lang="en-US" smtClean="0"/>
-              <a:pPr/>
               <a:t>‹#›</a:t>
             </a:fld>
             <a:endParaRPr lang="en-US" dirty="0"/>
@@ -692,14 +688,14 @@
     </p:spTree>
     <p:extLst>
       <p:ext uri="{BB962C8B-B14F-4D97-AF65-F5344CB8AC3E}">
-        <p14:creationId xmlns:p14="http://schemas.microsoft.com/office/powerpoint/2010/main" val="276705785"/>
+        <p14:creationId xmlns:p14="http://schemas.microsoft.com/office/powerpoint/2010/main" val="829130686"/>
       </p:ext>
     </p:extLst>
   </p:cSld>
   <p:clrMap bg1="lt1" tx1="dk1" bg2="lt2" tx2="dk2" accent1="accent1" accent2="accent2" accent3="accent3" accent4="accent4" accent5="accent5" accent6="accent6" hlink="hlink" folHlink="folHlink"/>
   <p:hf hdr="0" dt="0"/>
   <p:notesStyle>
-    <a:lvl1pPr marL="0" algn="l" defTabSz="1218987" rtl="0" eaLnBrk="1" latinLnBrk="0" hangingPunct="1">
+    <a:lvl1pPr marL="0" algn="l" defTabSz="1219200" rtl="0" eaLnBrk="1" latinLnBrk="0" hangingPunct="1">
       <a:defRPr sz="1600" kern="1200">
         <a:solidFill>
           <a:schemeClr val="tx1"/>
@@ -709,7 +705,7 @@
         <a:cs typeface="+mn-cs"/>
       </a:defRPr>
     </a:lvl1pPr>
-    <a:lvl2pPr marL="177800" indent="0" algn="l" defTabSz="1218987" rtl="0" eaLnBrk="1" latinLnBrk="0" hangingPunct="1">
+    <a:lvl2pPr marL="177800" indent="0" algn="l" defTabSz="1219200" rtl="0" eaLnBrk="1" latinLnBrk="0" hangingPunct="1">
       <a:defRPr sz="1600" kern="1200">
         <a:solidFill>
           <a:schemeClr val="tx1"/>
@@ -719,7 +715,7 @@
         <a:cs typeface="+mn-cs"/>
       </a:defRPr>
     </a:lvl2pPr>
-    <a:lvl3pPr marL="361950" indent="0" algn="l" defTabSz="1218987" rtl="0" eaLnBrk="1" latinLnBrk="0" hangingPunct="1">
+    <a:lvl3pPr marL="361950" indent="0" algn="l" defTabSz="1219200" rtl="0" eaLnBrk="1" latinLnBrk="0" hangingPunct="1">
       <a:defRPr sz="1600" kern="1200">
         <a:solidFill>
           <a:schemeClr val="tx1"/>
@@ -729,7 +725,7 @@
         <a:cs typeface="+mn-cs"/>
       </a:defRPr>
     </a:lvl3pPr>
-    <a:lvl4pPr marL="539750" indent="0" algn="l" defTabSz="1218987" rtl="0" eaLnBrk="1" latinLnBrk="0" hangingPunct="1">
+    <a:lvl4pPr marL="539750" indent="0" algn="l" defTabSz="1219200" rtl="0" eaLnBrk="1" latinLnBrk="0" hangingPunct="1">
       <a:defRPr sz="1600" kern="1200">
         <a:solidFill>
           <a:schemeClr val="tx1"/>
@@ -739,7 +735,7 @@
         <a:cs typeface="+mn-cs"/>
       </a:defRPr>
     </a:lvl4pPr>
-    <a:lvl5pPr marL="717550" indent="0" algn="l" defTabSz="1218987" rtl="0" eaLnBrk="1" latinLnBrk="0" hangingPunct="1">
+    <a:lvl5pPr marL="717550" indent="0" algn="l" defTabSz="1219200" rtl="0" eaLnBrk="1" latinLnBrk="0" hangingPunct="1">
       <a:defRPr sz="1600" kern="1200">
         <a:solidFill>
           <a:schemeClr val="tx1"/>
@@ -749,7 +745,7 @@
         <a:cs typeface="+mn-cs"/>
       </a:defRPr>
     </a:lvl5pPr>
-    <a:lvl6pPr marL="3047467" algn="l" defTabSz="1218987" rtl="0" eaLnBrk="1" latinLnBrk="0" hangingPunct="1">
+    <a:lvl6pPr marL="3047365" algn="l" defTabSz="1219200" rtl="0" eaLnBrk="1" latinLnBrk="0" hangingPunct="1">
       <a:defRPr sz="1600" kern="1200">
         <a:solidFill>
           <a:schemeClr val="tx1"/>
@@ -759,7 +755,7 @@
         <a:cs typeface="+mn-cs"/>
       </a:defRPr>
     </a:lvl6pPr>
-    <a:lvl7pPr marL="3656960" algn="l" defTabSz="1218987" rtl="0" eaLnBrk="1" latinLnBrk="0" hangingPunct="1">
+    <a:lvl7pPr marL="3656965" algn="l" defTabSz="1219200" rtl="0" eaLnBrk="1" latinLnBrk="0" hangingPunct="1">
       <a:defRPr sz="1600" kern="1200">
         <a:solidFill>
           <a:schemeClr val="tx1"/>
@@ -769,7 +765,7 @@
         <a:cs typeface="+mn-cs"/>
       </a:defRPr>
     </a:lvl7pPr>
-    <a:lvl8pPr marL="4266453" algn="l" defTabSz="1218987" rtl="0" eaLnBrk="1" latinLnBrk="0" hangingPunct="1">
+    <a:lvl8pPr marL="4266565" algn="l" defTabSz="1219200" rtl="0" eaLnBrk="1" latinLnBrk="0" hangingPunct="1">
       <a:defRPr sz="1600" kern="1200">
         <a:solidFill>
           <a:schemeClr val="tx1"/>
@@ -779,7 +775,7 @@
         <a:cs typeface="+mn-cs"/>
       </a:defRPr>
     </a:lvl8pPr>
-    <a:lvl9pPr marL="4875947" algn="l" defTabSz="1218987" rtl="0" eaLnBrk="1" latinLnBrk="0" hangingPunct="1">
+    <a:lvl9pPr marL="4876165" algn="l" defTabSz="1219200" rtl="0" eaLnBrk="1" latinLnBrk="0" hangingPunct="1">
       <a:defRPr sz="1600" kern="1200">
         <a:solidFill>
           <a:schemeClr val="tx1"/>
@@ -844,7 +840,7 @@
     </p:spTree>
     <p:extLst>
       <p:ext uri="{BB962C8B-B14F-4D97-AF65-F5344CB8AC3E}">
-        <p14:creationId xmlns:p14="http://schemas.microsoft.com/office/powerpoint/2010/main" val="3632014197"/>
+        <p14:creationId xmlns:p14="http://schemas.microsoft.com/office/powerpoint/2010/main" val="4186582144"/>
       </p:ext>
     </p:extLst>
   </p:cSld>
@@ -989,7 +985,6 @@
           <a:p>
             <a:fld id="{3EBA5BD7-F043-4D1B-AA17-CD412FC534DE}" type="slidenum">
               <a:rPr lang="en-US" smtClean="0"/>
-              <a:pPr/>
               <a:t>10</a:t>
             </a:fld>
             <a:endParaRPr lang="en-US" dirty="0"/>
@@ -999,7 +994,7 @@
     </p:spTree>
     <p:extLst>
       <p:ext uri="{BB962C8B-B14F-4D97-AF65-F5344CB8AC3E}">
-        <p14:creationId xmlns:p14="http://schemas.microsoft.com/office/powerpoint/2010/main" val="4229359593"/>
+        <p14:creationId xmlns:p14="http://schemas.microsoft.com/office/powerpoint/2010/main" val="771749965"/>
       </p:ext>
     </p:extLst>
   </p:cSld>
@@ -1144,7 +1139,6 @@
           <a:p>
             <a:fld id="{3EBA5BD7-F043-4D1B-AA17-CD412FC534DE}" type="slidenum">
               <a:rPr lang="en-US" smtClean="0"/>
-              <a:pPr/>
               <a:t>11</a:t>
             </a:fld>
             <a:endParaRPr lang="en-US" dirty="0"/>
@@ -1154,7 +1148,7 @@
     </p:spTree>
     <p:extLst>
       <p:ext uri="{BB962C8B-B14F-4D97-AF65-F5344CB8AC3E}">
-        <p14:creationId xmlns:p14="http://schemas.microsoft.com/office/powerpoint/2010/main" val="477632440"/>
+        <p14:creationId xmlns:p14="http://schemas.microsoft.com/office/powerpoint/2010/main" val="3999515073"/>
       </p:ext>
     </p:extLst>
   </p:cSld>
@@ -1299,7 +1293,6 @@
           <a:p>
             <a:fld id="{3EBA5BD7-F043-4D1B-AA17-CD412FC534DE}" type="slidenum">
               <a:rPr lang="en-US" smtClean="0"/>
-              <a:pPr/>
               <a:t>12</a:t>
             </a:fld>
             <a:endParaRPr lang="en-US" dirty="0"/>
@@ -1309,7 +1302,7 @@
     </p:spTree>
     <p:extLst>
       <p:ext uri="{BB962C8B-B14F-4D97-AF65-F5344CB8AC3E}">
-        <p14:creationId xmlns:p14="http://schemas.microsoft.com/office/powerpoint/2010/main" val="724568747"/>
+        <p14:creationId xmlns:p14="http://schemas.microsoft.com/office/powerpoint/2010/main" val="2316621133"/>
       </p:ext>
     </p:extLst>
   </p:cSld>
@@ -1454,7 +1447,6 @@
           <a:p>
             <a:fld id="{3EBA5BD7-F043-4D1B-AA17-CD412FC534DE}" type="slidenum">
               <a:rPr lang="en-US" smtClean="0"/>
-              <a:pPr/>
               <a:t>13</a:t>
             </a:fld>
             <a:endParaRPr lang="en-US" dirty="0"/>
@@ -1464,7 +1456,7 @@
     </p:spTree>
     <p:extLst>
       <p:ext uri="{BB962C8B-B14F-4D97-AF65-F5344CB8AC3E}">
-        <p14:creationId xmlns:p14="http://schemas.microsoft.com/office/powerpoint/2010/main" val="119039895"/>
+        <p14:creationId xmlns:p14="http://schemas.microsoft.com/office/powerpoint/2010/main" val="2502616558"/>
       </p:ext>
     </p:extLst>
   </p:cSld>
@@ -1609,7 +1601,6 @@
           <a:p>
             <a:fld id="{3EBA5BD7-F043-4D1B-AA17-CD412FC534DE}" type="slidenum">
               <a:rPr lang="en-US" smtClean="0"/>
-              <a:pPr/>
               <a:t>14</a:t>
             </a:fld>
             <a:endParaRPr lang="en-US" dirty="0"/>
@@ -1619,7 +1610,7 @@
     </p:spTree>
     <p:extLst>
       <p:ext uri="{BB962C8B-B14F-4D97-AF65-F5344CB8AC3E}">
-        <p14:creationId xmlns:p14="http://schemas.microsoft.com/office/powerpoint/2010/main" val="1910681778"/>
+        <p14:creationId xmlns:p14="http://schemas.microsoft.com/office/powerpoint/2010/main" val="3026991279"/>
       </p:ext>
     </p:extLst>
   </p:cSld>
@@ -1764,7 +1755,6 @@
           <a:p>
             <a:fld id="{3EBA5BD7-F043-4D1B-AA17-CD412FC534DE}" type="slidenum">
               <a:rPr lang="en-US" smtClean="0"/>
-              <a:pPr/>
               <a:t>15</a:t>
             </a:fld>
             <a:endParaRPr lang="en-US" dirty="0"/>
@@ -1774,7 +1764,7 @@
     </p:spTree>
     <p:extLst>
       <p:ext uri="{BB962C8B-B14F-4D97-AF65-F5344CB8AC3E}">
-        <p14:creationId xmlns:p14="http://schemas.microsoft.com/office/powerpoint/2010/main" val="1819855593"/>
+        <p14:creationId xmlns:p14="http://schemas.microsoft.com/office/powerpoint/2010/main" val="2696010123"/>
       </p:ext>
     </p:extLst>
   </p:cSld>
@@ -1919,7 +1909,6 @@
           <a:p>
             <a:fld id="{3EBA5BD7-F043-4D1B-AA17-CD412FC534DE}" type="slidenum">
               <a:rPr lang="en-US" smtClean="0"/>
-              <a:pPr/>
               <a:t>16</a:t>
             </a:fld>
             <a:endParaRPr lang="en-US" dirty="0"/>
@@ -1929,7 +1918,7 @@
     </p:spTree>
     <p:extLst>
       <p:ext uri="{BB962C8B-B14F-4D97-AF65-F5344CB8AC3E}">
-        <p14:creationId xmlns:p14="http://schemas.microsoft.com/office/powerpoint/2010/main" val="4089769074"/>
+        <p14:creationId xmlns:p14="http://schemas.microsoft.com/office/powerpoint/2010/main" val="1035084134"/>
       </p:ext>
     </p:extLst>
   </p:cSld>
@@ -1966,9 +1955,7 @@
             <p:ph type="ftr" sz="quarter" idx="4"/>
           </p:nvPr>
         </p:nvSpPr>
-        <p:spPr>
-          <a:ln/>
-        </p:spPr>
+        <p:spPr/>
         <p:txBody>
           <a:bodyPr/>
           <a:lstStyle/>
@@ -1990,16 +1977,13 @@
             <p:ph type="sldNum" sz="quarter" idx="5"/>
           </p:nvPr>
         </p:nvSpPr>
-        <p:spPr>
-          <a:ln/>
-        </p:spPr>
+        <p:spPr/>
         <p:txBody>
           <a:bodyPr/>
           <a:lstStyle/>
           <a:p>
             <a:fld id="{C7131C5E-1E6B-46FF-9756-44B6556E2A79}" type="slidenum">
               <a:rPr lang="en-US"/>
-              <a:pPr/>
               <a:t>17</a:t>
             </a:fld>
             <a:r>
@@ -2024,7 +2008,6 @@
             <a:off x="382588" y="685800"/>
             <a:ext cx="6092825" cy="3429000"/>
           </a:xfrm>
-          <a:ln/>
         </p:spPr>
       </p:sp>
       <p:sp>
@@ -2049,7 +2032,7 @@
     </p:spTree>
     <p:extLst>
       <p:ext uri="{BB962C8B-B14F-4D97-AF65-F5344CB8AC3E}">
-        <p14:creationId xmlns:p14="http://schemas.microsoft.com/office/powerpoint/2010/main" val="1804549541"/>
+        <p14:creationId xmlns:p14="http://schemas.microsoft.com/office/powerpoint/2010/main" val="1692514048"/>
       </p:ext>
     </p:extLst>
   </p:cSld>
@@ -2086,9 +2069,7 @@
             <p:ph type="ftr" sz="quarter" idx="4"/>
           </p:nvPr>
         </p:nvSpPr>
-        <p:spPr>
-          <a:ln/>
-        </p:spPr>
+        <p:spPr/>
         <p:txBody>
           <a:bodyPr/>
           <a:lstStyle/>
@@ -2110,16 +2091,13 @@
             <p:ph type="sldNum" sz="quarter" idx="5"/>
           </p:nvPr>
         </p:nvSpPr>
-        <p:spPr>
-          <a:ln/>
-        </p:spPr>
+        <p:spPr/>
         <p:txBody>
           <a:bodyPr/>
           <a:lstStyle/>
           <a:p>
             <a:fld id="{332C4CEC-2DBE-4C38-BA31-7DE965C3FA11}" type="slidenum">
               <a:rPr lang="en-US"/>
-              <a:pPr/>
               <a:t>18</a:t>
             </a:fld>
             <a:r>
@@ -2144,7 +2122,6 @@
             <a:off x="382588" y="685800"/>
             <a:ext cx="6092825" cy="3429000"/>
           </a:xfrm>
-          <a:ln/>
         </p:spPr>
       </p:sp>
       <p:sp>
@@ -2256,15 +2233,13 @@
           <a:ln w="9525">
             <a:noFill/>
             <a:miter lim="800000"/>
-            <a:headEnd/>
-            <a:tailEnd/>
           </a:ln>
         </p:spPr>
         <p:txBody>
           <a:bodyPr lIns="19047" tIns="0" rIns="19047" bIns="0" anchor="b"/>
           <a:lstStyle/>
           <a:p>
-            <a:pPr defTabSz="914450"/>
+            <a:pPr defTabSz="914400"/>
             <a:r>
               <a:rPr lang="en-US" sz="1000" i="1" dirty="0"/>
               <a:t>(c) 2006 National Academy for Software Development - http://academy.devbg.org*</a:t>
@@ -2293,18 +2268,15 @@
           <a:ln w="9525">
             <a:noFill/>
             <a:miter lim="800000"/>
-            <a:headEnd/>
-            <a:tailEnd/>
           </a:ln>
         </p:spPr>
         <p:txBody>
           <a:bodyPr lIns="19047" tIns="0" rIns="19047" bIns="0" anchor="b"/>
           <a:lstStyle/>
           <a:p>
-            <a:pPr algn="r" defTabSz="914450"/>
+            <a:pPr algn="r" defTabSz="914400"/>
             <a:fld id="{1CAF241F-65C9-4E85-866D-33A924D9866A}" type="slidenum">
               <a:rPr lang="en-US" sz="1000" i="1"/>
-              <a:pPr algn="r" defTabSz="914450"/>
               <a:t>18</a:t>
             </a:fld>
             <a:r>
@@ -2318,7 +2290,7 @@
     </p:spTree>
     <p:extLst>
       <p:ext uri="{BB962C8B-B14F-4D97-AF65-F5344CB8AC3E}">
-        <p14:creationId xmlns:p14="http://schemas.microsoft.com/office/powerpoint/2010/main" val="904220071"/>
+        <p14:creationId xmlns:p14="http://schemas.microsoft.com/office/powerpoint/2010/main" val="2118023161"/>
       </p:ext>
     </p:extLst>
   </p:cSld>
@@ -2355,9 +2327,7 @@
             <p:ph type="ftr" sz="quarter" idx="4"/>
           </p:nvPr>
         </p:nvSpPr>
-        <p:spPr>
-          <a:ln/>
-        </p:spPr>
+        <p:spPr/>
         <p:txBody>
           <a:bodyPr/>
           <a:lstStyle/>
@@ -2379,16 +2349,13 @@
             <p:ph type="sldNum" sz="quarter" idx="5"/>
           </p:nvPr>
         </p:nvSpPr>
-        <p:spPr>
-          <a:ln/>
-        </p:spPr>
+        <p:spPr/>
         <p:txBody>
           <a:bodyPr/>
           <a:lstStyle/>
           <a:p>
             <a:fld id="{332C4CEC-2DBE-4C38-BA31-7DE965C3FA11}" type="slidenum">
               <a:rPr lang="en-US"/>
-              <a:pPr/>
               <a:t>19</a:t>
             </a:fld>
             <a:r>
@@ -2413,7 +2380,6 @@
             <a:off x="382588" y="685800"/>
             <a:ext cx="6092825" cy="3429000"/>
           </a:xfrm>
-          <a:ln/>
         </p:spPr>
       </p:sp>
       <p:sp>
@@ -2525,15 +2491,13 @@
           <a:ln w="9525">
             <a:noFill/>
             <a:miter lim="800000"/>
-            <a:headEnd/>
-            <a:tailEnd/>
           </a:ln>
         </p:spPr>
         <p:txBody>
           <a:bodyPr lIns="19047" tIns="0" rIns="19047" bIns="0" anchor="b"/>
           <a:lstStyle/>
           <a:p>
-            <a:pPr defTabSz="914450"/>
+            <a:pPr defTabSz="914400"/>
             <a:r>
               <a:rPr lang="en-US" sz="1000" i="1" dirty="0"/>
               <a:t>(c) 2006 National Academy for Software Development - http://academy.devbg.org*</a:t>
@@ -2562,18 +2526,15 @@
           <a:ln w="9525">
             <a:noFill/>
             <a:miter lim="800000"/>
-            <a:headEnd/>
-            <a:tailEnd/>
           </a:ln>
         </p:spPr>
         <p:txBody>
           <a:bodyPr lIns="19047" tIns="0" rIns="19047" bIns="0" anchor="b"/>
           <a:lstStyle/>
           <a:p>
-            <a:pPr algn="r" defTabSz="914450"/>
+            <a:pPr algn="r" defTabSz="914400"/>
             <a:fld id="{1CAF241F-65C9-4E85-866D-33A924D9866A}" type="slidenum">
               <a:rPr lang="en-US" sz="1000" i="1"/>
-              <a:pPr algn="r" defTabSz="914450"/>
               <a:t>19</a:t>
             </a:fld>
             <a:r>
@@ -2587,7 +2548,7 @@
     </p:spTree>
     <p:extLst>
       <p:ext uri="{BB962C8B-B14F-4D97-AF65-F5344CB8AC3E}">
-        <p14:creationId xmlns:p14="http://schemas.microsoft.com/office/powerpoint/2010/main" val="2146381175"/>
+        <p14:creationId xmlns:p14="http://schemas.microsoft.com/office/powerpoint/2010/main" val="1015323069"/>
       </p:ext>
     </p:extLst>
   </p:cSld>
@@ -2714,7 +2675,6 @@
           <a:p>
             <a:fld id="{3EBA5BD7-F043-4D1B-AA17-CD412FC534DE}" type="slidenum">
               <a:rPr lang="en-US" smtClean="0"/>
-              <a:pPr/>
               <a:t>2</a:t>
             </a:fld>
             <a:endParaRPr lang="en-US" dirty="0"/>
@@ -2724,7 +2684,7 @@
     </p:spTree>
     <p:extLst>
       <p:ext uri="{BB962C8B-B14F-4D97-AF65-F5344CB8AC3E}">
-        <p14:creationId xmlns:p14="http://schemas.microsoft.com/office/powerpoint/2010/main" val="2358982489"/>
+        <p14:creationId xmlns:p14="http://schemas.microsoft.com/office/powerpoint/2010/main" val="2901502118"/>
       </p:ext>
     </p:extLst>
   </p:cSld>
@@ -2761,9 +2721,7 @@
             <p:ph type="ftr" sz="quarter" idx="4"/>
           </p:nvPr>
         </p:nvSpPr>
-        <p:spPr>
-          <a:ln/>
-        </p:spPr>
+        <p:spPr/>
         <p:txBody>
           <a:bodyPr/>
           <a:lstStyle/>
@@ -2785,16 +2743,13 @@
             <p:ph type="sldNum" sz="quarter" idx="5"/>
           </p:nvPr>
         </p:nvSpPr>
-        <p:spPr>
-          <a:ln/>
-        </p:spPr>
+        <p:spPr/>
         <p:txBody>
           <a:bodyPr/>
           <a:lstStyle/>
           <a:p>
             <a:fld id="{332C4CEC-2DBE-4C38-BA31-7DE965C3FA11}" type="slidenum">
               <a:rPr lang="en-US"/>
-              <a:pPr/>
               <a:t>20</a:t>
             </a:fld>
             <a:r>
@@ -2819,7 +2774,6 @@
             <a:off x="382588" y="685800"/>
             <a:ext cx="6092825" cy="3429000"/>
           </a:xfrm>
-          <a:ln/>
         </p:spPr>
       </p:sp>
       <p:sp>
@@ -2931,15 +2885,13 @@
           <a:ln w="9525">
             <a:noFill/>
             <a:miter lim="800000"/>
-            <a:headEnd/>
-            <a:tailEnd/>
           </a:ln>
         </p:spPr>
         <p:txBody>
           <a:bodyPr lIns="19047" tIns="0" rIns="19047" bIns="0" anchor="b"/>
           <a:lstStyle/>
           <a:p>
-            <a:pPr defTabSz="914450"/>
+            <a:pPr defTabSz="914400"/>
             <a:r>
               <a:rPr lang="en-US" sz="1000" i="1" dirty="0"/>
               <a:t>(c) 2006 National Academy for Software Development - http://academy.devbg.org*</a:t>
@@ -2968,18 +2920,15 @@
           <a:ln w="9525">
             <a:noFill/>
             <a:miter lim="800000"/>
-            <a:headEnd/>
-            <a:tailEnd/>
           </a:ln>
         </p:spPr>
         <p:txBody>
           <a:bodyPr lIns="19047" tIns="0" rIns="19047" bIns="0" anchor="b"/>
           <a:lstStyle/>
           <a:p>
-            <a:pPr algn="r" defTabSz="914450"/>
+            <a:pPr algn="r" defTabSz="914400"/>
             <a:fld id="{1CAF241F-65C9-4E85-866D-33A924D9866A}" type="slidenum">
               <a:rPr lang="en-US" sz="1000" i="1"/>
-              <a:pPr algn="r" defTabSz="914450"/>
               <a:t>20</a:t>
             </a:fld>
             <a:r>
@@ -2993,7 +2942,7 @@
     </p:spTree>
     <p:extLst>
       <p:ext uri="{BB962C8B-B14F-4D97-AF65-F5344CB8AC3E}">
-        <p14:creationId xmlns:p14="http://schemas.microsoft.com/office/powerpoint/2010/main" val="3498093175"/>
+        <p14:creationId xmlns:p14="http://schemas.microsoft.com/office/powerpoint/2010/main" val="479593534"/>
       </p:ext>
     </p:extLst>
   </p:cSld>
@@ -3030,9 +2979,7 @@
             <p:ph type="ftr" sz="quarter" idx="4"/>
           </p:nvPr>
         </p:nvSpPr>
-        <p:spPr>
-          <a:ln/>
-        </p:spPr>
+        <p:spPr/>
         <p:txBody>
           <a:bodyPr/>
           <a:lstStyle/>
@@ -3054,16 +3001,13 @@
             <p:ph type="sldNum" sz="quarter" idx="5"/>
           </p:nvPr>
         </p:nvSpPr>
-        <p:spPr>
-          <a:ln/>
-        </p:spPr>
+        <p:spPr/>
         <p:txBody>
           <a:bodyPr/>
           <a:lstStyle/>
           <a:p>
             <a:fld id="{332C4CEC-2DBE-4C38-BA31-7DE965C3FA11}" type="slidenum">
               <a:rPr lang="en-US"/>
-              <a:pPr/>
               <a:t>21</a:t>
             </a:fld>
             <a:r>
@@ -3088,7 +3032,6 @@
             <a:off x="382588" y="685800"/>
             <a:ext cx="6092825" cy="3429000"/>
           </a:xfrm>
-          <a:ln/>
         </p:spPr>
       </p:sp>
       <p:sp>
@@ -3200,15 +3143,13 @@
           <a:ln w="9525">
             <a:noFill/>
             <a:miter lim="800000"/>
-            <a:headEnd/>
-            <a:tailEnd/>
           </a:ln>
         </p:spPr>
         <p:txBody>
           <a:bodyPr lIns="19047" tIns="0" rIns="19047" bIns="0" anchor="b"/>
           <a:lstStyle/>
           <a:p>
-            <a:pPr defTabSz="914450"/>
+            <a:pPr defTabSz="914400"/>
             <a:r>
               <a:rPr lang="en-US" sz="1000" i="1" dirty="0"/>
               <a:t>(c) 2006 National Academy for Software Development - http://academy.devbg.org*</a:t>
@@ -3237,18 +3178,15 @@
           <a:ln w="9525">
             <a:noFill/>
             <a:miter lim="800000"/>
-            <a:headEnd/>
-            <a:tailEnd/>
           </a:ln>
         </p:spPr>
         <p:txBody>
           <a:bodyPr lIns="19047" tIns="0" rIns="19047" bIns="0" anchor="b"/>
           <a:lstStyle/>
           <a:p>
-            <a:pPr algn="r" defTabSz="914450"/>
+            <a:pPr algn="r" defTabSz="914400"/>
             <a:fld id="{1CAF241F-65C9-4E85-866D-33A924D9866A}" type="slidenum">
               <a:rPr lang="en-US" sz="1000" i="1"/>
-              <a:pPr algn="r" defTabSz="914450"/>
               <a:t>21</a:t>
             </a:fld>
             <a:r>
@@ -3262,7 +3200,7 @@
     </p:spTree>
     <p:extLst>
       <p:ext uri="{BB962C8B-B14F-4D97-AF65-F5344CB8AC3E}">
-        <p14:creationId xmlns:p14="http://schemas.microsoft.com/office/powerpoint/2010/main" val="4244874670"/>
+        <p14:creationId xmlns:p14="http://schemas.microsoft.com/office/powerpoint/2010/main" val="1100149307"/>
       </p:ext>
     </p:extLst>
   </p:cSld>
@@ -3299,9 +3237,7 @@
             <p:ph type="ftr" sz="quarter" idx="4"/>
           </p:nvPr>
         </p:nvSpPr>
-        <p:spPr>
-          <a:ln/>
-        </p:spPr>
+        <p:spPr/>
         <p:txBody>
           <a:bodyPr/>
           <a:lstStyle/>
@@ -3323,16 +3259,13 @@
             <p:ph type="sldNum" sz="quarter" idx="5"/>
           </p:nvPr>
         </p:nvSpPr>
-        <p:spPr>
-          <a:ln/>
-        </p:spPr>
+        <p:spPr/>
         <p:txBody>
           <a:bodyPr/>
           <a:lstStyle/>
           <a:p>
             <a:fld id="{332C4CEC-2DBE-4C38-BA31-7DE965C3FA11}" type="slidenum">
               <a:rPr lang="en-US"/>
-              <a:pPr/>
               <a:t>22</a:t>
             </a:fld>
             <a:r>
@@ -3357,7 +3290,6 @@
             <a:off x="382588" y="685800"/>
             <a:ext cx="6092825" cy="3429000"/>
           </a:xfrm>
-          <a:ln/>
         </p:spPr>
       </p:sp>
       <p:sp>
@@ -3469,15 +3401,13 @@
           <a:ln w="9525">
             <a:noFill/>
             <a:miter lim="800000"/>
-            <a:headEnd/>
-            <a:tailEnd/>
           </a:ln>
         </p:spPr>
         <p:txBody>
           <a:bodyPr lIns="19047" tIns="0" rIns="19047" bIns="0" anchor="b"/>
           <a:lstStyle/>
           <a:p>
-            <a:pPr defTabSz="914450"/>
+            <a:pPr defTabSz="914400"/>
             <a:r>
               <a:rPr lang="en-US" sz="1000" i="1" dirty="0"/>
               <a:t>(c) 2006 National Academy for Software Development - http://academy.devbg.org*</a:t>
@@ -3506,18 +3436,15 @@
           <a:ln w="9525">
             <a:noFill/>
             <a:miter lim="800000"/>
-            <a:headEnd/>
-            <a:tailEnd/>
           </a:ln>
         </p:spPr>
         <p:txBody>
           <a:bodyPr lIns="19047" tIns="0" rIns="19047" bIns="0" anchor="b"/>
           <a:lstStyle/>
           <a:p>
-            <a:pPr algn="r" defTabSz="914450"/>
+            <a:pPr algn="r" defTabSz="914400"/>
             <a:fld id="{1CAF241F-65C9-4E85-866D-33A924D9866A}" type="slidenum">
               <a:rPr lang="en-US" sz="1000" i="1"/>
-              <a:pPr algn="r" defTabSz="914450"/>
               <a:t>22</a:t>
             </a:fld>
             <a:r>
@@ -3531,7 +3458,7 @@
     </p:spTree>
     <p:extLst>
       <p:ext uri="{BB962C8B-B14F-4D97-AF65-F5344CB8AC3E}">
-        <p14:creationId xmlns:p14="http://schemas.microsoft.com/office/powerpoint/2010/main" val="1555488896"/>
+        <p14:creationId xmlns:p14="http://schemas.microsoft.com/office/powerpoint/2010/main" val="248753204"/>
       </p:ext>
     </p:extLst>
   </p:cSld>
@@ -3568,9 +3495,7 @@
             <p:ph type="ftr" sz="quarter" idx="4"/>
           </p:nvPr>
         </p:nvSpPr>
-        <p:spPr>
-          <a:ln/>
-        </p:spPr>
+        <p:spPr/>
         <p:txBody>
           <a:bodyPr/>
           <a:lstStyle/>
@@ -3592,16 +3517,13 @@
             <p:ph type="sldNum" sz="quarter" idx="5"/>
           </p:nvPr>
         </p:nvSpPr>
-        <p:spPr>
-          <a:ln/>
-        </p:spPr>
+        <p:spPr/>
         <p:txBody>
           <a:bodyPr/>
           <a:lstStyle/>
           <a:p>
             <a:fld id="{332C4CEC-2DBE-4C38-BA31-7DE965C3FA11}" type="slidenum">
               <a:rPr lang="en-US"/>
-              <a:pPr/>
               <a:t>23</a:t>
             </a:fld>
             <a:r>
@@ -3626,7 +3548,6 @@
             <a:off x="382588" y="685800"/>
             <a:ext cx="6092825" cy="3429000"/>
           </a:xfrm>
-          <a:ln/>
         </p:spPr>
       </p:sp>
       <p:sp>
@@ -3738,15 +3659,13 @@
           <a:ln w="9525">
             <a:noFill/>
             <a:miter lim="800000"/>
-            <a:headEnd/>
-            <a:tailEnd/>
           </a:ln>
         </p:spPr>
         <p:txBody>
           <a:bodyPr lIns="19047" tIns="0" rIns="19047" bIns="0" anchor="b"/>
           <a:lstStyle/>
           <a:p>
-            <a:pPr defTabSz="914450"/>
+            <a:pPr defTabSz="914400"/>
             <a:r>
               <a:rPr lang="en-US" sz="1000" i="1" dirty="0"/>
               <a:t>(c) 2006 National Academy for Software Development - http://academy.devbg.org*</a:t>
@@ -3775,18 +3694,15 @@
           <a:ln w="9525">
             <a:noFill/>
             <a:miter lim="800000"/>
-            <a:headEnd/>
-            <a:tailEnd/>
           </a:ln>
         </p:spPr>
         <p:txBody>
           <a:bodyPr lIns="19047" tIns="0" rIns="19047" bIns="0" anchor="b"/>
           <a:lstStyle/>
           <a:p>
-            <a:pPr algn="r" defTabSz="914450"/>
+            <a:pPr algn="r" defTabSz="914400"/>
             <a:fld id="{1CAF241F-65C9-4E85-866D-33A924D9866A}" type="slidenum">
               <a:rPr lang="en-US" sz="1000" i="1"/>
-              <a:pPr algn="r" defTabSz="914450"/>
               <a:t>23</a:t>
             </a:fld>
             <a:r>
@@ -3800,7 +3716,7 @@
     </p:spTree>
     <p:extLst>
       <p:ext uri="{BB962C8B-B14F-4D97-AF65-F5344CB8AC3E}">
-        <p14:creationId xmlns:p14="http://schemas.microsoft.com/office/powerpoint/2010/main" val="2934084565"/>
+        <p14:creationId xmlns:p14="http://schemas.microsoft.com/office/powerpoint/2010/main" val="3760252678"/>
       </p:ext>
     </p:extLst>
   </p:cSld>
@@ -3861,7 +3777,7 @@
     </p:spTree>
     <p:extLst>
       <p:ext uri="{BB962C8B-B14F-4D97-AF65-F5344CB8AC3E}">
-        <p14:creationId xmlns:p14="http://schemas.microsoft.com/office/powerpoint/2010/main" val="2166824813"/>
+        <p14:creationId xmlns:p14="http://schemas.microsoft.com/office/powerpoint/2010/main" val="1746730301"/>
       </p:ext>
     </p:extLst>
   </p:cSld>
@@ -4028,7 +3944,7 @@
     </p:spTree>
     <p:extLst>
       <p:ext uri="{BB962C8B-B14F-4D97-AF65-F5344CB8AC3E}">
-        <p14:creationId xmlns:p14="http://schemas.microsoft.com/office/powerpoint/2010/main" val="3476930616"/>
+        <p14:creationId xmlns:p14="http://schemas.microsoft.com/office/powerpoint/2010/main" val="1309293303"/>
       </p:ext>
     </p:extLst>
   </p:cSld>
@@ -4162,7 +4078,7 @@
     </p:spTree>
     <p:extLst>
       <p:ext uri="{BB962C8B-B14F-4D97-AF65-F5344CB8AC3E}">
-        <p14:creationId xmlns:p14="http://schemas.microsoft.com/office/powerpoint/2010/main" val="1644628885"/>
+        <p14:creationId xmlns:p14="http://schemas.microsoft.com/office/powerpoint/2010/main" val="341696489"/>
       </p:ext>
     </p:extLst>
   </p:cSld>
@@ -4307,7 +4223,6 @@
           <a:p>
             <a:fld id="{3EBA5BD7-F043-4D1B-AA17-CD412FC534DE}" type="slidenum">
               <a:rPr lang="en-US" smtClean="0"/>
-              <a:pPr/>
               <a:t>3</a:t>
             </a:fld>
             <a:endParaRPr lang="en-US" dirty="0"/>
@@ -4317,7 +4232,7 @@
     </p:spTree>
     <p:extLst>
       <p:ext uri="{BB962C8B-B14F-4D97-AF65-F5344CB8AC3E}">
-        <p14:creationId xmlns:p14="http://schemas.microsoft.com/office/powerpoint/2010/main" val="280209010"/>
+        <p14:creationId xmlns:p14="http://schemas.microsoft.com/office/powerpoint/2010/main" val="2005999782"/>
       </p:ext>
     </p:extLst>
   </p:cSld>
@@ -4462,7 +4377,6 @@
           <a:p>
             <a:fld id="{3EBA5BD7-F043-4D1B-AA17-CD412FC534DE}" type="slidenum">
               <a:rPr lang="en-US" smtClean="0"/>
-              <a:pPr/>
               <a:t>4</a:t>
             </a:fld>
             <a:endParaRPr lang="en-US" dirty="0"/>
@@ -4472,7 +4386,7 @@
     </p:spTree>
     <p:extLst>
       <p:ext uri="{BB962C8B-B14F-4D97-AF65-F5344CB8AC3E}">
-        <p14:creationId xmlns:p14="http://schemas.microsoft.com/office/powerpoint/2010/main" val="3196773846"/>
+        <p14:creationId xmlns:p14="http://schemas.microsoft.com/office/powerpoint/2010/main" val="1344293601"/>
       </p:ext>
     </p:extLst>
   </p:cSld>
@@ -4617,7 +4531,6 @@
           <a:p>
             <a:fld id="{3EBA5BD7-F043-4D1B-AA17-CD412FC534DE}" type="slidenum">
               <a:rPr lang="en-US" smtClean="0"/>
-              <a:pPr/>
               <a:t>5</a:t>
             </a:fld>
             <a:endParaRPr lang="en-US" dirty="0"/>
@@ -4627,7 +4540,7 @@
     </p:spTree>
     <p:extLst>
       <p:ext uri="{BB962C8B-B14F-4D97-AF65-F5344CB8AC3E}">
-        <p14:creationId xmlns:p14="http://schemas.microsoft.com/office/powerpoint/2010/main" val="2428865878"/>
+        <p14:creationId xmlns:p14="http://schemas.microsoft.com/office/powerpoint/2010/main" val="3813925809"/>
       </p:ext>
     </p:extLst>
   </p:cSld>
@@ -4772,7 +4685,6 @@
           <a:p>
             <a:fld id="{3EBA5BD7-F043-4D1B-AA17-CD412FC534DE}" type="slidenum">
               <a:rPr lang="en-US" smtClean="0"/>
-              <a:pPr/>
               <a:t>6</a:t>
             </a:fld>
             <a:endParaRPr lang="en-US" dirty="0"/>
@@ -4782,7 +4694,7 @@
     </p:spTree>
     <p:extLst>
       <p:ext uri="{BB962C8B-B14F-4D97-AF65-F5344CB8AC3E}">
-        <p14:creationId xmlns:p14="http://schemas.microsoft.com/office/powerpoint/2010/main" val="1631028249"/>
+        <p14:creationId xmlns:p14="http://schemas.microsoft.com/office/powerpoint/2010/main" val="1007868652"/>
       </p:ext>
     </p:extLst>
   </p:cSld>
@@ -4927,7 +4839,6 @@
           <a:p>
             <a:fld id="{3EBA5BD7-F043-4D1B-AA17-CD412FC534DE}" type="slidenum">
               <a:rPr lang="en-US" smtClean="0"/>
-              <a:pPr/>
               <a:t>7</a:t>
             </a:fld>
             <a:endParaRPr lang="en-US" dirty="0"/>
@@ -4937,7 +4848,7 @@
     </p:spTree>
     <p:extLst>
       <p:ext uri="{BB962C8B-B14F-4D97-AF65-F5344CB8AC3E}">
-        <p14:creationId xmlns:p14="http://schemas.microsoft.com/office/powerpoint/2010/main" val="3435197594"/>
+        <p14:creationId xmlns:p14="http://schemas.microsoft.com/office/powerpoint/2010/main" val="1292136128"/>
       </p:ext>
     </p:extLst>
   </p:cSld>
@@ -5082,7 +4993,6 @@
           <a:p>
             <a:fld id="{3EBA5BD7-F043-4D1B-AA17-CD412FC534DE}" type="slidenum">
               <a:rPr lang="en-US" smtClean="0"/>
-              <a:pPr/>
               <a:t>8</a:t>
             </a:fld>
             <a:endParaRPr lang="en-US" dirty="0"/>
@@ -5092,7 +5002,7 @@
     </p:spTree>
     <p:extLst>
       <p:ext uri="{BB962C8B-B14F-4D97-AF65-F5344CB8AC3E}">
-        <p14:creationId xmlns:p14="http://schemas.microsoft.com/office/powerpoint/2010/main" val="864811928"/>
+        <p14:creationId xmlns:p14="http://schemas.microsoft.com/office/powerpoint/2010/main" val="2681299552"/>
       </p:ext>
     </p:extLst>
   </p:cSld>
@@ -5237,7 +5147,6 @@
           <a:p>
             <a:fld id="{3EBA5BD7-F043-4D1B-AA17-CD412FC534DE}" type="slidenum">
               <a:rPr lang="en-US" smtClean="0"/>
-              <a:pPr/>
               <a:t>9</a:t>
             </a:fld>
             <a:endParaRPr lang="en-US" dirty="0"/>
@@ -5247,7 +5156,7 @@
     </p:spTree>
     <p:extLst>
       <p:ext uri="{BB962C8B-B14F-4D97-AF65-F5344CB8AC3E}">
-        <p14:creationId xmlns:p14="http://schemas.microsoft.com/office/powerpoint/2010/main" val="359007517"/>
+        <p14:creationId xmlns:p14="http://schemas.microsoft.com/office/powerpoint/2010/main" val="649576340"/>
       </p:ext>
     </p:extLst>
   </p:cSld>
@@ -5358,7 +5267,7 @@
                 </a:solidFill>
               </a:defRPr>
             </a:lvl1pPr>
-            <a:lvl2pPr marL="609493" indent="0" algn="ctr">
+            <a:lvl2pPr marL="609600" indent="0" algn="ctr">
               <a:buNone/>
               <a:defRPr>
                 <a:solidFill>
@@ -5368,7 +5277,7 @@
                 </a:solidFill>
               </a:defRPr>
             </a:lvl2pPr>
-            <a:lvl3pPr marL="1218987" indent="0" algn="ctr">
+            <a:lvl3pPr marL="1219200" indent="0" algn="ctr">
               <a:buNone/>
               <a:defRPr>
                 <a:solidFill>
@@ -5378,7 +5287,7 @@
                 </a:solidFill>
               </a:defRPr>
             </a:lvl3pPr>
-            <a:lvl4pPr marL="1828480" indent="0" algn="ctr">
+            <a:lvl4pPr marL="1828165" indent="0" algn="ctr">
               <a:buNone/>
               <a:defRPr>
                 <a:solidFill>
@@ -5388,7 +5297,7 @@
                 </a:solidFill>
               </a:defRPr>
             </a:lvl4pPr>
-            <a:lvl5pPr marL="2437972" indent="0" algn="ctr">
+            <a:lvl5pPr marL="2437765" indent="0" algn="ctr">
               <a:buNone/>
               <a:defRPr>
                 <a:solidFill>
@@ -5398,7 +5307,7 @@
                 </a:solidFill>
               </a:defRPr>
             </a:lvl5pPr>
-            <a:lvl6pPr marL="3047466" indent="0" algn="ctr">
+            <a:lvl6pPr marL="3047365" indent="0" algn="ctr">
               <a:buNone/>
               <a:defRPr>
                 <a:solidFill>
@@ -5408,7 +5317,7 @@
                 </a:solidFill>
               </a:defRPr>
             </a:lvl6pPr>
-            <a:lvl7pPr marL="3656960" indent="0" algn="ctr">
+            <a:lvl7pPr marL="3656965" indent="0" algn="ctr">
               <a:buNone/>
               <a:defRPr>
                 <a:solidFill>
@@ -5418,7 +5327,7 @@
                 </a:solidFill>
               </a:defRPr>
             </a:lvl7pPr>
-            <a:lvl8pPr marL="4266453" indent="0" algn="ctr">
+            <a:lvl8pPr marL="4266565" indent="0" algn="ctr">
               <a:buNone/>
               <a:defRPr>
                 <a:solidFill>
@@ -5428,7 +5337,7 @@
                 </a:solidFill>
               </a:defRPr>
             </a:lvl8pPr>
-            <a:lvl9pPr marL="4875947" indent="0" algn="ctr">
+            <a:lvl9pPr marL="4876165" indent="0" algn="ctr">
               <a:buNone/>
               <a:defRPr>
                 <a:solidFill>
@@ -5757,11 +5666,6 @@
         </p:txBody>
       </p:sp>
     </p:spTree>
-    <p:extLst>
-      <p:ext uri="{BB962C8B-B14F-4D97-AF65-F5344CB8AC3E}">
-        <p14:creationId xmlns:p14="http://schemas.microsoft.com/office/powerpoint/2010/main" val="1847488592"/>
-      </p:ext>
-    </p:extLst>
   </p:cSld>
   <p:clrMapOvr>
     <a:masterClrMapping/>
@@ -5909,7 +5813,6 @@
           <a:p>
             <a:fld id="{C014DD1E-5D91-48A3-AD6D-45FBA980D106}" type="slidenum">
               <a:rPr lang="en-US" smtClean="0"/>
-              <a:pPr/>
               <a:t>‹#›</a:t>
             </a:fld>
             <a:endParaRPr lang="en-US" dirty="0"/>
@@ -6039,11 +5942,6 @@
         </p:txBody>
       </p:sp>
     </p:spTree>
-    <p:extLst>
-      <p:ext uri="{BB962C8B-B14F-4D97-AF65-F5344CB8AC3E}">
-        <p14:creationId xmlns:p14="http://schemas.microsoft.com/office/powerpoint/2010/main" val="1406769010"/>
-      </p:ext>
-    </p:extLst>
   </p:cSld>
   <p:clrMapOvr>
     <a:masterClrMapping/>
@@ -6148,7 +6046,7 @@
                 </a:solidFill>
               </a:defRPr>
             </a:lvl1pPr>
-            <a:lvl2pPr marL="609493" indent="0">
+            <a:lvl2pPr marL="609600" indent="0">
               <a:buNone/>
               <a:defRPr sz="2400">
                 <a:solidFill>
@@ -6158,7 +6056,7 @@
                 </a:solidFill>
               </a:defRPr>
             </a:lvl2pPr>
-            <a:lvl3pPr marL="1218987" indent="0">
+            <a:lvl3pPr marL="1219200" indent="0">
               <a:buNone/>
               <a:defRPr sz="2100">
                 <a:solidFill>
@@ -6168,7 +6066,7 @@
                 </a:solidFill>
               </a:defRPr>
             </a:lvl3pPr>
-            <a:lvl4pPr marL="1828480" indent="0">
+            <a:lvl4pPr marL="1828165" indent="0">
               <a:buNone/>
               <a:defRPr sz="1900">
                 <a:solidFill>
@@ -6178,7 +6076,7 @@
                 </a:solidFill>
               </a:defRPr>
             </a:lvl4pPr>
-            <a:lvl5pPr marL="2437972" indent="0">
+            <a:lvl5pPr marL="2437765" indent="0">
               <a:buNone/>
               <a:defRPr sz="1900">
                 <a:solidFill>
@@ -6188,7 +6086,7 @@
                 </a:solidFill>
               </a:defRPr>
             </a:lvl5pPr>
-            <a:lvl6pPr marL="3047466" indent="0">
+            <a:lvl6pPr marL="3047365" indent="0">
               <a:buNone/>
               <a:defRPr sz="1900">
                 <a:solidFill>
@@ -6198,7 +6096,7 @@
                 </a:solidFill>
               </a:defRPr>
             </a:lvl6pPr>
-            <a:lvl7pPr marL="3656960" indent="0">
+            <a:lvl7pPr marL="3656965" indent="0">
               <a:buNone/>
               <a:defRPr sz="1900">
                 <a:solidFill>
@@ -6208,7 +6106,7 @@
                 </a:solidFill>
               </a:defRPr>
             </a:lvl7pPr>
-            <a:lvl8pPr marL="4266453" indent="0">
+            <a:lvl8pPr marL="4266565" indent="0">
               <a:buNone/>
               <a:defRPr sz="1900">
                 <a:solidFill>
@@ -6218,7 +6116,7 @@
                 </a:solidFill>
               </a:defRPr>
             </a:lvl8pPr>
-            <a:lvl9pPr marL="4875947" indent="0">
+            <a:lvl9pPr marL="4876165" indent="0">
               <a:buNone/>
               <a:defRPr sz="1900">
                 <a:solidFill>
@@ -6239,11 +6137,6 @@
         </p:txBody>
       </p:sp>
     </p:spTree>
-    <p:extLst>
-      <p:ext uri="{BB962C8B-B14F-4D97-AF65-F5344CB8AC3E}">
-        <p14:creationId xmlns:p14="http://schemas.microsoft.com/office/powerpoint/2010/main" val="3616330612"/>
-      </p:ext>
-    </p:extLst>
   </p:cSld>
   <p:clrMapOvr>
     <a:masterClrMapping/>
@@ -6283,11 +6176,6 @@
         </a:xfrm>
       </p:grpSpPr>
     </p:spTree>
-    <p:extLst>
-      <p:ext uri="{BB962C8B-B14F-4D97-AF65-F5344CB8AC3E}">
-        <p14:creationId xmlns:p14="http://schemas.microsoft.com/office/powerpoint/2010/main" val="2172478503"/>
-      </p:ext>
-    </p:extLst>
   </p:cSld>
   <p:clrMapOvr>
     <a:masterClrMapping/>
@@ -6764,7 +6652,7 @@
                 </a:srgbClr>
               </a:buClr>
               <a:buSzPct val="70000"/>
-              <a:buFont typeface="Wingdings 2" pitchFamily="18" charset="2"/>
+              <a:buFont typeface="Wingdings 2" panose="05020102010507070707" pitchFamily="18" charset="2"/>
               <a:buNone/>
             </a:pPr>
             <a:r>
@@ -6804,13 +6692,7 @@
       </p:sp>
       <p:pic>
         <p:nvPicPr>
-          <p:cNvPr id="18" name="Picture 17">
-            <a:extLst>
-              <a:ext uri="{FF2B5EF4-FFF2-40B4-BE49-F238E27FC236}">
-                <a16:creationId xmlns="" xmlns:a16="http://schemas.microsoft.com/office/drawing/2014/main" id="{09AAFB65-F193-4484-85C5-7FFA43021634}"/>
-              </a:ext>
-            </a:extLst>
-          </p:cNvPr>
+          <p:cNvPr id="18" name="Picture 17"/>
           <p:cNvPicPr>
             <a:picLocks noChangeAspect="1"/>
           </p:cNvPicPr>
@@ -6839,11 +6721,6 @@
         </p:spPr>
       </p:pic>
     </p:spTree>
-    <p:extLst>
-      <p:ext uri="{BB962C8B-B14F-4D97-AF65-F5344CB8AC3E}">
-        <p14:creationId xmlns:p14="http://schemas.microsoft.com/office/powerpoint/2010/main" val="1163543562"/>
-      </p:ext>
-    </p:extLst>
   </p:cSld>
   <p:clrMapOvr>
     <a:masterClrMapping/>
@@ -6991,7 +6868,6 @@
           <a:p>
             <a:fld id="{C014DD1E-5D91-48A3-AD6D-45FBA980D106}" type="slidenum">
               <a:rPr lang="en-US" smtClean="0"/>
-              <a:pPr/>
               <a:t>‹#›</a:t>
             </a:fld>
             <a:endParaRPr lang="en-US" dirty="0"/>
@@ -7094,24 +6970,19 @@
         </p:txBody>
       </p:sp>
     </p:spTree>
-    <p:extLst>
-      <p:ext uri="{BB962C8B-B14F-4D97-AF65-F5344CB8AC3E}">
-        <p14:creationId xmlns:p14="http://schemas.microsoft.com/office/powerpoint/2010/main" val="1395275884"/>
-      </p:ext>
-    </p:extLst>
   </p:cSld>
   <p:clrMap bg1="dk1" tx1="lt1" bg2="dk2" tx2="lt2" accent1="accent1" accent2="accent2" accent3="accent3" accent4="accent4" accent5="accent5" accent6="accent6" hlink="hlink" folHlink="folHlink"/>
   <p:sldLayoutIdLst>
-    <p:sldLayoutId id="2147483661" r:id="rId1"/>
-    <p:sldLayoutId id="2147483662" r:id="rId2"/>
-    <p:sldLayoutId id="2147483663" r:id="rId3"/>
-    <p:sldLayoutId id="2147483667" r:id="rId4"/>
-    <p:sldLayoutId id="2147483668" r:id="rId5"/>
+    <p:sldLayoutId id="2147483649" r:id="rId1"/>
+    <p:sldLayoutId id="2147483650" r:id="rId2"/>
+    <p:sldLayoutId id="2147483651" r:id="rId3"/>
+    <p:sldLayoutId id="2147483652" r:id="rId4"/>
+    <p:sldLayoutId id="2147483653" r:id="rId5"/>
   </p:sldLayoutIdLst>
   <p:hf hdr="0" ftr="0" dt="0"/>
   <p:txStyles>
     <p:titleStyle>
-      <a:lvl1pPr algn="l" defTabSz="1218987" rtl="0" eaLnBrk="1" latinLnBrk="0" hangingPunct="1">
+      <a:lvl1pPr algn="l" defTabSz="1219200" rtl="0" eaLnBrk="1" latinLnBrk="0" hangingPunct="1">
         <a:lnSpc>
           <a:spcPct val="90000"/>
         </a:lnSpc>
@@ -7130,7 +7001,7 @@
       </a:lvl1pPr>
     </p:titleStyle>
     <p:bodyStyle>
-      <a:lvl1pPr marL="304747" indent="-304747" algn="l" defTabSz="1218987" rtl="0" eaLnBrk="1" latinLnBrk="0" hangingPunct="1">
+      <a:lvl1pPr marL="304800" indent="-304800" algn="l" defTabSz="1219200" rtl="0" eaLnBrk="1" latinLnBrk="0" hangingPunct="1">
         <a:lnSpc>
           <a:spcPct val="105000"/>
         </a:lnSpc>
@@ -7155,7 +7026,7 @@
           <a:cs typeface="+mn-cs"/>
         </a:defRPr>
       </a:lvl1pPr>
-      <a:lvl2pPr marL="609493" indent="-231606" algn="l" defTabSz="1218987" rtl="0" eaLnBrk="1" latinLnBrk="0" hangingPunct="1">
+      <a:lvl2pPr marL="609600" indent="-231775" algn="l" defTabSz="1219200" rtl="0" eaLnBrk="1" latinLnBrk="0" hangingPunct="1">
         <a:lnSpc>
           <a:spcPct val="105000"/>
         </a:lnSpc>
@@ -7180,7 +7051,7 @@
           <a:cs typeface="+mn-cs"/>
         </a:defRPr>
       </a:lvl2pPr>
-      <a:lvl3pPr marL="914240" indent="-231606" algn="l" defTabSz="1218987" rtl="0" eaLnBrk="1" latinLnBrk="0" hangingPunct="1">
+      <a:lvl3pPr marL="914400" indent="-231775" algn="l" defTabSz="1219200" rtl="0" eaLnBrk="1" latinLnBrk="0" hangingPunct="1">
         <a:lnSpc>
           <a:spcPct val="105000"/>
         </a:lnSpc>
@@ -7205,7 +7076,7 @@
           <a:cs typeface="+mn-cs"/>
         </a:defRPr>
       </a:lvl3pPr>
-      <a:lvl4pPr marL="1218987" indent="-231606" algn="l" defTabSz="1218987" rtl="0" eaLnBrk="1" latinLnBrk="0" hangingPunct="1">
+      <a:lvl4pPr marL="1219200" indent="-231775" algn="l" defTabSz="1219200" rtl="0" eaLnBrk="1" latinLnBrk="0" hangingPunct="1">
         <a:lnSpc>
           <a:spcPct val="105000"/>
         </a:lnSpc>
@@ -7230,7 +7101,7 @@
           <a:cs typeface="+mn-cs"/>
         </a:defRPr>
       </a:lvl4pPr>
-      <a:lvl5pPr marL="1523733" indent="-231606" algn="l" defTabSz="1218987" rtl="0" eaLnBrk="1" latinLnBrk="0" hangingPunct="1">
+      <a:lvl5pPr marL="1524000" indent="-231775" algn="l" defTabSz="1219200" rtl="0" eaLnBrk="1" latinLnBrk="0" hangingPunct="1">
         <a:lnSpc>
           <a:spcPct val="105000"/>
         </a:lnSpc>
@@ -7255,7 +7126,7 @@
           <a:cs typeface="+mn-cs"/>
         </a:defRPr>
       </a:lvl5pPr>
-      <a:lvl6pPr marL="1828480" indent="-231606" algn="l" defTabSz="1218987" rtl="0" eaLnBrk="1" latinLnBrk="0" hangingPunct="1">
+      <a:lvl6pPr marL="1828165" indent="-231775" algn="l" defTabSz="1219200" rtl="0" eaLnBrk="1" latinLnBrk="0" hangingPunct="1">
         <a:lnSpc>
           <a:spcPct val="90000"/>
         </a:lnSpc>
@@ -7266,7 +7137,7 @@
           <a:schemeClr val="accent1"/>
         </a:buClr>
         <a:buSzPct val="80000"/>
-        <a:buFont typeface="Arial" pitchFamily="34" charset="0"/>
+        <a:buFont typeface="Arial" panose="020B0604020202020204" pitchFamily="34" charset="0"/>
         <a:buChar char="•"/>
         <a:defRPr sz="2000" kern="1200">
           <a:solidFill>
@@ -7277,7 +7148,7 @@
           <a:cs typeface="+mn-cs"/>
         </a:defRPr>
       </a:lvl6pPr>
-      <a:lvl7pPr marL="2133227" indent="-231606" algn="l" defTabSz="1218987" rtl="0" eaLnBrk="1" latinLnBrk="0" hangingPunct="1">
+      <a:lvl7pPr marL="2132965" indent="-231775" algn="l" defTabSz="1219200" rtl="0" eaLnBrk="1" latinLnBrk="0" hangingPunct="1">
         <a:lnSpc>
           <a:spcPct val="90000"/>
         </a:lnSpc>
@@ -7288,7 +7159,7 @@
           <a:schemeClr val="accent1"/>
         </a:buClr>
         <a:buSzPct val="80000"/>
-        <a:buFont typeface="Arial" pitchFamily="34" charset="0"/>
+        <a:buFont typeface="Arial" panose="020B0604020202020204" pitchFamily="34" charset="0"/>
         <a:buChar char="•"/>
         <a:defRPr sz="2000" kern="1200">
           <a:solidFill>
@@ -7299,7 +7170,7 @@
           <a:cs typeface="+mn-cs"/>
         </a:defRPr>
       </a:lvl7pPr>
-      <a:lvl8pPr marL="2437972" indent="-231606" algn="l" defTabSz="1218987" rtl="0" eaLnBrk="1" latinLnBrk="0" hangingPunct="1">
+      <a:lvl8pPr marL="2437765" indent="-231775" algn="l" defTabSz="1219200" rtl="0" eaLnBrk="1" latinLnBrk="0" hangingPunct="1">
         <a:lnSpc>
           <a:spcPct val="90000"/>
         </a:lnSpc>
@@ -7310,7 +7181,7 @@
           <a:schemeClr val="accent1"/>
         </a:buClr>
         <a:buSzPct val="80000"/>
-        <a:buFont typeface="Arial" pitchFamily="34" charset="0"/>
+        <a:buFont typeface="Arial" panose="020B0604020202020204" pitchFamily="34" charset="0"/>
         <a:buChar char="•"/>
         <a:defRPr sz="2000" kern="1200" baseline="0">
           <a:solidFill>
@@ -7321,7 +7192,7 @@
           <a:cs typeface="+mn-cs"/>
         </a:defRPr>
       </a:lvl8pPr>
-      <a:lvl9pPr marL="2742720" indent="-231606" algn="l" defTabSz="1218987" rtl="0" eaLnBrk="1" latinLnBrk="0" hangingPunct="1">
+      <a:lvl9pPr marL="2742565" indent="-231775" algn="l" defTabSz="1219200" rtl="0" eaLnBrk="1" latinLnBrk="0" hangingPunct="1">
         <a:lnSpc>
           <a:spcPct val="90000"/>
         </a:lnSpc>
@@ -7332,7 +7203,7 @@
           <a:schemeClr val="accent1"/>
         </a:buClr>
         <a:buSzPct val="80000"/>
-        <a:buFont typeface="Arial" pitchFamily="34" charset="0"/>
+        <a:buFont typeface="Arial" panose="020B0604020202020204" pitchFamily="34" charset="0"/>
         <a:buChar char="•"/>
         <a:defRPr sz="2000" kern="1200" baseline="0">
           <a:solidFill>
@@ -7348,7 +7219,7 @@
       <a:defPPr>
         <a:defRPr/>
       </a:defPPr>
-      <a:lvl1pPr marL="0" algn="l" defTabSz="1218987" rtl="0" eaLnBrk="1" latinLnBrk="0" hangingPunct="1">
+      <a:lvl1pPr marL="0" algn="l" defTabSz="1219200" rtl="0" eaLnBrk="1" latinLnBrk="0" hangingPunct="1">
         <a:defRPr sz="2400" kern="1200">
           <a:solidFill>
             <a:schemeClr val="tx1"/>
@@ -7358,7 +7229,7 @@
           <a:cs typeface="+mn-cs"/>
         </a:defRPr>
       </a:lvl1pPr>
-      <a:lvl2pPr marL="609493" algn="l" defTabSz="1218987" rtl="0" eaLnBrk="1" latinLnBrk="0" hangingPunct="1">
+      <a:lvl2pPr marL="609600" algn="l" defTabSz="1219200" rtl="0" eaLnBrk="1" latinLnBrk="0" hangingPunct="1">
         <a:defRPr sz="2400" kern="1200">
           <a:solidFill>
             <a:schemeClr val="tx1"/>
@@ -7368,7 +7239,7 @@
           <a:cs typeface="+mn-cs"/>
         </a:defRPr>
       </a:lvl2pPr>
-      <a:lvl3pPr marL="1218987" algn="l" defTabSz="1218987" rtl="0" eaLnBrk="1" latinLnBrk="0" hangingPunct="1">
+      <a:lvl3pPr marL="1219200" algn="l" defTabSz="1219200" rtl="0" eaLnBrk="1" latinLnBrk="0" hangingPunct="1">
         <a:defRPr sz="2400" kern="1200">
           <a:solidFill>
             <a:schemeClr val="tx1"/>
@@ -7378,7 +7249,7 @@
           <a:cs typeface="+mn-cs"/>
         </a:defRPr>
       </a:lvl3pPr>
-      <a:lvl4pPr marL="1828480" algn="l" defTabSz="1218987" rtl="0" eaLnBrk="1" latinLnBrk="0" hangingPunct="1">
+      <a:lvl4pPr marL="1828165" algn="l" defTabSz="1219200" rtl="0" eaLnBrk="1" latinLnBrk="0" hangingPunct="1">
         <a:defRPr sz="2400" kern="1200">
           <a:solidFill>
             <a:schemeClr val="tx1"/>
@@ -7388,7 +7259,7 @@
           <a:cs typeface="+mn-cs"/>
         </a:defRPr>
       </a:lvl4pPr>
-      <a:lvl5pPr marL="2437972" algn="l" defTabSz="1218987" rtl="0" eaLnBrk="1" latinLnBrk="0" hangingPunct="1">
+      <a:lvl5pPr marL="2437765" algn="l" defTabSz="1219200" rtl="0" eaLnBrk="1" latinLnBrk="0" hangingPunct="1">
         <a:defRPr sz="2400" kern="1200">
           <a:solidFill>
             <a:schemeClr val="tx1"/>
@@ -7398,7 +7269,7 @@
           <a:cs typeface="+mn-cs"/>
         </a:defRPr>
       </a:lvl5pPr>
-      <a:lvl6pPr marL="3047466" algn="l" defTabSz="1218987" rtl="0" eaLnBrk="1" latinLnBrk="0" hangingPunct="1">
+      <a:lvl6pPr marL="3047365" algn="l" defTabSz="1219200" rtl="0" eaLnBrk="1" latinLnBrk="0" hangingPunct="1">
         <a:defRPr sz="2400" kern="1200">
           <a:solidFill>
             <a:schemeClr val="tx1"/>
@@ -7408,7 +7279,7 @@
           <a:cs typeface="+mn-cs"/>
         </a:defRPr>
       </a:lvl6pPr>
-      <a:lvl7pPr marL="3656960" algn="l" defTabSz="1218987" rtl="0" eaLnBrk="1" latinLnBrk="0" hangingPunct="1">
+      <a:lvl7pPr marL="3656965" algn="l" defTabSz="1219200" rtl="0" eaLnBrk="1" latinLnBrk="0" hangingPunct="1">
         <a:defRPr sz="2400" kern="1200">
           <a:solidFill>
             <a:schemeClr val="tx1"/>
@@ -7418,7 +7289,7 @@
           <a:cs typeface="+mn-cs"/>
         </a:defRPr>
       </a:lvl7pPr>
-      <a:lvl8pPr marL="4266453" algn="l" defTabSz="1218987" rtl="0" eaLnBrk="1" latinLnBrk="0" hangingPunct="1">
+      <a:lvl8pPr marL="4266565" algn="l" defTabSz="1219200" rtl="0" eaLnBrk="1" latinLnBrk="0" hangingPunct="1">
         <a:defRPr sz="2400" kern="1200">
           <a:solidFill>
             <a:schemeClr val="tx1"/>
@@ -7428,7 +7299,7 @@
           <a:cs typeface="+mn-cs"/>
         </a:defRPr>
       </a:lvl8pPr>
-      <a:lvl9pPr marL="4875947" algn="l" defTabSz="1218987" rtl="0" eaLnBrk="1" latinLnBrk="0" hangingPunct="1">
+      <a:lvl9pPr marL="4876165" algn="l" defTabSz="1219200" rtl="0" eaLnBrk="1" latinLnBrk="0" hangingPunct="1">
         <a:defRPr sz="2400" kern="1200">
           <a:solidFill>
             <a:schemeClr val="tx1"/>
@@ -7440,22 +7311,6 @@
       </a:lvl9pPr>
     </p:otherStyle>
   </p:txStyles>
-  <p:extLst mod="1">
-    <p:ext uri="{27BBF7A9-308A-43DC-89C8-2F10F3537804}">
-      <p15:sldGuideLst xmlns:p15="http://schemas.microsoft.com/office/powerpoint/2012/main">
-        <p15:guide id="1" orient="horz" pos="2160" userDrawn="1">
-          <p15:clr>
-            <a:srgbClr val="F26B43"/>
-          </p15:clr>
-        </p15:guide>
-        <p15:guide id="2" pos="1843" userDrawn="1">
-          <p15:clr>
-            <a:srgbClr val="F26B43"/>
-          </p15:clr>
-        </p15:guide>
-      </p15:sldGuideLst>
-    </p:ext>
-  </p:extLst>
 </p:sldMaster>
 </file>
 
@@ -7479,9 +7334,7 @@
       <p:sp>
         <p:nvSpPr>
           <p:cNvPr id="21" name="Title 4"/>
-          <p:cNvSpPr txBox="1">
-            <a:spLocks/>
-          </p:cNvSpPr>
+          <p:cNvSpPr txBox="1"/>
           <p:nvPr/>
         </p:nvSpPr>
         <p:spPr>
@@ -7498,7 +7351,7 @@
             <a:normAutofit/>
           </a:bodyPr>
           <a:lstStyle>
-            <a:lvl1pPr algn="r" defTabSz="1218987" rtl="0" eaLnBrk="1" latinLnBrk="0" hangingPunct="1">
+            <a:lvl1pPr algn="r" defTabSz="1219200" rtl="0" eaLnBrk="1" latinLnBrk="0" hangingPunct="1">
               <a:lnSpc>
                 <a:spcPct val="90000"/>
               </a:lnSpc>
@@ -7528,9 +7381,7 @@
       <p:sp>
         <p:nvSpPr>
           <p:cNvPr id="22" name="Subtitle 5"/>
-          <p:cNvSpPr txBox="1">
-            <a:spLocks/>
-          </p:cNvSpPr>
+          <p:cNvSpPr txBox="1"/>
           <p:nvPr/>
         </p:nvSpPr>
         <p:spPr>
@@ -7547,7 +7398,7 @@
             <a:normAutofit/>
           </a:bodyPr>
           <a:lstStyle>
-            <a:lvl1pPr marL="0" indent="0" algn="r" defTabSz="1218987" rtl="0" eaLnBrk="1" latinLnBrk="0" hangingPunct="1">
+            <a:lvl1pPr marL="0" indent="0" algn="r" defTabSz="1219200" rtl="0" eaLnBrk="1" latinLnBrk="0" hangingPunct="1">
               <a:lnSpc>
                 <a:spcPct val="105000"/>
               </a:lnSpc>
@@ -7572,7 +7423,7 @@
                 <a:cs typeface="+mn-cs"/>
               </a:defRPr>
             </a:lvl1pPr>
-            <a:lvl2pPr marL="609493" indent="0" algn="ctr" defTabSz="1218987" rtl="0" eaLnBrk="1" latinLnBrk="0" hangingPunct="1">
+            <a:lvl2pPr marL="609600" indent="0" algn="ctr" defTabSz="1219200" rtl="0" eaLnBrk="1" latinLnBrk="0" hangingPunct="1">
               <a:lnSpc>
                 <a:spcPct val="105000"/>
               </a:lnSpc>
@@ -7599,7 +7450,7 @@
                 <a:cs typeface="+mn-cs"/>
               </a:defRPr>
             </a:lvl2pPr>
-            <a:lvl3pPr marL="1218987" indent="0" algn="ctr" defTabSz="1218987" rtl="0" eaLnBrk="1" latinLnBrk="0" hangingPunct="1">
+            <a:lvl3pPr marL="1219200" indent="0" algn="ctr" defTabSz="1219200" rtl="0" eaLnBrk="1" latinLnBrk="0" hangingPunct="1">
               <a:lnSpc>
                 <a:spcPct val="105000"/>
               </a:lnSpc>
@@ -7626,7 +7477,7 @@
                 <a:cs typeface="+mn-cs"/>
               </a:defRPr>
             </a:lvl3pPr>
-            <a:lvl4pPr marL="1828480" indent="0" algn="ctr" defTabSz="1218987" rtl="0" eaLnBrk="1" latinLnBrk="0" hangingPunct="1">
+            <a:lvl4pPr marL="1828165" indent="0" algn="ctr" defTabSz="1219200" rtl="0" eaLnBrk="1" latinLnBrk="0" hangingPunct="1">
               <a:lnSpc>
                 <a:spcPct val="105000"/>
               </a:lnSpc>
@@ -7653,7 +7504,7 @@
                 <a:cs typeface="+mn-cs"/>
               </a:defRPr>
             </a:lvl4pPr>
-            <a:lvl5pPr marL="2437972" indent="0" algn="ctr" defTabSz="1218987" rtl="0" eaLnBrk="1" latinLnBrk="0" hangingPunct="1">
+            <a:lvl5pPr marL="2437765" indent="0" algn="ctr" defTabSz="1219200" rtl="0" eaLnBrk="1" latinLnBrk="0" hangingPunct="1">
               <a:lnSpc>
                 <a:spcPct val="105000"/>
               </a:lnSpc>
@@ -7680,7 +7531,7 @@
                 <a:cs typeface="+mn-cs"/>
               </a:defRPr>
             </a:lvl5pPr>
-            <a:lvl6pPr marL="3047466" indent="0" algn="ctr" defTabSz="1218987" rtl="0" eaLnBrk="1" latinLnBrk="0" hangingPunct="1">
+            <a:lvl6pPr marL="3047365" indent="0" algn="ctr" defTabSz="1219200" rtl="0" eaLnBrk="1" latinLnBrk="0" hangingPunct="1">
               <a:lnSpc>
                 <a:spcPct val="90000"/>
               </a:lnSpc>
@@ -7691,7 +7542,7 @@
                 <a:schemeClr val="accent1"/>
               </a:buClr>
               <a:buSzPct val="80000"/>
-              <a:buFont typeface="Arial" pitchFamily="34" charset="0"/>
+              <a:buFont typeface="Arial" panose="020B0604020202020204" pitchFamily="34" charset="0"/>
               <a:buNone/>
               <a:defRPr sz="2000" kern="1200">
                 <a:solidFill>
@@ -7704,7 +7555,7 @@
                 <a:cs typeface="+mn-cs"/>
               </a:defRPr>
             </a:lvl6pPr>
-            <a:lvl7pPr marL="3656960" indent="0" algn="ctr" defTabSz="1218987" rtl="0" eaLnBrk="1" latinLnBrk="0" hangingPunct="1">
+            <a:lvl7pPr marL="3656965" indent="0" algn="ctr" defTabSz="1219200" rtl="0" eaLnBrk="1" latinLnBrk="0" hangingPunct="1">
               <a:lnSpc>
                 <a:spcPct val="90000"/>
               </a:lnSpc>
@@ -7715,7 +7566,7 @@
                 <a:schemeClr val="accent1"/>
               </a:buClr>
               <a:buSzPct val="80000"/>
-              <a:buFont typeface="Arial" pitchFamily="34" charset="0"/>
+              <a:buFont typeface="Arial" panose="020B0604020202020204" pitchFamily="34" charset="0"/>
               <a:buNone/>
               <a:defRPr sz="2000" kern="1200">
                 <a:solidFill>
@@ -7728,7 +7579,7 @@
                 <a:cs typeface="+mn-cs"/>
               </a:defRPr>
             </a:lvl7pPr>
-            <a:lvl8pPr marL="4266453" indent="0" algn="ctr" defTabSz="1218987" rtl="0" eaLnBrk="1" latinLnBrk="0" hangingPunct="1">
+            <a:lvl8pPr marL="4266565" indent="0" algn="ctr" defTabSz="1219200" rtl="0" eaLnBrk="1" latinLnBrk="0" hangingPunct="1">
               <a:lnSpc>
                 <a:spcPct val="90000"/>
               </a:lnSpc>
@@ -7739,7 +7590,7 @@
                 <a:schemeClr val="accent1"/>
               </a:buClr>
               <a:buSzPct val="80000"/>
-              <a:buFont typeface="Arial" pitchFamily="34" charset="0"/>
+              <a:buFont typeface="Arial" panose="020B0604020202020204" pitchFamily="34" charset="0"/>
               <a:buNone/>
               <a:defRPr sz="2000" kern="1200" baseline="0">
                 <a:solidFill>
@@ -7752,7 +7603,7 @@
                 <a:cs typeface="+mn-cs"/>
               </a:defRPr>
             </a:lvl8pPr>
-            <a:lvl9pPr marL="4875947" indent="0" algn="ctr" defTabSz="1218987" rtl="0" eaLnBrk="1" latinLnBrk="0" hangingPunct="1">
+            <a:lvl9pPr marL="4876165" indent="0" algn="ctr" defTabSz="1219200" rtl="0" eaLnBrk="1" latinLnBrk="0" hangingPunct="1">
               <a:lnSpc>
                 <a:spcPct val="90000"/>
               </a:lnSpc>
@@ -7763,7 +7614,7 @@
                 <a:schemeClr val="accent1"/>
               </a:buClr>
               <a:buSzPct val="80000"/>
-              <a:buFont typeface="Arial" pitchFamily="34" charset="0"/>
+              <a:buFont typeface="Arial" panose="020B0604020202020204" pitchFamily="34" charset="0"/>
               <a:buNone/>
               <a:defRPr sz="2000" kern="1200" baseline="0">
                 <a:solidFill>
@@ -7819,13 +7670,7 @@
       </p:pic>
       <p:grpSp>
         <p:nvGrpSpPr>
-          <p:cNvPr id="23" name="Group 22">
-            <a:extLst>
-              <a:ext uri="{FF2B5EF4-FFF2-40B4-BE49-F238E27FC236}">
-                <a16:creationId xmlns="" xmlns:a16="http://schemas.microsoft.com/office/drawing/2014/main" id="{A0ADD6E4-664D-4B27-BE61-5A56E60D9702}"/>
-              </a:ext>
-            </a:extLst>
-          </p:cNvPr>
+          <p:cNvPr id="23" name="Group 22"/>
           <p:cNvGrpSpPr/>
           <p:nvPr/>
         </p:nvGrpSpPr>
@@ -7839,13 +7684,7 @@
         </p:grpSpPr>
         <p:pic>
           <p:nvPicPr>
-            <p:cNvPr id="24" name="Picture 23" descr="http://softuni.bg">
-              <a:extLst>
-                <a:ext uri="{FF2B5EF4-FFF2-40B4-BE49-F238E27FC236}">
-                  <a16:creationId xmlns="" xmlns:a16="http://schemas.microsoft.com/office/drawing/2014/main" id="{09FAB067-40A6-4A38-93D1-07FB4AB7C79E}"/>
-                </a:ext>
-              </a:extLst>
-            </p:cNvPr>
+            <p:cNvPr id="24" name="Picture 23" descr="http://softuni.bg"/>
             <p:cNvPicPr>
               <a:picLocks noChangeAspect="1"/>
             </p:cNvPicPr>
@@ -7875,13 +7714,7 @@
         </p:pic>
         <p:sp>
           <p:nvSpPr>
-            <p:cNvPr id="25" name="TextBox 24">
-              <a:extLst>
-                <a:ext uri="{FF2B5EF4-FFF2-40B4-BE49-F238E27FC236}">
-                  <a16:creationId xmlns="" xmlns:a16="http://schemas.microsoft.com/office/drawing/2014/main" id="{4F5A4366-F5D6-4393-BD7A-141ED3660C17}"/>
-                </a:ext>
-              </a:extLst>
-            </p:cNvPr>
+            <p:cNvPr id="25" name="TextBox 24"/>
             <p:cNvSpPr txBox="1"/>
             <p:nvPr/>
           </p:nvSpPr>
@@ -7952,11 +7785,6 @@
           <p:nvPicPr>
             <p:cNvPr id="26" name="Picture 4" title="CC-BY-NC-SA License">
               <a:hlinkClick r:id="rId5" tooltip="This work is licensed under the &quot;Creative Commons Attribution-NonCommercial-ShareAlike 4.0 International&quot; license"/>
-              <a:extLst>
-                <a:ext uri="{FF2B5EF4-FFF2-40B4-BE49-F238E27FC236}">
-                  <a16:creationId xmlns="" xmlns:a16="http://schemas.microsoft.com/office/drawing/2014/main" id="{56E2204D-C57C-439A-9210-E0B131EC6C08}"/>
-                </a:ext>
-              </a:extLst>
             </p:cNvPr>
             <p:cNvPicPr>
               <a:picLocks noChangeAspect="1" noChangeArrowheads="1"/>
@@ -7997,16 +7825,8 @@
         </p:pic>
         <p:sp>
           <p:nvSpPr>
-            <p:cNvPr id="27" name="Text Placeholder 7">
-              <a:extLst>
-                <a:ext uri="{FF2B5EF4-FFF2-40B4-BE49-F238E27FC236}">
-                  <a16:creationId xmlns="" xmlns:a16="http://schemas.microsoft.com/office/drawing/2014/main" id="{DEC0E384-8CE2-4278-814B-20BBC04E2118}"/>
-                </a:ext>
-              </a:extLst>
-            </p:cNvPr>
-            <p:cNvSpPr txBox="1">
-              <a:spLocks/>
-            </p:cNvSpPr>
+            <p:cNvPr id="27" name="Text Placeholder 7"/>
+            <p:cNvSpPr txBox="1"/>
             <p:nvPr/>
           </p:nvSpPr>
           <p:spPr bwMode="auto">
@@ -8025,7 +7845,7 @@
               <a:spAutoFit/>
             </a:bodyPr>
             <a:lstStyle>
-              <a:lvl1pPr marL="0" indent="0" algn="l" defTabSz="1218987" rtl="0" eaLnBrk="1" fontAlgn="base" latinLnBrk="0" hangingPunct="1">
+              <a:lvl1pPr marL="0" indent="0" algn="l" defTabSz="1219200" rtl="0" eaLnBrk="1" fontAlgn="base" latinLnBrk="0" hangingPunct="1">
                 <a:lnSpc>
                   <a:spcPct val="105000"/>
                 </a:lnSpc>
@@ -8051,7 +7871,7 @@
                   <a:cs typeface="+mn-cs"/>
                 </a:defRPr>
               </a:lvl1pPr>
-              <a:lvl2pPr marL="609493" indent="-231606" algn="l" defTabSz="1218987" rtl="0" eaLnBrk="1" latinLnBrk="0" hangingPunct="1">
+              <a:lvl2pPr marL="609600" indent="-231775" algn="l" defTabSz="1219200" rtl="0" eaLnBrk="1" latinLnBrk="0" hangingPunct="1">
                 <a:lnSpc>
                   <a:spcPct val="105000"/>
                 </a:lnSpc>
@@ -8076,7 +7896,7 @@
                   <a:cs typeface="+mn-cs"/>
                 </a:defRPr>
               </a:lvl2pPr>
-              <a:lvl3pPr marL="914240" indent="-231606" algn="l" defTabSz="1218987" rtl="0" eaLnBrk="1" latinLnBrk="0" hangingPunct="1">
+              <a:lvl3pPr marL="914400" indent="-231775" algn="l" defTabSz="1219200" rtl="0" eaLnBrk="1" latinLnBrk="0" hangingPunct="1">
                 <a:lnSpc>
                   <a:spcPct val="105000"/>
                 </a:lnSpc>
@@ -8101,7 +7921,7 @@
                   <a:cs typeface="+mn-cs"/>
                 </a:defRPr>
               </a:lvl3pPr>
-              <a:lvl4pPr marL="1218987" indent="-231606" algn="l" defTabSz="1218987" rtl="0" eaLnBrk="1" latinLnBrk="0" hangingPunct="1">
+              <a:lvl4pPr marL="1219200" indent="-231775" algn="l" defTabSz="1219200" rtl="0" eaLnBrk="1" latinLnBrk="0" hangingPunct="1">
                 <a:lnSpc>
                   <a:spcPct val="105000"/>
                 </a:lnSpc>
@@ -8126,7 +7946,7 @@
                   <a:cs typeface="+mn-cs"/>
                 </a:defRPr>
               </a:lvl4pPr>
-              <a:lvl5pPr marL="1523733" indent="-231606" algn="l" defTabSz="1218987" rtl="0" eaLnBrk="1" latinLnBrk="0" hangingPunct="1">
+              <a:lvl5pPr marL="1524000" indent="-231775" algn="l" defTabSz="1219200" rtl="0" eaLnBrk="1" latinLnBrk="0" hangingPunct="1">
                 <a:lnSpc>
                   <a:spcPct val="105000"/>
                 </a:lnSpc>
@@ -8151,7 +7971,7 @@
                   <a:cs typeface="+mn-cs"/>
                 </a:defRPr>
               </a:lvl5pPr>
-              <a:lvl6pPr marL="1828480" indent="-231606" algn="l" defTabSz="1218987" rtl="0" eaLnBrk="1" latinLnBrk="0" hangingPunct="1">
+              <a:lvl6pPr marL="1828165" indent="-231775" algn="l" defTabSz="1219200" rtl="0" eaLnBrk="1" latinLnBrk="0" hangingPunct="1">
                 <a:lnSpc>
                   <a:spcPct val="90000"/>
                 </a:lnSpc>
@@ -8162,7 +7982,7 @@
                   <a:schemeClr val="accent1"/>
                 </a:buClr>
                 <a:buSzPct val="80000"/>
-                <a:buFont typeface="Arial" pitchFamily="34" charset="0"/>
+                <a:buFont typeface="Arial" panose="020B0604020202020204" pitchFamily="34" charset="0"/>
                 <a:buChar char="•"/>
                 <a:defRPr sz="2000" kern="1200">
                   <a:solidFill>
@@ -8173,7 +7993,7 @@
                   <a:cs typeface="+mn-cs"/>
                 </a:defRPr>
               </a:lvl6pPr>
-              <a:lvl7pPr marL="2133227" indent="-231606" algn="l" defTabSz="1218987" rtl="0" eaLnBrk="1" latinLnBrk="0" hangingPunct="1">
+              <a:lvl7pPr marL="2132965" indent="-231775" algn="l" defTabSz="1219200" rtl="0" eaLnBrk="1" latinLnBrk="0" hangingPunct="1">
                 <a:lnSpc>
                   <a:spcPct val="90000"/>
                 </a:lnSpc>
@@ -8184,7 +8004,7 @@
                   <a:schemeClr val="accent1"/>
                 </a:buClr>
                 <a:buSzPct val="80000"/>
-                <a:buFont typeface="Arial" pitchFamily="34" charset="0"/>
+                <a:buFont typeface="Arial" panose="020B0604020202020204" pitchFamily="34" charset="0"/>
                 <a:buChar char="•"/>
                 <a:defRPr sz="2000" kern="1200">
                   <a:solidFill>
@@ -8195,7 +8015,7 @@
                   <a:cs typeface="+mn-cs"/>
                 </a:defRPr>
               </a:lvl7pPr>
-              <a:lvl8pPr marL="2437972" indent="-231606" algn="l" defTabSz="1218987" rtl="0" eaLnBrk="1" latinLnBrk="0" hangingPunct="1">
+              <a:lvl8pPr marL="2437765" indent="-231775" algn="l" defTabSz="1219200" rtl="0" eaLnBrk="1" latinLnBrk="0" hangingPunct="1">
                 <a:lnSpc>
                   <a:spcPct val="90000"/>
                 </a:lnSpc>
@@ -8206,7 +8026,7 @@
                   <a:schemeClr val="accent1"/>
                 </a:buClr>
                 <a:buSzPct val="80000"/>
-                <a:buFont typeface="Arial" pitchFamily="34" charset="0"/>
+                <a:buFont typeface="Arial" panose="020B0604020202020204" pitchFamily="34" charset="0"/>
                 <a:buChar char="•"/>
                 <a:defRPr sz="2000" kern="1200" baseline="0">
                   <a:solidFill>
@@ -8217,7 +8037,7 @@
                   <a:cs typeface="+mn-cs"/>
                 </a:defRPr>
               </a:lvl8pPr>
-              <a:lvl9pPr marL="2742720" indent="-231606" algn="l" defTabSz="1218987" rtl="0" eaLnBrk="1" latinLnBrk="0" hangingPunct="1">
+              <a:lvl9pPr marL="2742565" indent="-231775" algn="l" defTabSz="1219200" rtl="0" eaLnBrk="1" latinLnBrk="0" hangingPunct="1">
                 <a:lnSpc>
                   <a:spcPct val="90000"/>
                 </a:lnSpc>
@@ -8228,7 +8048,7 @@
                   <a:schemeClr val="accent1"/>
                 </a:buClr>
                 <a:buSzPct val="80000"/>
-                <a:buFont typeface="Arial" pitchFamily="34" charset="0"/>
+                <a:buFont typeface="Arial" panose="020B0604020202020204" pitchFamily="34" charset="0"/>
                 <a:buChar char="•"/>
                 <a:defRPr sz="2000" kern="1200" baseline="0">
                   <a:solidFill>
@@ -8254,16 +8074,8 @@
         </p:sp>
         <p:sp>
           <p:nvSpPr>
-            <p:cNvPr id="28" name="Text Placeholder 10">
-              <a:extLst>
-                <a:ext uri="{FF2B5EF4-FFF2-40B4-BE49-F238E27FC236}">
-                  <a16:creationId xmlns="" xmlns:a16="http://schemas.microsoft.com/office/drawing/2014/main" id="{6B9D00F6-6C28-4C4E-8777-DB21EB7CFB3A}"/>
-                </a:ext>
-              </a:extLst>
-            </p:cNvPr>
-            <p:cNvSpPr txBox="1">
-              <a:spLocks/>
-            </p:cNvSpPr>
+            <p:cNvPr id="28" name="Text Placeholder 10"/>
+            <p:cNvSpPr txBox="1"/>
             <p:nvPr/>
           </p:nvSpPr>
           <p:spPr bwMode="auto">
@@ -8282,7 +8094,7 @@
               <a:spAutoFit/>
             </a:bodyPr>
             <a:lstStyle>
-              <a:lvl1pPr marL="0" indent="0" algn="l" defTabSz="1218987" rtl="0" eaLnBrk="1" fontAlgn="base" latinLnBrk="0" hangingPunct="1">
+              <a:lvl1pPr marL="0" indent="0" algn="l" defTabSz="1219200" rtl="0" eaLnBrk="1" fontAlgn="base" latinLnBrk="0" hangingPunct="1">
                 <a:lnSpc>
                   <a:spcPct val="105000"/>
                 </a:lnSpc>
@@ -8311,7 +8123,7 @@
                   <a:cs typeface="+mn-cs"/>
                 </a:defRPr>
               </a:lvl1pPr>
-              <a:lvl2pPr marL="609493" indent="-231606" algn="l" defTabSz="1218987" rtl="0" eaLnBrk="1" latinLnBrk="0" hangingPunct="1">
+              <a:lvl2pPr marL="609600" indent="-231775" algn="l" defTabSz="1219200" rtl="0" eaLnBrk="1" latinLnBrk="0" hangingPunct="1">
                 <a:lnSpc>
                   <a:spcPct val="105000"/>
                 </a:lnSpc>
@@ -8336,7 +8148,7 @@
                   <a:cs typeface="+mn-cs"/>
                 </a:defRPr>
               </a:lvl2pPr>
-              <a:lvl3pPr marL="914240" indent="-231606" algn="l" defTabSz="1218987" rtl="0" eaLnBrk="1" latinLnBrk="0" hangingPunct="1">
+              <a:lvl3pPr marL="914400" indent="-231775" algn="l" defTabSz="1219200" rtl="0" eaLnBrk="1" latinLnBrk="0" hangingPunct="1">
                 <a:lnSpc>
                   <a:spcPct val="105000"/>
                 </a:lnSpc>
@@ -8361,7 +8173,7 @@
                   <a:cs typeface="+mn-cs"/>
                 </a:defRPr>
               </a:lvl3pPr>
-              <a:lvl4pPr marL="1218987" indent="-231606" algn="l" defTabSz="1218987" rtl="0" eaLnBrk="1" latinLnBrk="0" hangingPunct="1">
+              <a:lvl4pPr marL="1219200" indent="-231775" algn="l" defTabSz="1219200" rtl="0" eaLnBrk="1" latinLnBrk="0" hangingPunct="1">
                 <a:lnSpc>
                   <a:spcPct val="105000"/>
                 </a:lnSpc>
@@ -8386,7 +8198,7 @@
                   <a:cs typeface="+mn-cs"/>
                 </a:defRPr>
               </a:lvl4pPr>
-              <a:lvl5pPr marL="1523733" indent="-231606" algn="l" defTabSz="1218987" rtl="0" eaLnBrk="1" latinLnBrk="0" hangingPunct="1">
+              <a:lvl5pPr marL="1524000" indent="-231775" algn="l" defTabSz="1219200" rtl="0" eaLnBrk="1" latinLnBrk="0" hangingPunct="1">
                 <a:lnSpc>
                   <a:spcPct val="105000"/>
                 </a:lnSpc>
@@ -8411,7 +8223,7 @@
                   <a:cs typeface="+mn-cs"/>
                 </a:defRPr>
               </a:lvl5pPr>
-              <a:lvl6pPr marL="1828480" indent="-231606" algn="l" defTabSz="1218987" rtl="0" eaLnBrk="1" latinLnBrk="0" hangingPunct="1">
+              <a:lvl6pPr marL="1828165" indent="-231775" algn="l" defTabSz="1219200" rtl="0" eaLnBrk="1" latinLnBrk="0" hangingPunct="1">
                 <a:lnSpc>
                   <a:spcPct val="90000"/>
                 </a:lnSpc>
@@ -8422,7 +8234,7 @@
                   <a:schemeClr val="accent1"/>
                 </a:buClr>
                 <a:buSzPct val="80000"/>
-                <a:buFont typeface="Arial" pitchFamily="34" charset="0"/>
+                <a:buFont typeface="Arial" panose="020B0604020202020204" pitchFamily="34" charset="0"/>
                 <a:buChar char="•"/>
                 <a:defRPr sz="2000" kern="1200">
                   <a:solidFill>
@@ -8433,7 +8245,7 @@
                   <a:cs typeface="+mn-cs"/>
                 </a:defRPr>
               </a:lvl6pPr>
-              <a:lvl7pPr marL="2133227" indent="-231606" algn="l" defTabSz="1218987" rtl="0" eaLnBrk="1" latinLnBrk="0" hangingPunct="1">
+              <a:lvl7pPr marL="2132965" indent="-231775" algn="l" defTabSz="1219200" rtl="0" eaLnBrk="1" latinLnBrk="0" hangingPunct="1">
                 <a:lnSpc>
                   <a:spcPct val="90000"/>
                 </a:lnSpc>
@@ -8444,7 +8256,7 @@
                   <a:schemeClr val="accent1"/>
                 </a:buClr>
                 <a:buSzPct val="80000"/>
-                <a:buFont typeface="Arial" pitchFamily="34" charset="0"/>
+                <a:buFont typeface="Arial" panose="020B0604020202020204" pitchFamily="34" charset="0"/>
                 <a:buChar char="•"/>
                 <a:defRPr sz="2000" kern="1200">
                   <a:solidFill>
@@ -8455,7 +8267,7 @@
                   <a:cs typeface="+mn-cs"/>
                 </a:defRPr>
               </a:lvl7pPr>
-              <a:lvl8pPr marL="2437972" indent="-231606" algn="l" defTabSz="1218987" rtl="0" eaLnBrk="1" latinLnBrk="0" hangingPunct="1">
+              <a:lvl8pPr marL="2437765" indent="-231775" algn="l" defTabSz="1219200" rtl="0" eaLnBrk="1" latinLnBrk="0" hangingPunct="1">
                 <a:lnSpc>
                   <a:spcPct val="90000"/>
                 </a:lnSpc>
@@ -8466,7 +8278,7 @@
                   <a:schemeClr val="accent1"/>
                 </a:buClr>
                 <a:buSzPct val="80000"/>
-                <a:buFont typeface="Arial" pitchFamily="34" charset="0"/>
+                <a:buFont typeface="Arial" panose="020B0604020202020204" pitchFamily="34" charset="0"/>
                 <a:buChar char="•"/>
                 <a:defRPr sz="2000" kern="1200" baseline="0">
                   <a:solidFill>
@@ -8477,7 +8289,7 @@
                   <a:cs typeface="+mn-cs"/>
                 </a:defRPr>
               </a:lvl8pPr>
-              <a:lvl9pPr marL="2742720" indent="-231606" algn="l" defTabSz="1218987" rtl="0" eaLnBrk="1" latinLnBrk="0" hangingPunct="1">
+              <a:lvl9pPr marL="2742565" indent="-231775" algn="l" defTabSz="1219200" rtl="0" eaLnBrk="1" latinLnBrk="0" hangingPunct="1">
                 <a:lnSpc>
                   <a:spcPct val="90000"/>
                 </a:lnSpc>
@@ -8488,7 +8300,7 @@
                   <a:schemeClr val="accent1"/>
                 </a:buClr>
                 <a:buSzPct val="80000"/>
-                <a:buFont typeface="Arial" pitchFamily="34" charset="0"/>
+                <a:buFont typeface="Arial" panose="020B0604020202020204" pitchFamily="34" charset="0"/>
                 <a:buChar char="•"/>
                 <a:defRPr sz="2000" kern="1200" baseline="0">
                   <a:solidFill>
@@ -8510,16 +8322,8 @@
         </p:sp>
         <p:sp>
           <p:nvSpPr>
-            <p:cNvPr id="29" name="Text Placeholder 11">
-              <a:extLst>
-                <a:ext uri="{FF2B5EF4-FFF2-40B4-BE49-F238E27FC236}">
-                  <a16:creationId xmlns="" xmlns:a16="http://schemas.microsoft.com/office/drawing/2014/main" id="{F4228145-6F82-4534-95DE-2617A32E17BF}"/>
-                </a:ext>
-              </a:extLst>
-            </p:cNvPr>
-            <p:cNvSpPr txBox="1">
-              <a:spLocks/>
-            </p:cNvSpPr>
+            <p:cNvPr id="29" name="Text Placeholder 11"/>
+            <p:cNvSpPr txBox="1"/>
             <p:nvPr/>
           </p:nvSpPr>
           <p:spPr bwMode="auto">
@@ -8538,7 +8342,7 @@
               <a:spAutoFit/>
             </a:bodyPr>
             <a:lstStyle>
-              <a:lvl1pPr marL="0" indent="0" algn="l" defTabSz="1218987" rtl="0" eaLnBrk="1" fontAlgn="base" latinLnBrk="0" hangingPunct="1">
+              <a:lvl1pPr marL="0" indent="0" algn="l" defTabSz="1219200" rtl="0" eaLnBrk="1" fontAlgn="base" latinLnBrk="0" hangingPunct="1">
                 <a:lnSpc>
                   <a:spcPct val="105000"/>
                 </a:lnSpc>
@@ -8564,7 +8368,7 @@
                   <a:cs typeface="+mn-cs"/>
                 </a:defRPr>
               </a:lvl1pPr>
-              <a:lvl2pPr marL="609493" indent="-231606" algn="l" defTabSz="1218987" rtl="0" eaLnBrk="1" latinLnBrk="0" hangingPunct="1">
+              <a:lvl2pPr marL="609600" indent="-231775" algn="l" defTabSz="1219200" rtl="0" eaLnBrk="1" latinLnBrk="0" hangingPunct="1">
                 <a:lnSpc>
                   <a:spcPct val="105000"/>
                 </a:lnSpc>
@@ -8589,7 +8393,7 @@
                   <a:cs typeface="+mn-cs"/>
                 </a:defRPr>
               </a:lvl2pPr>
-              <a:lvl3pPr marL="914240" indent="-231606" algn="l" defTabSz="1218987" rtl="0" eaLnBrk="1" latinLnBrk="0" hangingPunct="1">
+              <a:lvl3pPr marL="914400" indent="-231775" algn="l" defTabSz="1219200" rtl="0" eaLnBrk="1" latinLnBrk="0" hangingPunct="1">
                 <a:lnSpc>
                   <a:spcPct val="105000"/>
                 </a:lnSpc>
@@ -8614,7 +8418,7 @@
                   <a:cs typeface="+mn-cs"/>
                 </a:defRPr>
               </a:lvl3pPr>
-              <a:lvl4pPr marL="1218987" indent="-231606" algn="l" defTabSz="1218987" rtl="0" eaLnBrk="1" latinLnBrk="0" hangingPunct="1">
+              <a:lvl4pPr marL="1219200" indent="-231775" algn="l" defTabSz="1219200" rtl="0" eaLnBrk="1" latinLnBrk="0" hangingPunct="1">
                 <a:lnSpc>
                   <a:spcPct val="105000"/>
                 </a:lnSpc>
@@ -8639,7 +8443,7 @@
                   <a:cs typeface="+mn-cs"/>
                 </a:defRPr>
               </a:lvl4pPr>
-              <a:lvl5pPr marL="1523733" indent="-231606" algn="l" defTabSz="1218987" rtl="0" eaLnBrk="1" latinLnBrk="0" hangingPunct="1">
+              <a:lvl5pPr marL="1524000" indent="-231775" algn="l" defTabSz="1219200" rtl="0" eaLnBrk="1" latinLnBrk="0" hangingPunct="1">
                 <a:lnSpc>
                   <a:spcPct val="105000"/>
                 </a:lnSpc>
@@ -8664,7 +8468,7 @@
                   <a:cs typeface="+mn-cs"/>
                 </a:defRPr>
               </a:lvl5pPr>
-              <a:lvl6pPr marL="1828480" indent="-231606" algn="l" defTabSz="1218987" rtl="0" eaLnBrk="1" latinLnBrk="0" hangingPunct="1">
+              <a:lvl6pPr marL="1828165" indent="-231775" algn="l" defTabSz="1219200" rtl="0" eaLnBrk="1" latinLnBrk="0" hangingPunct="1">
                 <a:lnSpc>
                   <a:spcPct val="90000"/>
                 </a:lnSpc>
@@ -8675,7 +8479,7 @@
                   <a:schemeClr val="accent1"/>
                 </a:buClr>
                 <a:buSzPct val="80000"/>
-                <a:buFont typeface="Arial" pitchFamily="34" charset="0"/>
+                <a:buFont typeface="Arial" panose="020B0604020202020204" pitchFamily="34" charset="0"/>
                 <a:buChar char="•"/>
                 <a:defRPr sz="2000" kern="1200">
                   <a:solidFill>
@@ -8686,7 +8490,7 @@
                   <a:cs typeface="+mn-cs"/>
                 </a:defRPr>
               </a:lvl6pPr>
-              <a:lvl7pPr marL="2133227" indent="-231606" algn="l" defTabSz="1218987" rtl="0" eaLnBrk="1" latinLnBrk="0" hangingPunct="1">
+              <a:lvl7pPr marL="2132965" indent="-231775" algn="l" defTabSz="1219200" rtl="0" eaLnBrk="1" latinLnBrk="0" hangingPunct="1">
                 <a:lnSpc>
                   <a:spcPct val="90000"/>
                 </a:lnSpc>
@@ -8697,7 +8501,7 @@
                   <a:schemeClr val="accent1"/>
                 </a:buClr>
                 <a:buSzPct val="80000"/>
-                <a:buFont typeface="Arial" pitchFamily="34" charset="0"/>
+                <a:buFont typeface="Arial" panose="020B0604020202020204" pitchFamily="34" charset="0"/>
                 <a:buChar char="•"/>
                 <a:defRPr sz="2000" kern="1200">
                   <a:solidFill>
@@ -8708,7 +8512,7 @@
                   <a:cs typeface="+mn-cs"/>
                 </a:defRPr>
               </a:lvl7pPr>
-              <a:lvl8pPr marL="2437972" indent="-231606" algn="l" defTabSz="1218987" rtl="0" eaLnBrk="1" latinLnBrk="0" hangingPunct="1">
+              <a:lvl8pPr marL="2437765" indent="-231775" algn="l" defTabSz="1219200" rtl="0" eaLnBrk="1" latinLnBrk="0" hangingPunct="1">
                 <a:lnSpc>
                   <a:spcPct val="90000"/>
                 </a:lnSpc>
@@ -8719,7 +8523,7 @@
                   <a:schemeClr val="accent1"/>
                 </a:buClr>
                 <a:buSzPct val="80000"/>
-                <a:buFont typeface="Arial" pitchFamily="34" charset="0"/>
+                <a:buFont typeface="Arial" panose="020B0604020202020204" pitchFamily="34" charset="0"/>
                 <a:buChar char="•"/>
                 <a:defRPr sz="2000" kern="1200" baseline="0">
                   <a:solidFill>
@@ -8730,7 +8534,7 @@
                   <a:cs typeface="+mn-cs"/>
                 </a:defRPr>
               </a:lvl8pPr>
-              <a:lvl9pPr marL="2742720" indent="-231606" algn="l" defTabSz="1218987" rtl="0" eaLnBrk="1" latinLnBrk="0" hangingPunct="1">
+              <a:lvl9pPr marL="2742565" indent="-231775" algn="l" defTabSz="1219200" rtl="0" eaLnBrk="1" latinLnBrk="0" hangingPunct="1">
                 <a:lnSpc>
                   <a:spcPct val="90000"/>
                 </a:lnSpc>
@@ -8741,7 +8545,7 @@
                   <a:schemeClr val="accent1"/>
                 </a:buClr>
                 <a:buSzPct val="80000"/>
-                <a:buFont typeface="Arial" pitchFamily="34" charset="0"/>
+                <a:buFont typeface="Arial" panose="020B0604020202020204" pitchFamily="34" charset="0"/>
                 <a:buChar char="•"/>
                 <a:defRPr sz="2000" kern="1200" baseline="0">
                   <a:solidFill>
@@ -8766,11 +8570,6 @@
         </p:sp>
       </p:grpSp>
     </p:spTree>
-    <p:extLst>
-      <p:ext uri="{BB962C8B-B14F-4D97-AF65-F5344CB8AC3E}">
-        <p14:creationId xmlns:p14="http://schemas.microsoft.com/office/powerpoint/2010/main" val="4014073037"/>
-      </p:ext>
-    </p:extLst>
   </p:cSld>
   <p:clrMapOvr>
     <a:masterClrMapping/>
@@ -8819,7 +8618,6 @@
           <a:p>
             <a:fld id="{C014DD1E-5D91-48A3-AD6D-45FBA980D106}" type="slidenum">
               <a:rPr lang="en-US" smtClean="0"/>
-              <a:pPr/>
               <a:t>10</a:t>
             </a:fld>
             <a:endParaRPr lang="en-US" dirty="0"/>
@@ -8957,9 +8755,7 @@
       <p:sp>
         <p:nvSpPr>
           <p:cNvPr id="6" name="Content Placeholder 10"/>
-          <p:cNvSpPr txBox="1">
-            <a:spLocks/>
-          </p:cNvSpPr>
+          <p:cNvSpPr txBox="1"/>
           <p:nvPr/>
         </p:nvSpPr>
         <p:spPr>
@@ -8976,7 +8772,7 @@
             <a:normAutofit/>
           </a:bodyPr>
           <a:lstStyle>
-            <a:lvl1pPr marL="304747" indent="-304747" algn="l" defTabSz="1218987" rtl="0" eaLnBrk="1" latinLnBrk="0" hangingPunct="1">
+            <a:lvl1pPr marL="304800" indent="-304800" algn="l" defTabSz="1219200" rtl="0" eaLnBrk="1" latinLnBrk="0" hangingPunct="1">
               <a:lnSpc>
                 <a:spcPct val="105000"/>
               </a:lnSpc>
@@ -9001,7 +8797,7 @@
                 <a:cs typeface="+mn-cs"/>
               </a:defRPr>
             </a:lvl1pPr>
-            <a:lvl2pPr marL="609493" indent="-231606" algn="l" defTabSz="1218987" rtl="0" eaLnBrk="1" latinLnBrk="0" hangingPunct="1">
+            <a:lvl2pPr marL="609600" indent="-231775" algn="l" defTabSz="1219200" rtl="0" eaLnBrk="1" latinLnBrk="0" hangingPunct="1">
               <a:lnSpc>
                 <a:spcPct val="105000"/>
               </a:lnSpc>
@@ -9026,7 +8822,7 @@
                 <a:cs typeface="+mn-cs"/>
               </a:defRPr>
             </a:lvl2pPr>
-            <a:lvl3pPr marL="914240" indent="-231606" algn="l" defTabSz="1218987" rtl="0" eaLnBrk="1" latinLnBrk="0" hangingPunct="1">
+            <a:lvl3pPr marL="914400" indent="-231775" algn="l" defTabSz="1219200" rtl="0" eaLnBrk="1" latinLnBrk="0" hangingPunct="1">
               <a:lnSpc>
                 <a:spcPct val="105000"/>
               </a:lnSpc>
@@ -9051,7 +8847,7 @@
                 <a:cs typeface="+mn-cs"/>
               </a:defRPr>
             </a:lvl3pPr>
-            <a:lvl4pPr marL="1218987" indent="-231606" algn="l" defTabSz="1218987" rtl="0" eaLnBrk="1" latinLnBrk="0" hangingPunct="1">
+            <a:lvl4pPr marL="1219200" indent="-231775" algn="l" defTabSz="1219200" rtl="0" eaLnBrk="1" latinLnBrk="0" hangingPunct="1">
               <a:lnSpc>
                 <a:spcPct val="105000"/>
               </a:lnSpc>
@@ -9076,7 +8872,7 @@
                 <a:cs typeface="+mn-cs"/>
               </a:defRPr>
             </a:lvl4pPr>
-            <a:lvl5pPr marL="1523733" indent="-231606" algn="l" defTabSz="1218987" rtl="0" eaLnBrk="1" latinLnBrk="0" hangingPunct="1">
+            <a:lvl5pPr marL="1524000" indent="-231775" algn="l" defTabSz="1219200" rtl="0" eaLnBrk="1" latinLnBrk="0" hangingPunct="1">
               <a:lnSpc>
                 <a:spcPct val="105000"/>
               </a:lnSpc>
@@ -9101,7 +8897,7 @@
                 <a:cs typeface="+mn-cs"/>
               </a:defRPr>
             </a:lvl5pPr>
-            <a:lvl6pPr marL="1828480" indent="-231606" algn="l" defTabSz="1218987" rtl="0" eaLnBrk="1" latinLnBrk="0" hangingPunct="1">
+            <a:lvl6pPr marL="1828165" indent="-231775" algn="l" defTabSz="1219200" rtl="0" eaLnBrk="1" latinLnBrk="0" hangingPunct="1">
               <a:lnSpc>
                 <a:spcPct val="90000"/>
               </a:lnSpc>
@@ -9112,7 +8908,7 @@
                 <a:schemeClr val="accent1"/>
               </a:buClr>
               <a:buSzPct val="80000"/>
-              <a:buFont typeface="Arial" pitchFamily="34" charset="0"/>
+              <a:buFont typeface="Arial" panose="020B0604020202020204" pitchFamily="34" charset="0"/>
               <a:buChar char="•"/>
               <a:defRPr sz="2000" kern="1200">
                 <a:solidFill>
@@ -9123,7 +8919,7 @@
                 <a:cs typeface="+mn-cs"/>
               </a:defRPr>
             </a:lvl6pPr>
-            <a:lvl7pPr marL="2133227" indent="-231606" algn="l" defTabSz="1218987" rtl="0" eaLnBrk="1" latinLnBrk="0" hangingPunct="1">
+            <a:lvl7pPr marL="2132965" indent="-231775" algn="l" defTabSz="1219200" rtl="0" eaLnBrk="1" latinLnBrk="0" hangingPunct="1">
               <a:lnSpc>
                 <a:spcPct val="90000"/>
               </a:lnSpc>
@@ -9134,7 +8930,7 @@
                 <a:schemeClr val="accent1"/>
               </a:buClr>
               <a:buSzPct val="80000"/>
-              <a:buFont typeface="Arial" pitchFamily="34" charset="0"/>
+              <a:buFont typeface="Arial" panose="020B0604020202020204" pitchFamily="34" charset="0"/>
               <a:buChar char="•"/>
               <a:defRPr sz="2000" kern="1200">
                 <a:solidFill>
@@ -9145,7 +8941,7 @@
                 <a:cs typeface="+mn-cs"/>
               </a:defRPr>
             </a:lvl7pPr>
-            <a:lvl8pPr marL="2437972" indent="-231606" algn="l" defTabSz="1218987" rtl="0" eaLnBrk="1" latinLnBrk="0" hangingPunct="1">
+            <a:lvl8pPr marL="2437765" indent="-231775" algn="l" defTabSz="1219200" rtl="0" eaLnBrk="1" latinLnBrk="0" hangingPunct="1">
               <a:lnSpc>
                 <a:spcPct val="90000"/>
               </a:lnSpc>
@@ -9156,7 +8952,7 @@
                 <a:schemeClr val="accent1"/>
               </a:buClr>
               <a:buSzPct val="80000"/>
-              <a:buFont typeface="Arial" pitchFamily="34" charset="0"/>
+              <a:buFont typeface="Arial" panose="020B0604020202020204" pitchFamily="34" charset="0"/>
               <a:buChar char="•"/>
               <a:defRPr sz="2000" kern="1200" baseline="0">
                 <a:solidFill>
@@ -9167,7 +8963,7 @@
                 <a:cs typeface="+mn-cs"/>
               </a:defRPr>
             </a:lvl8pPr>
-            <a:lvl9pPr marL="2742720" indent="-231606" algn="l" defTabSz="1218987" rtl="0" eaLnBrk="1" latinLnBrk="0" hangingPunct="1">
+            <a:lvl9pPr marL="2742565" indent="-231775" algn="l" defTabSz="1219200" rtl="0" eaLnBrk="1" latinLnBrk="0" hangingPunct="1">
               <a:lnSpc>
                 <a:spcPct val="90000"/>
               </a:lnSpc>
@@ -9178,7 +8974,7 @@
                 <a:schemeClr val="accent1"/>
               </a:buClr>
               <a:buSzPct val="80000"/>
-              <a:buFont typeface="Arial" pitchFamily="34" charset="0"/>
+              <a:buFont typeface="Arial" panose="020B0604020202020204" pitchFamily="34" charset="0"/>
               <a:buChar char="•"/>
               <a:defRPr sz="2000" kern="1200" baseline="0">
                 <a:solidFill>
@@ -9253,11 +9049,6 @@
         </p:txBody>
       </p:sp>
     </p:spTree>
-    <p:extLst>
-      <p:ext uri="{BB962C8B-B14F-4D97-AF65-F5344CB8AC3E}">
-        <p14:creationId xmlns:p14="http://schemas.microsoft.com/office/powerpoint/2010/main" val="3337613762"/>
-      </p:ext>
-    </p:extLst>
   </p:cSld>
   <p:clrMapOvr>
     <a:masterClrMapping/>
@@ -9490,7 +9281,6 @@
           <a:p>
             <a:fld id="{C014DD1E-5D91-48A3-AD6D-45FBA980D106}" type="slidenum">
               <a:rPr lang="en-US" smtClean="0"/>
-              <a:pPr/>
               <a:t>11</a:t>
             </a:fld>
             <a:endParaRPr lang="en-US" dirty="0"/>
@@ -9617,9 +9407,7 @@
       <p:sp>
         <p:nvSpPr>
           <p:cNvPr id="6" name="Content Placeholder 10"/>
-          <p:cNvSpPr txBox="1">
-            <a:spLocks/>
-          </p:cNvSpPr>
+          <p:cNvSpPr txBox="1"/>
           <p:nvPr/>
         </p:nvSpPr>
         <p:spPr>
@@ -9636,7 +9424,7 @@
             <a:normAutofit lnSpcReduction="10000"/>
           </a:bodyPr>
           <a:lstStyle>
-            <a:lvl1pPr marL="304747" indent="-304747" algn="l" defTabSz="1218987" rtl="0" eaLnBrk="1" latinLnBrk="0" hangingPunct="1">
+            <a:lvl1pPr marL="304800" indent="-304800" algn="l" defTabSz="1219200" rtl="0" eaLnBrk="1" latinLnBrk="0" hangingPunct="1">
               <a:lnSpc>
                 <a:spcPct val="105000"/>
               </a:lnSpc>
@@ -9661,7 +9449,7 @@
                 <a:cs typeface="+mn-cs"/>
               </a:defRPr>
             </a:lvl1pPr>
-            <a:lvl2pPr marL="609493" indent="-231606" algn="l" defTabSz="1218987" rtl="0" eaLnBrk="1" latinLnBrk="0" hangingPunct="1">
+            <a:lvl2pPr marL="609600" indent="-231775" algn="l" defTabSz="1219200" rtl="0" eaLnBrk="1" latinLnBrk="0" hangingPunct="1">
               <a:lnSpc>
                 <a:spcPct val="105000"/>
               </a:lnSpc>
@@ -9686,7 +9474,7 @@
                 <a:cs typeface="+mn-cs"/>
               </a:defRPr>
             </a:lvl2pPr>
-            <a:lvl3pPr marL="914240" indent="-231606" algn="l" defTabSz="1218987" rtl="0" eaLnBrk="1" latinLnBrk="0" hangingPunct="1">
+            <a:lvl3pPr marL="914400" indent="-231775" algn="l" defTabSz="1219200" rtl="0" eaLnBrk="1" latinLnBrk="0" hangingPunct="1">
               <a:lnSpc>
                 <a:spcPct val="105000"/>
               </a:lnSpc>
@@ -9711,7 +9499,7 @@
                 <a:cs typeface="+mn-cs"/>
               </a:defRPr>
             </a:lvl3pPr>
-            <a:lvl4pPr marL="1218987" indent="-231606" algn="l" defTabSz="1218987" rtl="0" eaLnBrk="1" latinLnBrk="0" hangingPunct="1">
+            <a:lvl4pPr marL="1219200" indent="-231775" algn="l" defTabSz="1219200" rtl="0" eaLnBrk="1" latinLnBrk="0" hangingPunct="1">
               <a:lnSpc>
                 <a:spcPct val="105000"/>
               </a:lnSpc>
@@ -9736,7 +9524,7 @@
                 <a:cs typeface="+mn-cs"/>
               </a:defRPr>
             </a:lvl4pPr>
-            <a:lvl5pPr marL="1523733" indent="-231606" algn="l" defTabSz="1218987" rtl="0" eaLnBrk="1" latinLnBrk="0" hangingPunct="1">
+            <a:lvl5pPr marL="1524000" indent="-231775" algn="l" defTabSz="1219200" rtl="0" eaLnBrk="1" latinLnBrk="0" hangingPunct="1">
               <a:lnSpc>
                 <a:spcPct val="105000"/>
               </a:lnSpc>
@@ -9761,7 +9549,7 @@
                 <a:cs typeface="+mn-cs"/>
               </a:defRPr>
             </a:lvl5pPr>
-            <a:lvl6pPr marL="1828480" indent="-231606" algn="l" defTabSz="1218987" rtl="0" eaLnBrk="1" latinLnBrk="0" hangingPunct="1">
+            <a:lvl6pPr marL="1828165" indent="-231775" algn="l" defTabSz="1219200" rtl="0" eaLnBrk="1" latinLnBrk="0" hangingPunct="1">
               <a:lnSpc>
                 <a:spcPct val="90000"/>
               </a:lnSpc>
@@ -9772,7 +9560,7 @@
                 <a:schemeClr val="accent1"/>
               </a:buClr>
               <a:buSzPct val="80000"/>
-              <a:buFont typeface="Arial" pitchFamily="34" charset="0"/>
+              <a:buFont typeface="Arial" panose="020B0604020202020204" pitchFamily="34" charset="0"/>
               <a:buChar char="•"/>
               <a:defRPr sz="2000" kern="1200">
                 <a:solidFill>
@@ -9783,7 +9571,7 @@
                 <a:cs typeface="+mn-cs"/>
               </a:defRPr>
             </a:lvl6pPr>
-            <a:lvl7pPr marL="2133227" indent="-231606" algn="l" defTabSz="1218987" rtl="0" eaLnBrk="1" latinLnBrk="0" hangingPunct="1">
+            <a:lvl7pPr marL="2132965" indent="-231775" algn="l" defTabSz="1219200" rtl="0" eaLnBrk="1" latinLnBrk="0" hangingPunct="1">
               <a:lnSpc>
                 <a:spcPct val="90000"/>
               </a:lnSpc>
@@ -9794,7 +9582,7 @@
                 <a:schemeClr val="accent1"/>
               </a:buClr>
               <a:buSzPct val="80000"/>
-              <a:buFont typeface="Arial" pitchFamily="34" charset="0"/>
+              <a:buFont typeface="Arial" panose="020B0604020202020204" pitchFamily="34" charset="0"/>
               <a:buChar char="•"/>
               <a:defRPr sz="2000" kern="1200">
                 <a:solidFill>
@@ -9805,7 +9593,7 @@
                 <a:cs typeface="+mn-cs"/>
               </a:defRPr>
             </a:lvl7pPr>
-            <a:lvl8pPr marL="2437972" indent="-231606" algn="l" defTabSz="1218987" rtl="0" eaLnBrk="1" latinLnBrk="0" hangingPunct="1">
+            <a:lvl8pPr marL="2437765" indent="-231775" algn="l" defTabSz="1219200" rtl="0" eaLnBrk="1" latinLnBrk="0" hangingPunct="1">
               <a:lnSpc>
                 <a:spcPct val="90000"/>
               </a:lnSpc>
@@ -9816,7 +9604,7 @@
                 <a:schemeClr val="accent1"/>
               </a:buClr>
               <a:buSzPct val="80000"/>
-              <a:buFont typeface="Arial" pitchFamily="34" charset="0"/>
+              <a:buFont typeface="Arial" panose="020B0604020202020204" pitchFamily="34" charset="0"/>
               <a:buChar char="•"/>
               <a:defRPr sz="2000" kern="1200" baseline="0">
                 <a:solidFill>
@@ -9827,7 +9615,7 @@
                 <a:cs typeface="+mn-cs"/>
               </a:defRPr>
             </a:lvl8pPr>
-            <a:lvl9pPr marL="2742720" indent="-231606" algn="l" defTabSz="1218987" rtl="0" eaLnBrk="1" latinLnBrk="0" hangingPunct="1">
+            <a:lvl9pPr marL="2742565" indent="-231775" algn="l" defTabSz="1219200" rtl="0" eaLnBrk="1" latinLnBrk="0" hangingPunct="1">
               <a:lnSpc>
                 <a:spcPct val="90000"/>
               </a:lnSpc>
@@ -9838,7 +9626,7 @@
                 <a:schemeClr val="accent1"/>
               </a:buClr>
               <a:buSzPct val="80000"/>
-              <a:buFont typeface="Arial" pitchFamily="34" charset="0"/>
+              <a:buFont typeface="Arial" panose="020B0604020202020204" pitchFamily="34" charset="0"/>
               <a:buChar char="•"/>
               <a:defRPr sz="2000" kern="1200" baseline="0">
                 <a:solidFill>
@@ -9915,11 +9703,6 @@
         </p:txBody>
       </p:sp>
     </p:spTree>
-    <p:extLst>
-      <p:ext uri="{BB962C8B-B14F-4D97-AF65-F5344CB8AC3E}">
-        <p14:creationId xmlns:p14="http://schemas.microsoft.com/office/powerpoint/2010/main" val="1633706573"/>
-      </p:ext>
-    </p:extLst>
   </p:cSld>
   <p:clrMapOvr>
     <a:masterClrMapping/>
@@ -10232,7 +10015,6 @@
           <a:p>
             <a:fld id="{C014DD1E-5D91-48A3-AD6D-45FBA980D106}" type="slidenum">
               <a:rPr lang="en-US" smtClean="0"/>
-              <a:pPr/>
               <a:t>12</a:t>
             </a:fld>
             <a:endParaRPr lang="en-US" dirty="0"/>
@@ -10392,9 +10174,7 @@
       <p:sp>
         <p:nvSpPr>
           <p:cNvPr id="6" name="Content Placeholder 10"/>
-          <p:cNvSpPr txBox="1">
-            <a:spLocks/>
-          </p:cNvSpPr>
+          <p:cNvSpPr txBox="1"/>
           <p:nvPr/>
         </p:nvSpPr>
         <p:spPr>
@@ -10411,7 +10191,7 @@
             <a:normAutofit/>
           </a:bodyPr>
           <a:lstStyle>
-            <a:lvl1pPr marL="304747" indent="-304747" algn="l" defTabSz="1218987" rtl="0" eaLnBrk="1" latinLnBrk="0" hangingPunct="1">
+            <a:lvl1pPr marL="304800" indent="-304800" algn="l" defTabSz="1219200" rtl="0" eaLnBrk="1" latinLnBrk="0" hangingPunct="1">
               <a:lnSpc>
                 <a:spcPct val="105000"/>
               </a:lnSpc>
@@ -10436,7 +10216,7 @@
                 <a:cs typeface="+mn-cs"/>
               </a:defRPr>
             </a:lvl1pPr>
-            <a:lvl2pPr marL="609493" indent="-231606" algn="l" defTabSz="1218987" rtl="0" eaLnBrk="1" latinLnBrk="0" hangingPunct="1">
+            <a:lvl2pPr marL="609600" indent="-231775" algn="l" defTabSz="1219200" rtl="0" eaLnBrk="1" latinLnBrk="0" hangingPunct="1">
               <a:lnSpc>
                 <a:spcPct val="105000"/>
               </a:lnSpc>
@@ -10461,7 +10241,7 @@
                 <a:cs typeface="+mn-cs"/>
               </a:defRPr>
             </a:lvl2pPr>
-            <a:lvl3pPr marL="914240" indent="-231606" algn="l" defTabSz="1218987" rtl="0" eaLnBrk="1" latinLnBrk="0" hangingPunct="1">
+            <a:lvl3pPr marL="914400" indent="-231775" algn="l" defTabSz="1219200" rtl="0" eaLnBrk="1" latinLnBrk="0" hangingPunct="1">
               <a:lnSpc>
                 <a:spcPct val="105000"/>
               </a:lnSpc>
@@ -10486,7 +10266,7 @@
                 <a:cs typeface="+mn-cs"/>
               </a:defRPr>
             </a:lvl3pPr>
-            <a:lvl4pPr marL="1218987" indent="-231606" algn="l" defTabSz="1218987" rtl="0" eaLnBrk="1" latinLnBrk="0" hangingPunct="1">
+            <a:lvl4pPr marL="1219200" indent="-231775" algn="l" defTabSz="1219200" rtl="0" eaLnBrk="1" latinLnBrk="0" hangingPunct="1">
               <a:lnSpc>
                 <a:spcPct val="105000"/>
               </a:lnSpc>
@@ -10511,7 +10291,7 @@
                 <a:cs typeface="+mn-cs"/>
               </a:defRPr>
             </a:lvl4pPr>
-            <a:lvl5pPr marL="1523733" indent="-231606" algn="l" defTabSz="1218987" rtl="0" eaLnBrk="1" latinLnBrk="0" hangingPunct="1">
+            <a:lvl5pPr marL="1524000" indent="-231775" algn="l" defTabSz="1219200" rtl="0" eaLnBrk="1" latinLnBrk="0" hangingPunct="1">
               <a:lnSpc>
                 <a:spcPct val="105000"/>
               </a:lnSpc>
@@ -10536,7 +10316,7 @@
                 <a:cs typeface="+mn-cs"/>
               </a:defRPr>
             </a:lvl5pPr>
-            <a:lvl6pPr marL="1828480" indent="-231606" algn="l" defTabSz="1218987" rtl="0" eaLnBrk="1" latinLnBrk="0" hangingPunct="1">
+            <a:lvl6pPr marL="1828165" indent="-231775" algn="l" defTabSz="1219200" rtl="0" eaLnBrk="1" latinLnBrk="0" hangingPunct="1">
               <a:lnSpc>
                 <a:spcPct val="90000"/>
               </a:lnSpc>
@@ -10547,7 +10327,7 @@
                 <a:schemeClr val="accent1"/>
               </a:buClr>
               <a:buSzPct val="80000"/>
-              <a:buFont typeface="Arial" pitchFamily="34" charset="0"/>
+              <a:buFont typeface="Arial" panose="020B0604020202020204" pitchFamily="34" charset="0"/>
               <a:buChar char="•"/>
               <a:defRPr sz="2000" kern="1200">
                 <a:solidFill>
@@ -10558,7 +10338,7 @@
                 <a:cs typeface="+mn-cs"/>
               </a:defRPr>
             </a:lvl6pPr>
-            <a:lvl7pPr marL="2133227" indent="-231606" algn="l" defTabSz="1218987" rtl="0" eaLnBrk="1" latinLnBrk="0" hangingPunct="1">
+            <a:lvl7pPr marL="2132965" indent="-231775" algn="l" defTabSz="1219200" rtl="0" eaLnBrk="1" latinLnBrk="0" hangingPunct="1">
               <a:lnSpc>
                 <a:spcPct val="90000"/>
               </a:lnSpc>
@@ -10569,7 +10349,7 @@
                 <a:schemeClr val="accent1"/>
               </a:buClr>
               <a:buSzPct val="80000"/>
-              <a:buFont typeface="Arial" pitchFamily="34" charset="0"/>
+              <a:buFont typeface="Arial" panose="020B0604020202020204" pitchFamily="34" charset="0"/>
               <a:buChar char="•"/>
               <a:defRPr sz="2000" kern="1200">
                 <a:solidFill>
@@ -10580,7 +10360,7 @@
                 <a:cs typeface="+mn-cs"/>
               </a:defRPr>
             </a:lvl7pPr>
-            <a:lvl8pPr marL="2437972" indent="-231606" algn="l" defTabSz="1218987" rtl="0" eaLnBrk="1" latinLnBrk="0" hangingPunct="1">
+            <a:lvl8pPr marL="2437765" indent="-231775" algn="l" defTabSz="1219200" rtl="0" eaLnBrk="1" latinLnBrk="0" hangingPunct="1">
               <a:lnSpc>
                 <a:spcPct val="90000"/>
               </a:lnSpc>
@@ -10591,7 +10371,7 @@
                 <a:schemeClr val="accent1"/>
               </a:buClr>
               <a:buSzPct val="80000"/>
-              <a:buFont typeface="Arial" pitchFamily="34" charset="0"/>
+              <a:buFont typeface="Arial" panose="020B0604020202020204" pitchFamily="34" charset="0"/>
               <a:buChar char="•"/>
               <a:defRPr sz="2000" kern="1200" baseline="0">
                 <a:solidFill>
@@ -10602,7 +10382,7 @@
                 <a:cs typeface="+mn-cs"/>
               </a:defRPr>
             </a:lvl8pPr>
-            <a:lvl9pPr marL="2742720" indent="-231606" algn="l" defTabSz="1218987" rtl="0" eaLnBrk="1" latinLnBrk="0" hangingPunct="1">
+            <a:lvl9pPr marL="2742565" indent="-231775" algn="l" defTabSz="1219200" rtl="0" eaLnBrk="1" latinLnBrk="0" hangingPunct="1">
               <a:lnSpc>
                 <a:spcPct val="90000"/>
               </a:lnSpc>
@@ -10613,7 +10393,7 @@
                 <a:schemeClr val="accent1"/>
               </a:buClr>
               <a:buSzPct val="80000"/>
-              <a:buFont typeface="Arial" pitchFamily="34" charset="0"/>
+              <a:buFont typeface="Arial" panose="020B0604020202020204" pitchFamily="34" charset="0"/>
               <a:buChar char="•"/>
               <a:defRPr sz="2000" kern="1200" baseline="0">
                 <a:solidFill>
@@ -10738,11 +10518,6 @@
         </p:txBody>
       </p:sp>
     </p:spTree>
-    <p:extLst>
-      <p:ext uri="{BB962C8B-B14F-4D97-AF65-F5344CB8AC3E}">
-        <p14:creationId xmlns:p14="http://schemas.microsoft.com/office/powerpoint/2010/main" val="662549544"/>
-      </p:ext>
-    </p:extLst>
   </p:cSld>
   <p:clrMapOvr>
     <a:masterClrMapping/>
@@ -10784,55 +10559,6 @@
                                         <p:tgtEl>
                                           <p:spTgt spid="11">
                                             <p:txEl>
-                                              <p:pRg st="0" end="0"/>
-                                            </p:txEl>
-                                          </p:spTgt>
-                                        </p:tgtEl>
-                                        <p:attrNameLst>
-                                          <p:attrName>style.visibility</p:attrName>
-                                        </p:attrNameLst>
-                                      </p:cBhvr>
-                                      <p:to>
-                                        <p:strVal val="visible"/>
-                                      </p:to>
-                                    </p:set>
-                                  </p:childTnLst>
-                                </p:cTn>
-                              </p:par>
-                            </p:childTnLst>
-                          </p:cTn>
-                        </p:par>
-                      </p:childTnLst>
-                    </p:cTn>
-                  </p:par>
-                  <p:par>
-                    <p:cTn id="7" fill="hold">
-                      <p:stCondLst>
-                        <p:cond delay="indefinite"/>
-                      </p:stCondLst>
-                      <p:childTnLst>
-                        <p:par>
-                          <p:cTn id="8" fill="hold">
-                            <p:stCondLst>
-                              <p:cond delay="0"/>
-                            </p:stCondLst>
-                            <p:childTnLst>
-                              <p:par>
-                                <p:cTn id="9" presetID="1" presetClass="entr" presetSubtype="0" fill="hold" nodeType="clickEffect">
-                                  <p:stCondLst>
-                                    <p:cond delay="0"/>
-                                  </p:stCondLst>
-                                  <p:childTnLst>
-                                    <p:set>
-                                      <p:cBhvr>
-                                        <p:cTn id="10" dur="1" fill="hold">
-                                          <p:stCondLst>
-                                            <p:cond delay="0"/>
-                                          </p:stCondLst>
-                                        </p:cTn>
-                                        <p:tgtEl>
-                                          <p:spTgt spid="11">
-                                            <p:txEl>
                                               <p:pRg st="1" end="1"/>
                                             </p:txEl>
                                           </p:spTgt>
@@ -10849,14 +10575,14 @@
                                 </p:cTn>
                               </p:par>
                               <p:par>
-                                <p:cTn id="11" presetID="1" presetClass="entr" presetSubtype="0" fill="hold" nodeType="withEffect">
+                                <p:cTn id="7" presetID="1" presetClass="entr" presetSubtype="0" fill="hold" nodeType="withEffect">
                                   <p:stCondLst>
                                     <p:cond delay="0"/>
                                   </p:stCondLst>
                                   <p:childTnLst>
                                     <p:set>
                                       <p:cBhvr>
-                                        <p:cTn id="12" dur="1" fill="hold">
+                                        <p:cTn id="8" dur="1" fill="hold">
                                           <p:stCondLst>
                                             <p:cond delay="0"/>
                                           </p:stCondLst>
@@ -10886,26 +10612,26 @@
                     </p:cTn>
                   </p:par>
                   <p:par>
-                    <p:cTn id="13" fill="hold">
+                    <p:cTn id="9" fill="hold">
                       <p:stCondLst>
                         <p:cond delay="indefinite"/>
                       </p:stCondLst>
                       <p:childTnLst>
                         <p:par>
-                          <p:cTn id="14" fill="hold">
+                          <p:cTn id="10" fill="hold">
                             <p:stCondLst>
                               <p:cond delay="0"/>
                             </p:stCondLst>
                             <p:childTnLst>
                               <p:par>
-                                <p:cTn id="15" presetID="1" presetClass="entr" presetSubtype="0" fill="hold" nodeType="clickEffect">
+                                <p:cTn id="11" presetID="1" presetClass="entr" presetSubtype="0" fill="hold" nodeType="clickEffect">
                                   <p:stCondLst>
                                     <p:cond delay="0"/>
                                   </p:stCondLst>
                                   <p:childTnLst>
                                     <p:set>
                                       <p:cBhvr>
-                                        <p:cTn id="16" dur="1" fill="hold">
+                                        <p:cTn id="12" dur="1" fill="hold">
                                           <p:stCondLst>
                                             <p:cond delay="0"/>
                                           </p:stCondLst>
@@ -10929,14 +10655,14 @@
                                 </p:cTn>
                               </p:par>
                               <p:par>
-                                <p:cTn id="17" presetID="1" presetClass="entr" presetSubtype="0" fill="hold" nodeType="withEffect">
+                                <p:cTn id="13" presetID="1" presetClass="entr" presetSubtype="0" fill="hold" nodeType="withEffect">
                                   <p:stCondLst>
                                     <p:cond delay="0"/>
                                   </p:stCondLst>
                                   <p:childTnLst>
                                     <p:set>
                                       <p:cBhvr>
-                                        <p:cTn id="18" dur="1" fill="hold">
+                                        <p:cTn id="14" dur="1" fill="hold">
                                           <p:stCondLst>
                                             <p:cond delay="0"/>
                                           </p:stCondLst>
@@ -11024,7 +10750,6 @@
           <a:p>
             <a:fld id="{C014DD1E-5D91-48A3-AD6D-45FBA980D106}" type="slidenum">
               <a:rPr lang="en-US" smtClean="0"/>
-              <a:pPr/>
               <a:t>13</a:t>
             </a:fld>
             <a:endParaRPr lang="en-US" dirty="0"/>
@@ -11669,11 +11394,6 @@
         </p:style>
       </p:cxnSp>
     </p:spTree>
-    <p:extLst>
-      <p:ext uri="{BB962C8B-B14F-4D97-AF65-F5344CB8AC3E}">
-        <p14:creationId xmlns:p14="http://schemas.microsoft.com/office/powerpoint/2010/main" val="1162035079"/>
-      </p:ext>
-    </p:extLst>
   </p:cSld>
   <p:clrMapOvr>
     <a:masterClrMapping/>
@@ -11723,7 +11443,6 @@
           <a:p>
             <a:fld id="{C014DD1E-5D91-48A3-AD6D-45FBA980D106}" type="slidenum">
               <a:rPr lang="en-US" smtClean="0"/>
-              <a:pPr/>
               <a:t>14</a:t>
             </a:fld>
             <a:endParaRPr lang="en-US" dirty="0"/>
@@ -11817,7 +11536,7 @@
                     </a:srgbClr>
                   </a:outerShdw>
                 </a:effectLst>
-                <a:latin typeface="Consolas" pitchFamily="49" charset="0"/>
+                <a:latin typeface="Consolas" panose="020B0609020204030204" pitchFamily="49" charset="0"/>
               </a:rPr>
               <a:t>public </a:t>
             </a:r>
@@ -11835,7 +11554,7 @@
                     </a:srgbClr>
                   </a:outerShdw>
                 </a:effectLst>
-                <a:latin typeface="Consolas" pitchFamily="49" charset="0"/>
+                <a:latin typeface="Consolas" panose="020B0609020204030204" pitchFamily="49" charset="0"/>
               </a:rPr>
               <a:t>interface </a:t>
             </a:r>
@@ -11853,7 +11572,7 @@
                     </a:srgbClr>
                   </a:outerShdw>
                 </a:effectLst>
-                <a:latin typeface="Consolas" pitchFamily="49" charset="0"/>
+                <a:latin typeface="Consolas" panose="020B0609020204030204" pitchFamily="49" charset="0"/>
               </a:rPr>
               <a:t>ICar</a:t>
             </a:r>
@@ -11872,7 +11591,7 @@
                     </a:srgbClr>
                   </a:outerShdw>
                 </a:effectLst>
-                <a:latin typeface="Consolas" pitchFamily="49" charset="0"/>
+                <a:latin typeface="Consolas" panose="020B0609020204030204" pitchFamily="49" charset="0"/>
               </a:rPr>
               <a:t>{</a:t>
             </a:r>
@@ -11891,7 +11610,7 @@
                     </a:srgbClr>
                   </a:outerShdw>
                 </a:effectLst>
-                <a:latin typeface="Consolas" pitchFamily="49" charset="0"/>
+                <a:latin typeface="Consolas" panose="020B0609020204030204" pitchFamily="49" charset="0"/>
               </a:rPr>
               <a:t>  </a:t>
             </a:r>
@@ -11907,7 +11626,7 @@
                     </a:srgbClr>
                   </a:outerShdw>
                 </a:effectLst>
-                <a:latin typeface="Consolas" pitchFamily="49" charset="0"/>
+                <a:latin typeface="Consolas" panose="020B0609020204030204" pitchFamily="49" charset="0"/>
               </a:rPr>
               <a:t>string Model { get; }</a:t>
             </a:r>
@@ -11926,7 +11645,7 @@
                     </a:srgbClr>
                   </a:outerShdw>
                 </a:effectLst>
-                <a:latin typeface="Consolas" pitchFamily="49" charset="0"/>
+                <a:latin typeface="Consolas" panose="020B0609020204030204" pitchFamily="49" charset="0"/>
               </a:rPr>
               <a:t>  string Color { get; }</a:t>
             </a:r>
@@ -11945,7 +11664,7 @@
                     </a:srgbClr>
                   </a:outerShdw>
                 </a:effectLst>
-                <a:latin typeface="Consolas" pitchFamily="49" charset="0"/>
+                <a:latin typeface="Consolas" panose="020B0609020204030204" pitchFamily="49" charset="0"/>
               </a:rPr>
               <a:t>  </a:t>
             </a:r>
@@ -11961,7 +11680,7 @@
                     </a:srgbClr>
                   </a:outerShdw>
                 </a:effectLst>
-                <a:latin typeface="Consolas" pitchFamily="49" charset="0"/>
+                <a:latin typeface="Consolas" panose="020B0609020204030204" pitchFamily="49" charset="0"/>
               </a:rPr>
               <a:t>string </a:t>
             </a:r>
@@ -11977,7 +11696,7 @@
                     </a:srgbClr>
                   </a:outerShdw>
                 </a:effectLst>
-                <a:latin typeface="Consolas" pitchFamily="49" charset="0"/>
+                <a:latin typeface="Consolas" panose="020B0609020204030204" pitchFamily="49" charset="0"/>
               </a:rPr>
               <a:t>Start();</a:t>
             </a:r>
@@ -11996,7 +11715,7 @@
                     </a:srgbClr>
                   </a:outerShdw>
                 </a:effectLst>
-                <a:latin typeface="Consolas" pitchFamily="49" charset="0"/>
+                <a:latin typeface="Consolas" panose="020B0609020204030204" pitchFamily="49" charset="0"/>
               </a:rPr>
               <a:t>  </a:t>
             </a:r>
@@ -12012,7 +11731,7 @@
                     </a:srgbClr>
                   </a:outerShdw>
                 </a:effectLst>
-                <a:latin typeface="Consolas" pitchFamily="49" charset="0"/>
+                <a:latin typeface="Consolas" panose="020B0609020204030204" pitchFamily="49" charset="0"/>
               </a:rPr>
               <a:t>string </a:t>
             </a:r>
@@ -12028,7 +11747,7 @@
                     </a:srgbClr>
                   </a:outerShdw>
                 </a:effectLst>
-                <a:latin typeface="Consolas" pitchFamily="49" charset="0"/>
+                <a:latin typeface="Consolas" panose="020B0609020204030204" pitchFamily="49" charset="0"/>
               </a:rPr>
               <a:t>Stop</a:t>
             </a:r>
@@ -12044,7 +11763,7 @@
                     </a:srgbClr>
                   </a:outerShdw>
                 </a:effectLst>
-                <a:latin typeface="Consolas" pitchFamily="49" charset="0"/>
+                <a:latin typeface="Consolas" panose="020B0609020204030204" pitchFamily="49" charset="0"/>
               </a:rPr>
               <a:t>();</a:t>
             </a:r>
@@ -12063,7 +11782,7 @@
                     </a:srgbClr>
                   </a:outerShdw>
                 </a:effectLst>
-                <a:latin typeface="Consolas" pitchFamily="49" charset="0"/>
+                <a:latin typeface="Consolas" panose="020B0609020204030204" pitchFamily="49" charset="0"/>
               </a:rPr>
               <a:t>}</a:t>
             </a:r>
@@ -12078,7 +11797,7 @@
                   </a:srgbClr>
                 </a:outerShdw>
               </a:effectLst>
-              <a:latin typeface="Consolas" pitchFamily="49" charset="0"/>
+              <a:latin typeface="Consolas" panose="020B0609020204030204" pitchFamily="49" charset="0"/>
             </a:endParaRPr>
           </a:p>
         </p:txBody>
@@ -12134,7 +11853,7 @@
                     </a:srgbClr>
                   </a:outerShdw>
                 </a:effectLst>
-                <a:latin typeface="Consolas" pitchFamily="49" charset="0"/>
+                <a:latin typeface="Consolas" panose="020B0609020204030204" pitchFamily="49" charset="0"/>
               </a:rPr>
               <a:t>public interface </a:t>
             </a:r>
@@ -12150,7 +11869,7 @@
                     </a:srgbClr>
                   </a:outerShdw>
                 </a:effectLst>
-                <a:latin typeface="Consolas" pitchFamily="49" charset="0"/>
+                <a:latin typeface="Consolas" panose="020B0609020204030204" pitchFamily="49" charset="0"/>
               </a:rPr>
               <a:t>IElectricCar</a:t>
             </a:r>
@@ -12165,7 +11884,7 @@
                   </a:srgbClr>
                 </a:outerShdw>
               </a:effectLst>
-              <a:latin typeface="Consolas" pitchFamily="49" charset="0"/>
+              <a:latin typeface="Consolas" panose="020B0609020204030204" pitchFamily="49" charset="0"/>
             </a:endParaRPr>
           </a:p>
           <a:p>
@@ -12182,7 +11901,7 @@
                     </a:srgbClr>
                   </a:outerShdw>
                 </a:effectLst>
-                <a:latin typeface="Consolas" pitchFamily="49" charset="0"/>
+                <a:latin typeface="Consolas" panose="020B0609020204030204" pitchFamily="49" charset="0"/>
               </a:rPr>
               <a:t>{</a:t>
             </a:r>
@@ -12201,7 +11920,7 @@
                     </a:srgbClr>
                   </a:outerShdw>
                 </a:effectLst>
-                <a:latin typeface="Consolas" pitchFamily="49" charset="0"/>
+                <a:latin typeface="Consolas" panose="020B0609020204030204" pitchFamily="49" charset="0"/>
               </a:rPr>
               <a:t> </a:t>
             </a:r>
@@ -12217,7 +11936,7 @@
                     </a:srgbClr>
                   </a:outerShdw>
                 </a:effectLst>
-                <a:latin typeface="Consolas" pitchFamily="49" charset="0"/>
+                <a:latin typeface="Consolas" panose="020B0609020204030204" pitchFamily="49" charset="0"/>
               </a:rPr>
               <a:t> int </a:t>
             </a:r>
@@ -12233,7 +11952,7 @@
                     </a:srgbClr>
                   </a:outerShdw>
                 </a:effectLst>
-                <a:latin typeface="Consolas" pitchFamily="49" charset="0"/>
+                <a:latin typeface="Consolas" panose="020B0609020204030204" pitchFamily="49" charset="0"/>
               </a:rPr>
               <a:t>Batteries { get; }</a:t>
             </a:r>
@@ -12252,7 +11971,7 @@
                     </a:srgbClr>
                   </a:outerShdw>
                 </a:effectLst>
-                <a:latin typeface="Consolas" pitchFamily="49" charset="0"/>
+                <a:latin typeface="Consolas" panose="020B0609020204030204" pitchFamily="49" charset="0"/>
               </a:rPr>
               <a:t>}</a:t>
             </a:r>
@@ -12260,11 +11979,6 @@
         </p:txBody>
       </p:sp>
     </p:spTree>
-    <p:extLst>
-      <p:ext uri="{BB962C8B-B14F-4D97-AF65-F5344CB8AC3E}">
-        <p14:creationId xmlns:p14="http://schemas.microsoft.com/office/powerpoint/2010/main" val="2552341061"/>
-      </p:ext>
-    </p:extLst>
   </p:cSld>
   <p:clrMapOvr>
     <a:masterClrMapping/>
@@ -12314,7 +12028,6 @@
           <a:p>
             <a:fld id="{C014DD1E-5D91-48A3-AD6D-45FBA980D106}" type="slidenum">
               <a:rPr lang="en-US" smtClean="0"/>
-              <a:pPr/>
               <a:t>15</a:t>
             </a:fld>
             <a:endParaRPr lang="en-US" dirty="0"/>
@@ -12407,7 +12120,7 @@
                     </a:srgbClr>
                   </a:outerShdw>
                 </a:effectLst>
-                <a:latin typeface="Consolas" pitchFamily="49" charset="0"/>
+                <a:latin typeface="Consolas" panose="020B0609020204030204" pitchFamily="49" charset="0"/>
               </a:rPr>
               <a:t>public class Tesla : ICar, IElectricCar</a:t>
             </a:r>
@@ -12426,7 +12139,7 @@
                     </a:srgbClr>
                   </a:outerShdw>
                 </a:effectLst>
-                <a:latin typeface="Consolas" pitchFamily="49" charset="0"/>
+                <a:latin typeface="Consolas" panose="020B0609020204030204" pitchFamily="49" charset="0"/>
               </a:rPr>
               <a:t>{</a:t>
             </a:r>
@@ -12449,7 +12162,7 @@
                     </a:srgbClr>
                   </a:outerShdw>
                 </a:effectLst>
-                <a:latin typeface="Consolas" pitchFamily="49" charset="0"/>
+                <a:latin typeface="Consolas" panose="020B0609020204030204" pitchFamily="49" charset="0"/>
               </a:rPr>
               <a:t> </a:t>
             </a:r>
@@ -12465,7 +12178,7 @@
                     </a:srgbClr>
                   </a:outerShdw>
                 </a:effectLst>
-                <a:latin typeface="Consolas" pitchFamily="49" charset="0"/>
+                <a:latin typeface="Consolas" panose="020B0609020204030204" pitchFamily="49" charset="0"/>
               </a:rPr>
               <a:t> public </a:t>
             </a:r>
@@ -12481,7 +12194,7 @@
                     </a:srgbClr>
                   </a:outerShdw>
                 </a:effectLst>
-                <a:latin typeface="Consolas" pitchFamily="49" charset="0"/>
+                <a:latin typeface="Consolas" panose="020B0609020204030204" pitchFamily="49" charset="0"/>
               </a:rPr>
               <a:t>string Model { get; private set; }</a:t>
             </a:r>
@@ -12504,7 +12217,7 @@
                     </a:srgbClr>
                   </a:outerShdw>
                 </a:effectLst>
-                <a:latin typeface="Consolas" pitchFamily="49" charset="0"/>
+                <a:latin typeface="Consolas" panose="020B0609020204030204" pitchFamily="49" charset="0"/>
               </a:rPr>
               <a:t>  public </a:t>
             </a:r>
@@ -12520,7 +12233,7 @@
                     </a:srgbClr>
                   </a:outerShdw>
                 </a:effectLst>
-                <a:latin typeface="Consolas" pitchFamily="49" charset="0"/>
+                <a:latin typeface="Consolas" panose="020B0609020204030204" pitchFamily="49" charset="0"/>
               </a:rPr>
               <a:t>string Color { get; private set; }</a:t>
             </a:r>
@@ -12543,7 +12256,7 @@
                     </a:srgbClr>
                   </a:outerShdw>
                 </a:effectLst>
-                <a:latin typeface="Consolas" pitchFamily="49" charset="0"/>
+                <a:latin typeface="Consolas" panose="020B0609020204030204" pitchFamily="49" charset="0"/>
               </a:rPr>
               <a:t>  public </a:t>
             </a:r>
@@ -12559,7 +12272,7 @@
                     </a:srgbClr>
                   </a:outerShdw>
                 </a:effectLst>
-                <a:latin typeface="Consolas" pitchFamily="49" charset="0"/>
+                <a:latin typeface="Consolas" panose="020B0609020204030204" pitchFamily="49" charset="0"/>
               </a:rPr>
               <a:t>int Batteries { get; private set; }</a:t>
             </a:r>
@@ -12582,7 +12295,7 @@
                     </a:srgbClr>
                   </a:outerShdw>
                 </a:effectLst>
-                <a:latin typeface="Consolas" pitchFamily="49" charset="0"/>
+                <a:latin typeface="Consolas" panose="020B0609020204030204" pitchFamily="49" charset="0"/>
               </a:rPr>
               <a:t>  public </a:t>
             </a:r>
@@ -12598,7 +12311,7 @@
                     </a:srgbClr>
                   </a:outerShdw>
                 </a:effectLst>
-                <a:latin typeface="Consolas" pitchFamily="49" charset="0"/>
+                <a:latin typeface="Consolas" panose="020B0609020204030204" pitchFamily="49" charset="0"/>
               </a:rPr>
               <a:t>Tesla(string model, string color, int batteries)</a:t>
             </a:r>
@@ -12621,7 +12334,7 @@
                     </a:srgbClr>
                   </a:outerShdw>
                 </a:effectLst>
-                <a:latin typeface="Consolas" pitchFamily="49" charset="0"/>
+                <a:latin typeface="Consolas" panose="020B0609020204030204" pitchFamily="49" charset="0"/>
               </a:rPr>
               <a:t> </a:t>
             </a:r>
@@ -12637,7 +12350,7 @@
                     </a:srgbClr>
                   </a:outerShdw>
                 </a:effectLst>
-                <a:latin typeface="Consolas" pitchFamily="49" charset="0"/>
+                <a:latin typeface="Consolas" panose="020B0609020204030204" pitchFamily="49" charset="0"/>
               </a:rPr>
               <a:t> { //</a:t>
             </a:r>
@@ -12653,7 +12366,7 @@
                     </a:srgbClr>
                   </a:outerShdw>
                 </a:effectLst>
-                <a:latin typeface="Consolas" pitchFamily="49" charset="0"/>
+                <a:latin typeface="Consolas" panose="020B0609020204030204" pitchFamily="49" charset="0"/>
               </a:rPr>
               <a:t>TODO: Add Logic here </a:t>
             </a:r>
@@ -12669,7 +12382,7 @@
                     </a:srgbClr>
                   </a:outerShdw>
                 </a:effectLst>
-                <a:latin typeface="Consolas" pitchFamily="49" charset="0"/>
+                <a:latin typeface="Consolas" panose="020B0609020204030204" pitchFamily="49" charset="0"/>
               </a:rPr>
               <a:t>}</a:t>
             </a:r>
@@ -12684,7 +12397,7 @@
                   </a:srgbClr>
                 </a:outerShdw>
               </a:effectLst>
-              <a:latin typeface="Consolas" pitchFamily="49" charset="0"/>
+              <a:latin typeface="Consolas" panose="020B0609020204030204" pitchFamily="49" charset="0"/>
             </a:endParaRPr>
           </a:p>
           <a:p>
@@ -12705,7 +12418,7 @@
                     </a:srgbClr>
                   </a:outerShdw>
                 </a:effectLst>
-                <a:latin typeface="Consolas" pitchFamily="49" charset="0"/>
+                <a:latin typeface="Consolas" panose="020B0609020204030204" pitchFamily="49" charset="0"/>
               </a:rPr>
               <a:t>  public </a:t>
             </a:r>
@@ -12721,7 +12434,7 @@
                     </a:srgbClr>
                   </a:outerShdw>
                 </a:effectLst>
-                <a:latin typeface="Consolas" pitchFamily="49" charset="0"/>
+                <a:latin typeface="Consolas" panose="020B0609020204030204" pitchFamily="49" charset="0"/>
               </a:rPr>
               <a:t>string Start()</a:t>
             </a:r>
@@ -12744,7 +12457,7 @@
                     </a:srgbClr>
                   </a:outerShdw>
                 </a:effectLst>
-                <a:latin typeface="Consolas" pitchFamily="49" charset="0"/>
+                <a:latin typeface="Consolas" panose="020B0609020204030204" pitchFamily="49" charset="0"/>
               </a:rPr>
               <a:t> </a:t>
             </a:r>
@@ -12760,7 +12473,7 @@
                     </a:srgbClr>
                   </a:outerShdw>
                 </a:effectLst>
-                <a:latin typeface="Consolas" pitchFamily="49" charset="0"/>
+                <a:latin typeface="Consolas" panose="020B0609020204030204" pitchFamily="49" charset="0"/>
               </a:rPr>
               <a:t> { //</a:t>
             </a:r>
@@ -12776,7 +12489,7 @@
                     </a:srgbClr>
                   </a:outerShdw>
                 </a:effectLst>
-                <a:latin typeface="Consolas" pitchFamily="49" charset="0"/>
+                <a:latin typeface="Consolas" panose="020B0609020204030204" pitchFamily="49" charset="0"/>
               </a:rPr>
               <a:t>TODO: Add Logic </a:t>
             </a:r>
@@ -12792,7 +12505,7 @@
                     </a:srgbClr>
                   </a:outerShdw>
                 </a:effectLst>
-                <a:latin typeface="Consolas" pitchFamily="49" charset="0"/>
+                <a:latin typeface="Consolas" panose="020B0609020204030204" pitchFamily="49" charset="0"/>
               </a:rPr>
               <a:t>here }</a:t>
             </a:r>
@@ -12807,7 +12520,7 @@
                   </a:srgbClr>
                 </a:outerShdw>
               </a:effectLst>
-              <a:latin typeface="Consolas" pitchFamily="49" charset="0"/>
+              <a:latin typeface="Consolas" panose="020B0609020204030204" pitchFamily="49" charset="0"/>
             </a:endParaRPr>
           </a:p>
           <a:p>
@@ -12828,7 +12541,7 @@
                     </a:srgbClr>
                   </a:outerShdw>
                 </a:effectLst>
-                <a:latin typeface="Consolas" pitchFamily="49" charset="0"/>
+                <a:latin typeface="Consolas" panose="020B0609020204030204" pitchFamily="49" charset="0"/>
               </a:rPr>
               <a:t>  public </a:t>
             </a:r>
@@ -12844,7 +12557,7 @@
                     </a:srgbClr>
                   </a:outerShdw>
                 </a:effectLst>
-                <a:latin typeface="Consolas" pitchFamily="49" charset="0"/>
+                <a:latin typeface="Consolas" panose="020B0609020204030204" pitchFamily="49" charset="0"/>
               </a:rPr>
               <a:t>string Stop()</a:t>
             </a:r>
@@ -12867,7 +12580,7 @@
                     </a:srgbClr>
                   </a:outerShdw>
                 </a:effectLst>
-                <a:latin typeface="Consolas" pitchFamily="49" charset="0"/>
+                <a:latin typeface="Consolas" panose="020B0609020204030204" pitchFamily="49" charset="0"/>
               </a:rPr>
               <a:t>  { //</a:t>
             </a:r>
@@ -12883,7 +12596,7 @@
                     </a:srgbClr>
                   </a:outerShdw>
                 </a:effectLst>
-                <a:latin typeface="Consolas" pitchFamily="49" charset="0"/>
+                <a:latin typeface="Consolas" panose="020B0609020204030204" pitchFamily="49" charset="0"/>
               </a:rPr>
               <a:t>TODO: Add Logic </a:t>
             </a:r>
@@ -12899,7 +12612,7 @@
                     </a:srgbClr>
                   </a:outerShdw>
                 </a:effectLst>
-                <a:latin typeface="Consolas" pitchFamily="49" charset="0"/>
+                <a:latin typeface="Consolas" panose="020B0609020204030204" pitchFamily="49" charset="0"/>
               </a:rPr>
               <a:t>here }</a:t>
             </a:r>
@@ -12914,7 +12627,7 @@
                   </a:srgbClr>
                 </a:outerShdw>
               </a:effectLst>
-              <a:latin typeface="Consolas" pitchFamily="49" charset="0"/>
+              <a:latin typeface="Consolas" panose="020B0609020204030204" pitchFamily="49" charset="0"/>
             </a:endParaRPr>
           </a:p>
           <a:p>
@@ -12931,7 +12644,7 @@
                     </a:srgbClr>
                   </a:outerShdw>
                 </a:effectLst>
-                <a:latin typeface="Consolas" pitchFamily="49" charset="0"/>
+                <a:latin typeface="Consolas" panose="020B0609020204030204" pitchFamily="49" charset="0"/>
               </a:rPr>
               <a:t>}</a:t>
             </a:r>
@@ -12939,11 +12652,6 @@
         </p:txBody>
       </p:sp>
     </p:spTree>
-    <p:extLst>
-      <p:ext uri="{BB962C8B-B14F-4D97-AF65-F5344CB8AC3E}">
-        <p14:creationId xmlns:p14="http://schemas.microsoft.com/office/powerpoint/2010/main" val="2957799574"/>
-      </p:ext>
-    </p:extLst>
   </p:cSld>
   <p:clrMapOvr>
     <a:masterClrMapping/>
@@ -12993,7 +12701,6 @@
           <a:p>
             <a:fld id="{C014DD1E-5D91-48A3-AD6D-45FBA980D106}" type="slidenum">
               <a:rPr lang="en-US" smtClean="0"/>
-              <a:pPr/>
               <a:t>16</a:t>
             </a:fld>
             <a:endParaRPr lang="en-US" dirty="0"/>
@@ -13086,7 +12793,7 @@
                     </a:srgbClr>
                   </a:outerShdw>
                 </a:effectLst>
-                <a:latin typeface="Consolas" pitchFamily="49" charset="0"/>
+                <a:latin typeface="Consolas" panose="020B0609020204030204" pitchFamily="49" charset="0"/>
               </a:rPr>
               <a:t>public class Seat : ICar</a:t>
             </a:r>
@@ -13105,7 +12812,7 @@
                     </a:srgbClr>
                   </a:outerShdw>
                 </a:effectLst>
-                <a:latin typeface="Consolas" pitchFamily="49" charset="0"/>
+                <a:latin typeface="Consolas" panose="020B0609020204030204" pitchFamily="49" charset="0"/>
               </a:rPr>
               <a:t>{</a:t>
             </a:r>
@@ -13128,7 +12835,7 @@
                     </a:srgbClr>
                   </a:outerShdw>
                 </a:effectLst>
-                <a:latin typeface="Consolas" pitchFamily="49" charset="0"/>
+                <a:latin typeface="Consolas" panose="020B0609020204030204" pitchFamily="49" charset="0"/>
               </a:rPr>
               <a:t>  public string Model { get; private set; }</a:t>
             </a:r>
@@ -13151,7 +12858,7 @@
                     </a:srgbClr>
                   </a:outerShdw>
                 </a:effectLst>
-                <a:latin typeface="Consolas" pitchFamily="49" charset="0"/>
+                <a:latin typeface="Consolas" panose="020B0609020204030204" pitchFamily="49" charset="0"/>
               </a:rPr>
               <a:t>  public string Color { get; private set; } </a:t>
             </a:r>
@@ -13174,7 +12881,7 @@
                     </a:srgbClr>
                   </a:outerShdw>
                 </a:effectLst>
-                <a:latin typeface="Consolas" pitchFamily="49" charset="0"/>
+                <a:latin typeface="Consolas" panose="020B0609020204030204" pitchFamily="49" charset="0"/>
               </a:rPr>
               <a:t>  public Seat(string model, string color)</a:t>
             </a:r>
@@ -13197,7 +12904,7 @@
                     </a:srgbClr>
                   </a:outerShdw>
                 </a:effectLst>
-                <a:latin typeface="Consolas" pitchFamily="49" charset="0"/>
+                <a:latin typeface="Consolas" panose="020B0609020204030204" pitchFamily="49" charset="0"/>
               </a:rPr>
               <a:t>  { //TODO: Add Logic here }</a:t>
             </a:r>
@@ -13220,7 +12927,7 @@
                     </a:srgbClr>
                   </a:outerShdw>
                 </a:effectLst>
-                <a:latin typeface="Consolas" pitchFamily="49" charset="0"/>
+                <a:latin typeface="Consolas" panose="020B0609020204030204" pitchFamily="49" charset="0"/>
               </a:rPr>
               <a:t>  public string Start()</a:t>
             </a:r>
@@ -13243,7 +12950,7 @@
                     </a:srgbClr>
                   </a:outerShdw>
                 </a:effectLst>
-                <a:latin typeface="Consolas" pitchFamily="49" charset="0"/>
+                <a:latin typeface="Consolas" panose="020B0609020204030204" pitchFamily="49" charset="0"/>
               </a:rPr>
               <a:t>  { //TODO: Add Logic here }</a:t>
             </a:r>
@@ -13266,7 +12973,7 @@
                     </a:srgbClr>
                   </a:outerShdw>
                 </a:effectLst>
-                <a:latin typeface="Consolas" pitchFamily="49" charset="0"/>
+                <a:latin typeface="Consolas" panose="020B0609020204030204" pitchFamily="49" charset="0"/>
               </a:rPr>
               <a:t>  public string Stop()</a:t>
             </a:r>
@@ -13289,7 +12996,7 @@
                     </a:srgbClr>
                   </a:outerShdw>
                 </a:effectLst>
-                <a:latin typeface="Consolas" pitchFamily="49" charset="0"/>
+                <a:latin typeface="Consolas" panose="020B0609020204030204" pitchFamily="49" charset="0"/>
               </a:rPr>
               <a:t>  { //TODO: Add Logic here }</a:t>
             </a:r>
@@ -13308,7 +13015,7 @@
                     </a:srgbClr>
                   </a:outerShdw>
                 </a:effectLst>
-                <a:latin typeface="Consolas" pitchFamily="49" charset="0"/>
+                <a:latin typeface="Consolas" panose="020B0609020204030204" pitchFamily="49" charset="0"/>
               </a:rPr>
               <a:t>}</a:t>
             </a:r>
@@ -13323,17 +13030,12 @@
                   </a:srgbClr>
                 </a:outerShdw>
               </a:effectLst>
-              <a:latin typeface="Consolas" pitchFamily="49" charset="0"/>
+              <a:latin typeface="Consolas" panose="020B0609020204030204" pitchFamily="49" charset="0"/>
             </a:endParaRPr>
           </a:p>
         </p:txBody>
       </p:sp>
     </p:spTree>
-    <p:extLst>
-      <p:ext uri="{BB962C8B-B14F-4D97-AF65-F5344CB8AC3E}">
-        <p14:creationId xmlns:p14="http://schemas.microsoft.com/office/powerpoint/2010/main" val="222617669"/>
-      </p:ext>
-    </p:extLst>
   </p:cSld>
   <p:clrMapOvr>
     <a:masterClrMapping/>
@@ -13390,9 +13092,6 @@
             </a:pPr>
             <a:fld id="{58452FF4-89E3-4D1B-9927-2DBDC00E58D7}" type="slidenum">
               <a:rPr lang="en-US" smtClean="0"/>
-              <a:pPr>
-                <a:defRPr/>
-              </a:pPr>
               <a:t>17</a:t>
             </a:fld>
             <a:endParaRPr lang="en-US" dirty="0"/>
@@ -13551,11 +13250,6 @@
         </p:txBody>
       </p:sp>
     </p:spTree>
-    <p:extLst>
-      <p:ext uri="{BB962C8B-B14F-4D97-AF65-F5344CB8AC3E}">
-        <p14:creationId xmlns:p14="http://schemas.microsoft.com/office/powerpoint/2010/main" val="3688025527"/>
-      </p:ext>
-    </p:extLst>
   </p:cSld>
   <p:clrMapOvr>
     <a:masterClrMapping/>
@@ -13704,7 +13398,6 @@
           <a:p>
             <a:fld id="{C014DD1E-5D91-48A3-AD6D-45FBA980D106}" type="slidenum">
               <a:rPr lang="en-US" smtClean="0"/>
-              <a:pPr/>
               <a:t>18</a:t>
             </a:fld>
             <a:endParaRPr lang="en-US" dirty="0"/>
@@ -13714,9 +13407,7 @@
       <p:sp>
         <p:nvSpPr>
           <p:cNvPr id="7" name="Text Placeholder 5"/>
-          <p:cNvSpPr txBox="1">
-            <a:spLocks/>
-          </p:cNvSpPr>
+          <p:cNvSpPr txBox="1"/>
           <p:nvPr/>
         </p:nvSpPr>
         <p:spPr>
@@ -13775,11 +13466,11 @@
                     </a:srgbClr>
                   </a:outerShdw>
                 </a:effectLst>
-                <a:latin typeface="Consolas" pitchFamily="49" charset="0"/>
-                <a:cs typeface="Consolas" pitchFamily="49" charset="0"/>
+                <a:latin typeface="Consolas" panose="020B0609020204030204" pitchFamily="49" charset="0"/>
+                <a:cs typeface="Consolas" panose="020B0609020204030204" pitchFamily="49" charset="0"/>
               </a:defRPr>
             </a:lvl1pPr>
-            <a:lvl2pPr indent="-231606">
+            <a:lvl2pPr indent="-231775">
               <a:lnSpc>
                 <a:spcPct val="105000"/>
               </a:lnSpc>
@@ -13797,7 +13488,7 @@
               <a:buChar char="§"/>
               <a:defRPr sz="3200" b="0"/>
             </a:lvl2pPr>
-            <a:lvl3pPr marL="914240" indent="-231606">
+            <a:lvl3pPr marL="914400" indent="-231775">
               <a:lnSpc>
                 <a:spcPct val="105000"/>
               </a:lnSpc>
@@ -13815,7 +13506,7 @@
               <a:buChar char="§"/>
               <a:defRPr sz="3000" b="0"/>
             </a:lvl3pPr>
-            <a:lvl4pPr marL="1218987" indent="-231606">
+            <a:lvl4pPr marL="1219200" indent="-231775">
               <a:lnSpc>
                 <a:spcPct val="105000"/>
               </a:lnSpc>
@@ -13833,7 +13524,7 @@
               <a:buChar char="§"/>
               <a:defRPr sz="2800" b="0"/>
             </a:lvl4pPr>
-            <a:lvl5pPr marL="1523733" indent="-231606">
+            <a:lvl5pPr marL="1524000" indent="-231775">
               <a:lnSpc>
                 <a:spcPct val="105000"/>
               </a:lnSpc>
@@ -13851,7 +13542,7 @@
               <a:buChar char="§"/>
               <a:defRPr sz="2600" b="0"/>
             </a:lvl5pPr>
-            <a:lvl6pPr marL="1828480" indent="-231606">
+            <a:lvl6pPr marL="1828165" indent="-231775">
               <a:lnSpc>
                 <a:spcPct val="90000"/>
               </a:lnSpc>
@@ -13862,11 +13553,11 @@
                 <a:schemeClr val="accent1"/>
               </a:buClr>
               <a:buSzPct val="80000"/>
-              <a:buFont typeface="Arial" pitchFamily="34" charset="0"/>
+              <a:buFont typeface="Arial" panose="020B0604020202020204" pitchFamily="34" charset="0"/>
               <a:buChar char="•"/>
               <a:defRPr sz="2000"/>
             </a:lvl6pPr>
-            <a:lvl7pPr marL="2133227" indent="-231606">
+            <a:lvl7pPr marL="2132965" indent="-231775">
               <a:lnSpc>
                 <a:spcPct val="90000"/>
               </a:lnSpc>
@@ -13877,11 +13568,11 @@
                 <a:schemeClr val="accent1"/>
               </a:buClr>
               <a:buSzPct val="80000"/>
-              <a:buFont typeface="Arial" pitchFamily="34" charset="0"/>
+              <a:buFont typeface="Arial" panose="020B0604020202020204" pitchFamily="34" charset="0"/>
               <a:buChar char="•"/>
               <a:defRPr sz="2000"/>
             </a:lvl7pPr>
-            <a:lvl8pPr marL="2437972" indent="-231606">
+            <a:lvl8pPr marL="2437765" indent="-231775">
               <a:lnSpc>
                 <a:spcPct val="90000"/>
               </a:lnSpc>
@@ -13892,11 +13583,11 @@
                 <a:schemeClr val="accent1"/>
               </a:buClr>
               <a:buSzPct val="80000"/>
-              <a:buFont typeface="Arial" pitchFamily="34" charset="0"/>
+              <a:buFont typeface="Arial" panose="020B0604020202020204" pitchFamily="34" charset="0"/>
               <a:buChar char="•"/>
               <a:defRPr sz="2000" baseline="0"/>
             </a:lvl8pPr>
-            <a:lvl9pPr marL="2742720" indent="-231606">
+            <a:lvl9pPr marL="2742565" indent="-231775">
               <a:lnSpc>
                 <a:spcPct val="90000"/>
               </a:lnSpc>
@@ -13907,7 +13598,7 @@
                 <a:schemeClr val="accent1"/>
               </a:buClr>
               <a:buSzPct val="80000"/>
-              <a:buFont typeface="Arial" pitchFamily="34" charset="0"/>
+              <a:buFont typeface="Arial" panose="020B0604020202020204" pitchFamily="34" charset="0"/>
               <a:buChar char="•"/>
               <a:defRPr sz="2000" baseline="0"/>
             </a:lvl9pPr>
@@ -14010,11 +13701,6 @@
         </p:txBody>
       </p:sp>
     </p:spTree>
-    <p:extLst>
-      <p:ext uri="{BB962C8B-B14F-4D97-AF65-F5344CB8AC3E}">
-        <p14:creationId xmlns:p14="http://schemas.microsoft.com/office/powerpoint/2010/main" val="3439144269"/>
-      </p:ext>
-    </p:extLst>
   </p:cSld>
   <p:clrMapOvr>
     <a:masterClrMapping/>
@@ -14174,7 +13860,6 @@
           <a:p>
             <a:fld id="{C014DD1E-5D91-48A3-AD6D-45FBA980D106}" type="slidenum">
               <a:rPr lang="en-US" smtClean="0"/>
-              <a:pPr/>
               <a:t>19</a:t>
             </a:fld>
             <a:endParaRPr lang="en-US" dirty="0"/>
@@ -14184,9 +13869,7 @@
       <p:sp>
         <p:nvSpPr>
           <p:cNvPr id="7" name="Text Placeholder 5"/>
-          <p:cNvSpPr txBox="1">
-            <a:spLocks/>
-          </p:cNvSpPr>
+          <p:cNvSpPr txBox="1"/>
           <p:nvPr/>
         </p:nvSpPr>
         <p:spPr>
@@ -14245,11 +13928,11 @@
                     </a:srgbClr>
                   </a:outerShdw>
                 </a:effectLst>
-                <a:latin typeface="Consolas" pitchFamily="49" charset="0"/>
-                <a:cs typeface="Consolas" pitchFamily="49" charset="0"/>
+                <a:latin typeface="Consolas" panose="020B0609020204030204" pitchFamily="49" charset="0"/>
+                <a:cs typeface="Consolas" panose="020B0609020204030204" pitchFamily="49" charset="0"/>
               </a:defRPr>
             </a:lvl1pPr>
-            <a:lvl2pPr indent="-231606">
+            <a:lvl2pPr indent="-231775">
               <a:lnSpc>
                 <a:spcPct val="105000"/>
               </a:lnSpc>
@@ -14267,7 +13950,7 @@
               <a:buChar char="§"/>
               <a:defRPr sz="3200" b="0"/>
             </a:lvl2pPr>
-            <a:lvl3pPr marL="914240" indent="-231606">
+            <a:lvl3pPr marL="914400" indent="-231775">
               <a:lnSpc>
                 <a:spcPct val="105000"/>
               </a:lnSpc>
@@ -14285,7 +13968,7 @@
               <a:buChar char="§"/>
               <a:defRPr sz="3000" b="0"/>
             </a:lvl3pPr>
-            <a:lvl4pPr marL="1218987" indent="-231606">
+            <a:lvl4pPr marL="1219200" indent="-231775">
               <a:lnSpc>
                 <a:spcPct val="105000"/>
               </a:lnSpc>
@@ -14303,7 +13986,7 @@
               <a:buChar char="§"/>
               <a:defRPr sz="2800" b="0"/>
             </a:lvl4pPr>
-            <a:lvl5pPr marL="1523733" indent="-231606">
+            <a:lvl5pPr marL="1524000" indent="-231775">
               <a:lnSpc>
                 <a:spcPct val="105000"/>
               </a:lnSpc>
@@ -14321,7 +14004,7 @@
               <a:buChar char="§"/>
               <a:defRPr sz="2600" b="0"/>
             </a:lvl5pPr>
-            <a:lvl6pPr marL="1828480" indent="-231606">
+            <a:lvl6pPr marL="1828165" indent="-231775">
               <a:lnSpc>
                 <a:spcPct val="90000"/>
               </a:lnSpc>
@@ -14332,11 +14015,11 @@
                 <a:schemeClr val="accent1"/>
               </a:buClr>
               <a:buSzPct val="80000"/>
-              <a:buFont typeface="Arial" pitchFamily="34" charset="0"/>
+              <a:buFont typeface="Arial" panose="020B0604020202020204" pitchFamily="34" charset="0"/>
               <a:buChar char="•"/>
               <a:defRPr sz="2000"/>
             </a:lvl6pPr>
-            <a:lvl7pPr marL="2133227" indent="-231606">
+            <a:lvl7pPr marL="2132965" indent="-231775">
               <a:lnSpc>
                 <a:spcPct val="90000"/>
               </a:lnSpc>
@@ -14347,11 +14030,11 @@
                 <a:schemeClr val="accent1"/>
               </a:buClr>
               <a:buSzPct val="80000"/>
-              <a:buFont typeface="Arial" pitchFamily="34" charset="0"/>
+              <a:buFont typeface="Arial" panose="020B0604020202020204" pitchFamily="34" charset="0"/>
               <a:buChar char="•"/>
               <a:defRPr sz="2000"/>
             </a:lvl7pPr>
-            <a:lvl8pPr marL="2437972" indent="-231606">
+            <a:lvl8pPr marL="2437765" indent="-231775">
               <a:lnSpc>
                 <a:spcPct val="90000"/>
               </a:lnSpc>
@@ -14362,11 +14045,11 @@
                 <a:schemeClr val="accent1"/>
               </a:buClr>
               <a:buSzPct val="80000"/>
-              <a:buFont typeface="Arial" pitchFamily="34" charset="0"/>
+              <a:buFont typeface="Arial" panose="020B0604020202020204" pitchFamily="34" charset="0"/>
               <a:buChar char="•"/>
               <a:defRPr sz="2000" baseline="0"/>
             </a:lvl8pPr>
-            <a:lvl9pPr marL="2742720" indent="-231606">
+            <a:lvl9pPr marL="2742565" indent="-231775">
               <a:lnSpc>
                 <a:spcPct val="90000"/>
               </a:lnSpc>
@@ -14377,7 +14060,7 @@
                 <a:schemeClr val="accent1"/>
               </a:buClr>
               <a:buSzPct val="80000"/>
-              <a:buFont typeface="Arial" pitchFamily="34" charset="0"/>
+              <a:buFont typeface="Arial" panose="020B0604020202020204" pitchFamily="34" charset="0"/>
               <a:buChar char="•"/>
               <a:defRPr sz="2000" baseline="0"/>
             </a:lvl9pPr>
@@ -14551,11 +14234,6 @@
         </p:txBody>
       </p:sp>
     </p:spTree>
-    <p:extLst>
-      <p:ext uri="{BB962C8B-B14F-4D97-AF65-F5344CB8AC3E}">
-        <p14:creationId xmlns:p14="http://schemas.microsoft.com/office/powerpoint/2010/main" val="916677636"/>
-      </p:ext>
-    </p:extLst>
   </p:cSld>
   <p:clrMapOvr>
     <a:masterClrMapping/>
@@ -14590,6 +14268,40 @@
       </p:grpSpPr>
       <p:sp>
         <p:nvSpPr>
+          <p:cNvPr id="3" name="Content Placeholder 2"/>
+          <p:cNvSpPr>
+            <a:spLocks noGrp="1"/>
+          </p:cNvSpPr>
+          <p:nvPr>
+            <p:ph idx="1"/>
+          </p:nvPr>
+        </p:nvSpPr>
+        <p:spPr/>
+        <p:txBody>
+          <a:bodyPr/>
+          <a:lstStyle/>
+          <a:p>
+            <a:pPr marL="0" indent="0">
+              <a:buNone/>
+            </a:pPr>
+            <a:r>
+              <a:rPr lang="" altLang="en-US" dirty="0" smtClean="0"/>
+              <a:t>Част </a:t>
+            </a:r>
+            <a:r>
+              <a:rPr lang="" altLang="en-US" dirty="0"/>
+              <a:t>от обект, чрез която можем да взаимодействаме с </a:t>
+            </a:r>
+            <a:r>
+              <a:rPr lang="bg-BG" altLang="en-US" dirty="0" smtClean="0"/>
+              <a:t>обекта</a:t>
+            </a:r>
+            <a:endParaRPr lang="" altLang="en-US" dirty="0"/>
+          </a:p>
+        </p:txBody>
+      </p:sp>
+      <p:sp>
+        <p:nvSpPr>
           <p:cNvPr id="4" name="Title 3"/>
           <p:cNvSpPr>
             <a:spLocks noGrp="1"/>
@@ -14598,12 +14310,7 @@
             <p:ph type="title"/>
           </p:nvPr>
         </p:nvSpPr>
-        <p:spPr>
-          <a:xfrm>
-            <a:off x="1625176" y="5275400"/>
-            <a:ext cx="8938472" cy="820600"/>
-          </a:xfrm>
-        </p:spPr>
+        <p:spPr/>
         <p:txBody>
           <a:bodyPr/>
           <a:lstStyle/>
@@ -14612,7 +14319,7 @@
               <a:rPr lang="bg-BG" noProof="1" smtClean="0">
                 <a:cs typeface="Consolas" panose="020B0609020204030204" pitchFamily="49" charset="0"/>
               </a:rPr>
-              <a:t>Интерфейси</a:t>
+              <a:t>Интерфейс</a:t>
             </a:r>
             <a:endParaRPr lang="en-US" noProof="1">
               <a:cs typeface="Consolas" panose="020B0609020204030204" pitchFamily="49" charset="0"/>
@@ -14627,22 +14334,16 @@
             <a:spLocks noGrp="1"/>
           </p:cNvSpPr>
           <p:nvPr>
-            <p:ph type="sldNum" sz="quarter" idx="4294967295"/>
+            <p:ph type="sldNum" sz="quarter" idx="4"/>
           </p:nvPr>
         </p:nvSpPr>
-        <p:spPr>
-          <a:xfrm>
-            <a:off x="11760200" y="6524625"/>
-            <a:ext cx="428625" cy="196850"/>
-          </a:xfrm>
-        </p:spPr>
+        <p:spPr/>
         <p:txBody>
           <a:bodyPr/>
           <a:lstStyle/>
           <a:p>
             <a:fld id="{C014DD1E-5D91-48A3-AD6D-45FBA980D106}" type="slidenum">
               <a:rPr lang="en-US" smtClean="0"/>
-              <a:pPr/>
               <a:t>2</a:t>
             </a:fld>
             <a:endParaRPr lang="en-US" dirty="0"/>
@@ -14658,7 +14359,7 @@
           <p:nvPr/>
         </p:nvPicPr>
         <p:blipFill>
-          <a:blip r:embed="rId3">
+          <a:blip r:embed="rId3" cstate="print">
             <a:extLst>
               <a:ext uri="{28A0092B-C50C-407E-A947-70E740481C1C}">
                 <a14:useLocalDpi xmlns:a14="http://schemas.microsoft.com/office/drawing/2010/main" val="0"/>
@@ -14671,8 +14372,8 @@
         </p:blipFill>
         <p:spPr>
           <a:xfrm>
-            <a:off x="2639735" y="762000"/>
-            <a:ext cx="6909354" cy="4220230"/>
+            <a:off x="3505835" y="2492375"/>
+            <a:ext cx="5177155" cy="3162300"/>
           </a:xfrm>
           <a:prstGeom prst="rect">
             <a:avLst/>
@@ -14680,11 +14381,6 @@
         </p:spPr>
       </p:pic>
     </p:spTree>
-    <p:extLst>
-      <p:ext uri="{BB962C8B-B14F-4D97-AF65-F5344CB8AC3E}">
-        <p14:creationId xmlns:p14="http://schemas.microsoft.com/office/powerpoint/2010/main" val="3622083398"/>
-      </p:ext>
-    </p:extLst>
   </p:cSld>
   <p:clrMapOvr>
     <a:masterClrMapping/>
@@ -14935,7 +14631,6 @@
           <a:p>
             <a:fld id="{C014DD1E-5D91-48A3-AD6D-45FBA980D106}" type="slidenum">
               <a:rPr lang="en-US" smtClean="0"/>
-              <a:pPr/>
               <a:t>20</a:t>
             </a:fld>
             <a:endParaRPr lang="en-US" dirty="0"/>
@@ -14943,11 +14638,6 @@
         </p:txBody>
       </p:sp>
     </p:spTree>
-    <p:extLst>
-      <p:ext uri="{BB962C8B-B14F-4D97-AF65-F5344CB8AC3E}">
-        <p14:creationId xmlns:p14="http://schemas.microsoft.com/office/powerpoint/2010/main" val="3023702748"/>
-      </p:ext>
-    </p:extLst>
   </p:cSld>
   <p:clrMapOvr>
     <a:masterClrMapping/>
@@ -15077,7 +14767,6 @@
           <a:p>
             <a:fld id="{C014DD1E-5D91-48A3-AD6D-45FBA980D106}" type="slidenum">
               <a:rPr lang="en-US" smtClean="0"/>
-              <a:pPr/>
               <a:t>21</a:t>
             </a:fld>
             <a:endParaRPr lang="en-US" dirty="0"/>
@@ -15087,9 +14776,7 @@
       <p:sp>
         <p:nvSpPr>
           <p:cNvPr id="7" name="Text Placeholder 5"/>
-          <p:cNvSpPr txBox="1">
-            <a:spLocks/>
-          </p:cNvSpPr>
+          <p:cNvSpPr txBox="1"/>
           <p:nvPr/>
         </p:nvSpPr>
         <p:spPr>
@@ -15148,11 +14835,11 @@
                     </a:srgbClr>
                   </a:outerShdw>
                 </a:effectLst>
-                <a:latin typeface="Consolas" pitchFamily="49" charset="0"/>
-                <a:cs typeface="Consolas" pitchFamily="49" charset="0"/>
+                <a:latin typeface="Consolas" panose="020B0609020204030204" pitchFamily="49" charset="0"/>
+                <a:cs typeface="Consolas" panose="020B0609020204030204" pitchFamily="49" charset="0"/>
               </a:defRPr>
             </a:lvl1pPr>
-            <a:lvl2pPr indent="-231606">
+            <a:lvl2pPr indent="-231775">
               <a:lnSpc>
                 <a:spcPct val="105000"/>
               </a:lnSpc>
@@ -15170,7 +14857,7 @@
               <a:buChar char="§"/>
               <a:defRPr sz="3200" b="0"/>
             </a:lvl2pPr>
-            <a:lvl3pPr marL="914240" indent="-231606">
+            <a:lvl3pPr marL="914400" indent="-231775">
               <a:lnSpc>
                 <a:spcPct val="105000"/>
               </a:lnSpc>
@@ -15188,7 +14875,7 @@
               <a:buChar char="§"/>
               <a:defRPr sz="3000" b="0"/>
             </a:lvl3pPr>
-            <a:lvl4pPr marL="1218987" indent="-231606">
+            <a:lvl4pPr marL="1219200" indent="-231775">
               <a:lnSpc>
                 <a:spcPct val="105000"/>
               </a:lnSpc>
@@ -15206,7 +14893,7 @@
               <a:buChar char="§"/>
               <a:defRPr sz="2800" b="0"/>
             </a:lvl4pPr>
-            <a:lvl5pPr marL="1523733" indent="-231606">
+            <a:lvl5pPr marL="1524000" indent="-231775">
               <a:lnSpc>
                 <a:spcPct val="105000"/>
               </a:lnSpc>
@@ -15224,7 +14911,7 @@
               <a:buChar char="§"/>
               <a:defRPr sz="2600" b="0"/>
             </a:lvl5pPr>
-            <a:lvl6pPr marL="1828480" indent="-231606">
+            <a:lvl6pPr marL="1828165" indent="-231775">
               <a:lnSpc>
                 <a:spcPct val="90000"/>
               </a:lnSpc>
@@ -15235,11 +14922,11 @@
                 <a:schemeClr val="accent1"/>
               </a:buClr>
               <a:buSzPct val="80000"/>
-              <a:buFont typeface="Arial" pitchFamily="34" charset="0"/>
+              <a:buFont typeface="Arial" panose="020B0604020202020204" pitchFamily="34" charset="0"/>
               <a:buChar char="•"/>
               <a:defRPr sz="2000"/>
             </a:lvl6pPr>
-            <a:lvl7pPr marL="2133227" indent="-231606">
+            <a:lvl7pPr marL="2132965" indent="-231775">
               <a:lnSpc>
                 <a:spcPct val="90000"/>
               </a:lnSpc>
@@ -15250,11 +14937,11 @@
                 <a:schemeClr val="accent1"/>
               </a:buClr>
               <a:buSzPct val="80000"/>
-              <a:buFont typeface="Arial" pitchFamily="34" charset="0"/>
+              <a:buFont typeface="Arial" panose="020B0604020202020204" pitchFamily="34" charset="0"/>
               <a:buChar char="•"/>
               <a:defRPr sz="2000"/>
             </a:lvl7pPr>
-            <a:lvl8pPr marL="2437972" indent="-231606">
+            <a:lvl8pPr marL="2437765" indent="-231775">
               <a:lnSpc>
                 <a:spcPct val="90000"/>
               </a:lnSpc>
@@ -15265,11 +14952,11 @@
                 <a:schemeClr val="accent1"/>
               </a:buClr>
               <a:buSzPct val="80000"/>
-              <a:buFont typeface="Arial" pitchFamily="34" charset="0"/>
+              <a:buFont typeface="Arial" panose="020B0604020202020204" pitchFamily="34" charset="0"/>
               <a:buChar char="•"/>
               <a:defRPr sz="2000" baseline="0"/>
             </a:lvl8pPr>
-            <a:lvl9pPr marL="2742720" indent="-231606">
+            <a:lvl9pPr marL="2742565" indent="-231775">
               <a:lnSpc>
                 <a:spcPct val="90000"/>
               </a:lnSpc>
@@ -15280,7 +14967,7 @@
                 <a:schemeClr val="accent1"/>
               </a:buClr>
               <a:buSzPct val="80000"/>
-              <a:buFont typeface="Arial" pitchFamily="34" charset="0"/>
+              <a:buFont typeface="Arial" panose="020B0604020202020204" pitchFamily="34" charset="0"/>
               <a:buChar char="•"/>
               <a:defRPr sz="2000" baseline="0"/>
             </a:lvl9pPr>
@@ -15454,11 +15141,6 @@
         </p:txBody>
       </p:sp>
     </p:spTree>
-    <p:extLst>
-      <p:ext uri="{BB962C8B-B14F-4D97-AF65-F5344CB8AC3E}">
-        <p14:creationId xmlns:p14="http://schemas.microsoft.com/office/powerpoint/2010/main" val="1280572641"/>
-      </p:ext>
-    </p:extLst>
   </p:cSld>
   <p:clrMapOvr>
     <a:masterClrMapping/>
@@ -15656,7 +15338,6 @@
           <a:p>
             <a:fld id="{C014DD1E-5D91-48A3-AD6D-45FBA980D106}" type="slidenum">
               <a:rPr lang="en-US" smtClean="0"/>
-              <a:pPr/>
               <a:t>22</a:t>
             </a:fld>
             <a:endParaRPr lang="en-US" dirty="0"/>
@@ -15666,9 +15347,7 @@
       <p:sp>
         <p:nvSpPr>
           <p:cNvPr id="7" name="Text Placeholder 5"/>
-          <p:cNvSpPr txBox="1">
-            <a:spLocks/>
-          </p:cNvSpPr>
+          <p:cNvSpPr txBox="1"/>
           <p:nvPr/>
         </p:nvSpPr>
         <p:spPr>
@@ -15727,11 +15406,11 @@
                     </a:srgbClr>
                   </a:outerShdw>
                 </a:effectLst>
-                <a:latin typeface="Consolas" pitchFamily="49" charset="0"/>
-                <a:cs typeface="Consolas" pitchFamily="49" charset="0"/>
+                <a:latin typeface="Consolas" panose="020B0609020204030204" pitchFamily="49" charset="0"/>
+                <a:cs typeface="Consolas" panose="020B0609020204030204" pitchFamily="49" charset="0"/>
               </a:defRPr>
             </a:lvl1pPr>
-            <a:lvl2pPr indent="-231606">
+            <a:lvl2pPr indent="-231775">
               <a:lnSpc>
                 <a:spcPct val="105000"/>
               </a:lnSpc>
@@ -15749,7 +15428,7 @@
               <a:buChar char="§"/>
               <a:defRPr sz="3200" b="0"/>
             </a:lvl2pPr>
-            <a:lvl3pPr marL="914240" indent="-231606">
+            <a:lvl3pPr marL="914400" indent="-231775">
               <a:lnSpc>
                 <a:spcPct val="105000"/>
               </a:lnSpc>
@@ -15767,7 +15446,7 @@
               <a:buChar char="§"/>
               <a:defRPr sz="3000" b="0"/>
             </a:lvl3pPr>
-            <a:lvl4pPr marL="1218987" indent="-231606">
+            <a:lvl4pPr marL="1219200" indent="-231775">
               <a:lnSpc>
                 <a:spcPct val="105000"/>
               </a:lnSpc>
@@ -15785,7 +15464,7 @@
               <a:buChar char="§"/>
               <a:defRPr sz="2800" b="0"/>
             </a:lvl4pPr>
-            <a:lvl5pPr marL="1523733" indent="-231606">
+            <a:lvl5pPr marL="1524000" indent="-231775">
               <a:lnSpc>
                 <a:spcPct val="105000"/>
               </a:lnSpc>
@@ -15803,7 +15482,7 @@
               <a:buChar char="§"/>
               <a:defRPr sz="2600" b="0"/>
             </a:lvl5pPr>
-            <a:lvl6pPr marL="1828480" indent="-231606">
+            <a:lvl6pPr marL="1828165" indent="-231775">
               <a:lnSpc>
                 <a:spcPct val="90000"/>
               </a:lnSpc>
@@ -15814,11 +15493,11 @@
                 <a:schemeClr val="accent1"/>
               </a:buClr>
               <a:buSzPct val="80000"/>
-              <a:buFont typeface="Arial" pitchFamily="34" charset="0"/>
+              <a:buFont typeface="Arial" panose="020B0604020202020204" pitchFamily="34" charset="0"/>
               <a:buChar char="•"/>
               <a:defRPr sz="2000"/>
             </a:lvl6pPr>
-            <a:lvl7pPr marL="2133227" indent="-231606">
+            <a:lvl7pPr marL="2132965" indent="-231775">
               <a:lnSpc>
                 <a:spcPct val="90000"/>
               </a:lnSpc>
@@ -15829,11 +15508,11 @@
                 <a:schemeClr val="accent1"/>
               </a:buClr>
               <a:buSzPct val="80000"/>
-              <a:buFont typeface="Arial" pitchFamily="34" charset="0"/>
+              <a:buFont typeface="Arial" panose="020B0604020202020204" pitchFamily="34" charset="0"/>
               <a:buChar char="•"/>
               <a:defRPr sz="2000"/>
             </a:lvl7pPr>
-            <a:lvl8pPr marL="2437972" indent="-231606">
+            <a:lvl8pPr marL="2437765" indent="-231775">
               <a:lnSpc>
                 <a:spcPct val="90000"/>
               </a:lnSpc>
@@ -15844,11 +15523,11 @@
                 <a:schemeClr val="accent1"/>
               </a:buClr>
               <a:buSzPct val="80000"/>
-              <a:buFont typeface="Arial" pitchFamily="34" charset="0"/>
+              <a:buFont typeface="Arial" panose="020B0604020202020204" pitchFamily="34" charset="0"/>
               <a:buChar char="•"/>
               <a:defRPr sz="2000" baseline="0"/>
             </a:lvl8pPr>
-            <a:lvl9pPr marL="2742720" indent="-231606">
+            <a:lvl9pPr marL="2742565" indent="-231775">
               <a:lnSpc>
                 <a:spcPct val="90000"/>
               </a:lnSpc>
@@ -15859,7 +15538,7 @@
                 <a:schemeClr val="accent1"/>
               </a:buClr>
               <a:buSzPct val="80000"/>
-              <a:buFont typeface="Arial" pitchFamily="34" charset="0"/>
+              <a:buFont typeface="Arial" panose="020B0604020202020204" pitchFamily="34" charset="0"/>
               <a:buChar char="•"/>
               <a:defRPr sz="2000" baseline="0"/>
             </a:lvl9pPr>
@@ -15949,11 +15628,6 @@
         </p:txBody>
       </p:sp>
     </p:spTree>
-    <p:extLst>
-      <p:ext uri="{BB962C8B-B14F-4D97-AF65-F5344CB8AC3E}">
-        <p14:creationId xmlns:p14="http://schemas.microsoft.com/office/powerpoint/2010/main" val="1322165740"/>
-      </p:ext>
-    </p:extLst>
   </p:cSld>
   <p:clrMapOvr>
     <a:masterClrMapping/>
@@ -16118,7 +15792,6 @@
           <a:p>
             <a:fld id="{C014DD1E-5D91-48A3-AD6D-45FBA980D106}" type="slidenum">
               <a:rPr lang="en-US" smtClean="0"/>
-              <a:pPr/>
               <a:t>23</a:t>
             </a:fld>
             <a:endParaRPr lang="en-US" dirty="0"/>
@@ -16128,9 +15801,7 @@
       <p:sp>
         <p:nvSpPr>
           <p:cNvPr id="7" name="Text Placeholder 5"/>
-          <p:cNvSpPr txBox="1">
-            <a:spLocks/>
-          </p:cNvSpPr>
+          <p:cNvSpPr txBox="1"/>
           <p:nvPr/>
         </p:nvSpPr>
         <p:spPr>
@@ -16189,11 +15860,11 @@
                     </a:srgbClr>
                   </a:outerShdw>
                 </a:effectLst>
-                <a:latin typeface="Consolas" pitchFamily="49" charset="0"/>
-                <a:cs typeface="Consolas" pitchFamily="49" charset="0"/>
+                <a:latin typeface="Consolas" panose="020B0609020204030204" pitchFamily="49" charset="0"/>
+                <a:cs typeface="Consolas" panose="020B0609020204030204" pitchFamily="49" charset="0"/>
               </a:defRPr>
             </a:lvl1pPr>
-            <a:lvl2pPr indent="-231606">
+            <a:lvl2pPr indent="-231775">
               <a:lnSpc>
                 <a:spcPct val="105000"/>
               </a:lnSpc>
@@ -16211,7 +15882,7 @@
               <a:buChar char="§"/>
               <a:defRPr sz="3200" b="0"/>
             </a:lvl2pPr>
-            <a:lvl3pPr marL="914240" indent="-231606">
+            <a:lvl3pPr marL="914400" indent="-231775">
               <a:lnSpc>
                 <a:spcPct val="105000"/>
               </a:lnSpc>
@@ -16229,7 +15900,7 @@
               <a:buChar char="§"/>
               <a:defRPr sz="3000" b="0"/>
             </a:lvl3pPr>
-            <a:lvl4pPr marL="1218987" indent="-231606">
+            <a:lvl4pPr marL="1219200" indent="-231775">
               <a:lnSpc>
                 <a:spcPct val="105000"/>
               </a:lnSpc>
@@ -16247,7 +15918,7 @@
               <a:buChar char="§"/>
               <a:defRPr sz="2800" b="0"/>
             </a:lvl4pPr>
-            <a:lvl5pPr marL="1523733" indent="-231606">
+            <a:lvl5pPr marL="1524000" indent="-231775">
               <a:lnSpc>
                 <a:spcPct val="105000"/>
               </a:lnSpc>
@@ -16265,7 +15936,7 @@
               <a:buChar char="§"/>
               <a:defRPr sz="2600" b="0"/>
             </a:lvl5pPr>
-            <a:lvl6pPr marL="1828480" indent="-231606">
+            <a:lvl6pPr marL="1828165" indent="-231775">
               <a:lnSpc>
                 <a:spcPct val="90000"/>
               </a:lnSpc>
@@ -16276,11 +15947,11 @@
                 <a:schemeClr val="accent1"/>
               </a:buClr>
               <a:buSzPct val="80000"/>
-              <a:buFont typeface="Arial" pitchFamily="34" charset="0"/>
+              <a:buFont typeface="Arial" panose="020B0604020202020204" pitchFamily="34" charset="0"/>
               <a:buChar char="•"/>
               <a:defRPr sz="2000"/>
             </a:lvl6pPr>
-            <a:lvl7pPr marL="2133227" indent="-231606">
+            <a:lvl7pPr marL="2132965" indent="-231775">
               <a:lnSpc>
                 <a:spcPct val="90000"/>
               </a:lnSpc>
@@ -16291,11 +15962,11 @@
                 <a:schemeClr val="accent1"/>
               </a:buClr>
               <a:buSzPct val="80000"/>
-              <a:buFont typeface="Arial" pitchFamily="34" charset="0"/>
+              <a:buFont typeface="Arial" panose="020B0604020202020204" pitchFamily="34" charset="0"/>
               <a:buChar char="•"/>
               <a:defRPr sz="2000"/>
             </a:lvl7pPr>
-            <a:lvl8pPr marL="2437972" indent="-231606">
+            <a:lvl8pPr marL="2437765" indent="-231775">
               <a:lnSpc>
                 <a:spcPct val="90000"/>
               </a:lnSpc>
@@ -16306,11 +15977,11 @@
                 <a:schemeClr val="accent1"/>
               </a:buClr>
               <a:buSzPct val="80000"/>
-              <a:buFont typeface="Arial" pitchFamily="34" charset="0"/>
+              <a:buFont typeface="Arial" panose="020B0604020202020204" pitchFamily="34" charset="0"/>
               <a:buChar char="•"/>
               <a:defRPr sz="2000" baseline="0"/>
             </a:lvl8pPr>
-            <a:lvl9pPr marL="2742720" indent="-231606">
+            <a:lvl9pPr marL="2742565" indent="-231775">
               <a:lnSpc>
                 <a:spcPct val="90000"/>
               </a:lnSpc>
@@ -16321,7 +15992,7 @@
                 <a:schemeClr val="accent1"/>
               </a:buClr>
               <a:buSzPct val="80000"/>
-              <a:buFont typeface="Arial" pitchFamily="34" charset="0"/>
+              <a:buFont typeface="Arial" panose="020B0604020202020204" pitchFamily="34" charset="0"/>
               <a:buChar char="•"/>
               <a:defRPr sz="2000" baseline="0"/>
             </a:lvl9pPr>
@@ -16519,11 +16190,6 @@
         </p:txBody>
       </p:sp>
     </p:spTree>
-    <p:extLst>
-      <p:ext uri="{BB962C8B-B14F-4D97-AF65-F5344CB8AC3E}">
-        <p14:creationId xmlns:p14="http://schemas.microsoft.com/office/powerpoint/2010/main" val="392781847"/>
-      </p:ext>
-    </p:extLst>
   </p:cSld>
   <p:clrMapOvr>
     <a:masterClrMapping/>
@@ -16573,7 +16239,6 @@
           <a:p>
             <a:fld id="{C014DD1E-5D91-48A3-AD6D-45FBA980D106}" type="slidenum">
               <a:rPr lang="en-US" smtClean="0"/>
-              <a:pPr/>
               <a:t>24</a:t>
             </a:fld>
             <a:endParaRPr lang="en-US" dirty="0"/>
@@ -16609,21 +16274,52 @@
             </a:pPr>
             <a:r>
               <a:rPr lang="bg-BG" sz="3200" dirty="0" smtClean="0"/>
-              <a:t>Интерфейсите ни позволяват да постигнем</a:t>
+              <a:t>Интерфейсите ни позволяват </a:t>
+            </a:r>
+            <a:r>
+              <a:rPr lang="bg-BG" sz="3200" dirty="0" smtClean="0"/>
+              <a:t/>
             </a:r>
             <a:br>
               <a:rPr lang="bg-BG" sz="3200" dirty="0" smtClean="0"/>
             </a:br>
             <a:r>
               <a:rPr lang="bg-BG" sz="3200" dirty="0" smtClean="0"/>
-              <a:t>полиморфистично поведение, което да не</a:t>
+              <a:t>да постигнем </a:t>
+            </a:r>
+            <a:r>
+              <a:rPr lang="bg-BG" sz="3200" dirty="0" err="1" smtClean="0"/>
+              <a:t>полиморфично</a:t>
+            </a:r>
+            <a:r>
+              <a:rPr lang="bg-BG" sz="3200" dirty="0" smtClean="0"/>
+              <a:t> </a:t>
             </a:r>
             <a:br>
               <a:rPr lang="bg-BG" sz="3200" dirty="0" smtClean="0"/>
             </a:br>
             <a:r>
               <a:rPr lang="bg-BG" sz="3200" dirty="0" smtClean="0"/>
-              <a:t>зависи от кода и да е лесно за промяна.</a:t>
+              <a:t>поведение</a:t>
+            </a:r>
+            <a:r>
+              <a:rPr lang="bg-BG" sz="3200" dirty="0" smtClean="0"/>
+              <a:t>, което да </a:t>
+            </a:r>
+            <a:r>
+              <a:rPr lang="bg-BG" sz="3200" dirty="0" smtClean="0"/>
+              <a:t>не зависи </a:t>
+            </a:r>
+            <a:br>
+              <a:rPr lang="bg-BG" sz="3200" dirty="0" smtClean="0"/>
+            </a:br>
+            <a:r>
+              <a:rPr lang="bg-BG" sz="3200" dirty="0" smtClean="0"/>
+              <a:t>от кода </a:t>
+            </a:r>
+            <a:r>
+              <a:rPr lang="bg-BG" sz="3200" dirty="0" smtClean="0"/>
+              <a:t>и да е лесно за промяна.</a:t>
             </a:r>
             <a:endParaRPr lang="bg-BG" sz="3200" dirty="0"/>
           </a:p>
@@ -16635,7 +16331,22 @@
             </a:pPr>
             <a:r>
               <a:rPr lang="bg-BG" sz="3200" dirty="0" smtClean="0"/>
-              <a:t>Можем с лекота да добавим още машини</a:t>
+              <a:t>Можем с лекота да добавим още </a:t>
+            </a:r>
+            <a:r>
+              <a:rPr lang="bg-BG" sz="3200" dirty="0"/>
+              <a:t/>
+            </a:r>
+            <a:br>
+              <a:rPr lang="bg-BG" sz="3200" dirty="0"/>
+            </a:br>
+            <a:r>
+              <a:rPr lang="bg-BG" sz="3200" dirty="0" smtClean="0"/>
+              <a:t>класове, имплементиращи даден интерфейс</a:t>
+            </a:r>
+            <a:r>
+              <a:rPr lang="bg-BG" sz="3200" dirty="0" smtClean="0"/>
+              <a:t/>
             </a:r>
             <a:br>
               <a:rPr lang="bg-BG" sz="3200" dirty="0" smtClean="0"/>
@@ -16649,15 +16360,12 @@
               <a:t>, </a:t>
             </a:r>
             <a:r>
+              <a:rPr lang="bg-BG" sz="3200" dirty="0" smtClean="0"/>
+              <a:t>като отразим и </a:t>
+            </a:r>
+            <a:r>
               <a:rPr lang="bg-BG" sz="3200" smtClean="0"/>
-              <a:t>като отразим и спецификите</a:t>
-            </a:r>
-            <a:br>
-              <a:rPr lang="bg-BG" sz="3200" smtClean="0"/>
-            </a:br>
-            <a:r>
-              <a:rPr lang="bg-BG" sz="3200" smtClean="0"/>
-              <a:t>на всяка една от тях</a:t>
+              <a:t>спецификите им</a:t>
             </a:r>
             <a:r>
               <a:rPr lang="bg-BG" sz="3200" dirty="0" smtClean="0"/>
@@ -16686,7 +16394,12 @@
             <p:ph type="title"/>
           </p:nvPr>
         </p:nvSpPr>
-        <p:spPr/>
+        <p:spPr>
+          <a:xfrm>
+            <a:off x="455612" y="40341"/>
+            <a:ext cx="9310800" cy="1110780"/>
+          </a:xfrm>
+        </p:spPr>
         <p:txBody>
           <a:bodyPr>
             <a:normAutofit/>
@@ -16694,8 +16407,8 @@
           <a:lstStyle/>
           <a:p>
             <a:r>
-              <a:rPr lang="bg-BG" dirty="0" smtClean="0"/>
-              <a:t>Какво научихме от тази задача</a:t>
+              <a:rPr lang="bg-BG" dirty="0"/>
+              <a:t>Какво научихме днес?</a:t>
             </a:r>
             <a:endParaRPr lang="en-US" dirty="0"/>
           </a:p>
@@ -16703,7 +16416,7 @@
       </p:sp>
       <p:pic>
         <p:nvPicPr>
-          <p:cNvPr id="7" name="Picture 2" descr="C:\Users\Ivan\Desktop\elements_presentations\summary_pic.png"/>
+          <p:cNvPr id="8" name="Picture 2" descr="C:\Users\Ivan\Desktop\elements_presentations\summary_pic.png"/>
           <p:cNvPicPr>
             <a:picLocks noChangeAspect="1" noChangeArrowheads="1"/>
           </p:cNvPicPr>
@@ -16724,8 +16437,8 @@
         </p:blipFill>
         <p:spPr bwMode="auto">
           <a:xfrm>
-            <a:off x="8380412" y="1375553"/>
-            <a:ext cx="3178806" cy="2358247"/>
+            <a:off x="6834826" y="1209372"/>
+            <a:ext cx="4953374" cy="3674737"/>
           </a:xfrm>
           <a:prstGeom prst="rect">
             <a:avLst/>
@@ -16743,11 +16456,6 @@
         </p:spPr>
       </p:pic>
     </p:spTree>
-    <p:extLst>
-      <p:ext uri="{BB962C8B-B14F-4D97-AF65-F5344CB8AC3E}">
-        <p14:creationId xmlns:p14="http://schemas.microsoft.com/office/powerpoint/2010/main" val="1459523973"/>
-      </p:ext>
-    </p:extLst>
   </p:cSld>
   <p:clrMapOvr>
     <a:masterClrMapping/>
@@ -16833,11 +16541,6 @@
         </p:txBody>
       </p:sp>
     </p:spTree>
-    <p:extLst>
-      <p:ext uri="{BB962C8B-B14F-4D97-AF65-F5344CB8AC3E}">
-        <p14:creationId xmlns:p14="http://schemas.microsoft.com/office/powerpoint/2010/main" val="2311865243"/>
-      </p:ext>
-    </p:extLst>
   </p:cSld>
   <p:clrMapOvr>
     <a:masterClrMapping/>
@@ -17130,11 +16833,6 @@
         </p:spPr>
       </p:pic>
     </p:spTree>
-    <p:extLst>
-      <p:ext uri="{BB962C8B-B14F-4D97-AF65-F5344CB8AC3E}">
-        <p14:creationId xmlns:p14="http://schemas.microsoft.com/office/powerpoint/2010/main" val="2276185248"/>
-      </p:ext>
-    </p:extLst>
   </p:cSld>
   <p:clrMapOvr>
     <a:masterClrMapping/>
@@ -17183,7 +16881,6 @@
           <a:p>
             <a:fld id="{C014DD1E-5D91-48A3-AD6D-45FBA980D106}" type="slidenum">
               <a:rPr lang="en-US" smtClean="0"/>
-              <a:pPr/>
               <a:t>3</a:t>
             </a:fld>
             <a:endParaRPr lang="en-US" dirty="0"/>
@@ -17292,8 +16989,8 @@
                     </a:srgbClr>
                   </a:outerShdw>
                 </a:effectLst>
-                <a:latin typeface="Consolas" pitchFamily="49" charset="0"/>
-                <a:cs typeface="Consolas" pitchFamily="49" charset="0"/>
+                <a:latin typeface="Consolas" panose="020B0609020204030204" pitchFamily="49" charset="0"/>
+                <a:cs typeface="Consolas" panose="020B0609020204030204" pitchFamily="49" charset="0"/>
               </a:rPr>
               <a:t>public</a:t>
             </a:r>
@@ -17311,8 +17008,8 @@
                     </a:srgbClr>
                   </a:outerShdw>
                 </a:effectLst>
-                <a:latin typeface="Consolas" pitchFamily="49" charset="0"/>
-                <a:cs typeface="Consolas" pitchFamily="49" charset="0"/>
+                <a:latin typeface="Consolas" panose="020B0609020204030204" pitchFamily="49" charset="0"/>
+                <a:cs typeface="Consolas" panose="020B0609020204030204" pitchFamily="49" charset="0"/>
               </a:rPr>
               <a:t> interface</a:t>
             </a:r>
@@ -17328,8 +17025,8 @@
                     </a:srgbClr>
                   </a:outerShdw>
                 </a:effectLst>
-                <a:latin typeface="Consolas" pitchFamily="49" charset="0"/>
-                <a:cs typeface="Consolas" pitchFamily="49" charset="0"/>
+                <a:latin typeface="Consolas" panose="020B0609020204030204" pitchFamily="49" charset="0"/>
+                <a:cs typeface="Consolas" panose="020B0609020204030204" pitchFamily="49" charset="0"/>
               </a:rPr>
               <a:t> </a:t>
             </a:r>
@@ -17345,8 +17042,8 @@
                     </a:srgbClr>
                   </a:outerShdw>
                 </a:effectLst>
-                <a:latin typeface="Consolas" pitchFamily="49" charset="0"/>
-                <a:cs typeface="Consolas" pitchFamily="49" charset="0"/>
+                <a:latin typeface="Consolas" panose="020B0609020204030204" pitchFamily="49" charset="0"/>
+                <a:cs typeface="Consolas" panose="020B0609020204030204" pitchFamily="49" charset="0"/>
               </a:rPr>
               <a:t>IPrintable </a:t>
             </a:r>
@@ -17362,8 +17059,8 @@
                     </a:srgbClr>
                   </a:outerShdw>
                 </a:effectLst>
-                <a:latin typeface="Consolas" pitchFamily="49" charset="0"/>
-                <a:cs typeface="Consolas" pitchFamily="49" charset="0"/>
+                <a:latin typeface="Consolas" panose="020B0609020204030204" pitchFamily="49" charset="0"/>
+                <a:cs typeface="Consolas" panose="020B0609020204030204" pitchFamily="49" charset="0"/>
               </a:rPr>
               <a:t>{</a:t>
             </a:r>
@@ -17382,8 +17079,8 @@
                     </a:srgbClr>
                   </a:outerShdw>
                 </a:effectLst>
-                <a:latin typeface="Consolas" pitchFamily="49" charset="0"/>
-                <a:cs typeface="Consolas" pitchFamily="49" charset="0"/>
+                <a:latin typeface="Consolas" panose="020B0609020204030204" pitchFamily="49" charset="0"/>
+                <a:cs typeface="Consolas" panose="020B0609020204030204" pitchFamily="49" charset="0"/>
               </a:rPr>
               <a:t>  void Print</a:t>
             </a:r>
@@ -17399,8 +17096,8 @@
                     </a:srgbClr>
                   </a:outerShdw>
                 </a:effectLst>
-                <a:latin typeface="Consolas" pitchFamily="49" charset="0"/>
-                <a:cs typeface="Consolas" pitchFamily="49" charset="0"/>
+                <a:latin typeface="Consolas" panose="020B0609020204030204" pitchFamily="49" charset="0"/>
+                <a:cs typeface="Consolas" panose="020B0609020204030204" pitchFamily="49" charset="0"/>
               </a:rPr>
               <a:t>();</a:t>
             </a:r>
@@ -17419,8 +17116,8 @@
                     </a:srgbClr>
                   </a:outerShdw>
                 </a:effectLst>
-                <a:latin typeface="Consolas" pitchFamily="49" charset="0"/>
-                <a:cs typeface="Consolas" pitchFamily="49" charset="0"/>
+                <a:latin typeface="Consolas" panose="020B0609020204030204" pitchFamily="49" charset="0"/>
+                <a:cs typeface="Consolas" panose="020B0609020204030204" pitchFamily="49" charset="0"/>
               </a:rPr>
               <a:t>}</a:t>
             </a:r>
@@ -17478,7 +17175,7 @@
                     </a:srgbClr>
                   </a:outerShdw>
                 </a:effectLst>
-                <a:latin typeface="Consolas" pitchFamily="49" charset="0"/>
+                <a:latin typeface="Consolas" panose="020B0609020204030204" pitchFamily="49" charset="0"/>
               </a:rPr>
               <a:t>Public interface</a:t>
             </a:r>
@@ -17494,8 +17191,8 @@
                     </a:srgbClr>
                   </a:outerShdw>
                 </a:effectLst>
-                <a:latin typeface="Consolas" pitchFamily="49" charset="0"/>
-                <a:cs typeface="Consolas" pitchFamily="49" charset="0"/>
+                <a:latin typeface="Consolas" panose="020B0609020204030204" pitchFamily="49" charset="0"/>
+                <a:cs typeface="Consolas" panose="020B0609020204030204" pitchFamily="49" charset="0"/>
               </a:rPr>
               <a:t> IPrintable {</a:t>
             </a:r>
@@ -17514,8 +17211,8 @@
                     </a:srgbClr>
                   </a:outerShdw>
                 </a:effectLst>
-                <a:latin typeface="Consolas" pitchFamily="49" charset="0"/>
-                <a:cs typeface="Consolas" pitchFamily="49" charset="0"/>
+                <a:latin typeface="Consolas" panose="020B0609020204030204" pitchFamily="49" charset="0"/>
+                <a:cs typeface="Consolas" panose="020B0609020204030204" pitchFamily="49" charset="0"/>
               </a:rPr>
               <a:t> </a:t>
             </a:r>
@@ -17531,8 +17228,8 @@
                     </a:srgbClr>
                   </a:outerShdw>
                 </a:effectLst>
-                <a:latin typeface="Consolas" pitchFamily="49" charset="0"/>
-                <a:cs typeface="Consolas" pitchFamily="49" charset="0"/>
+                <a:latin typeface="Consolas" panose="020B0609020204030204" pitchFamily="49" charset="0"/>
+                <a:cs typeface="Consolas" panose="020B0609020204030204" pitchFamily="49" charset="0"/>
               </a:rPr>
               <a:t> </a:t>
             </a:r>
@@ -17550,8 +17247,8 @@
                     </a:srgbClr>
                   </a:outerShdw>
                 </a:effectLst>
-                <a:latin typeface="Consolas" pitchFamily="49" charset="0"/>
-                <a:cs typeface="Consolas" pitchFamily="49" charset="0"/>
+                <a:latin typeface="Consolas" panose="020B0609020204030204" pitchFamily="49" charset="0"/>
+                <a:cs typeface="Consolas" panose="020B0609020204030204" pitchFamily="49" charset="0"/>
               </a:rPr>
               <a:t>public </a:t>
             </a:r>
@@ -17569,8 +17266,8 @@
                     </a:srgbClr>
                   </a:outerShdw>
                 </a:effectLst>
-                <a:latin typeface="Consolas" pitchFamily="49" charset="0"/>
-                <a:cs typeface="Consolas" pitchFamily="49" charset="0"/>
+                <a:latin typeface="Consolas" panose="020B0609020204030204" pitchFamily="49" charset="0"/>
+                <a:cs typeface="Consolas" panose="020B0609020204030204" pitchFamily="49" charset="0"/>
               </a:rPr>
               <a:t>abstract </a:t>
             </a:r>
@@ -17586,8 +17283,8 @@
                     </a:srgbClr>
                   </a:outerShdw>
                 </a:effectLst>
-                <a:latin typeface="Consolas" pitchFamily="49" charset="0"/>
-                <a:cs typeface="Consolas" pitchFamily="49" charset="0"/>
+                <a:latin typeface="Consolas" panose="020B0609020204030204" pitchFamily="49" charset="0"/>
+                <a:cs typeface="Consolas" panose="020B0609020204030204" pitchFamily="49" charset="0"/>
               </a:rPr>
               <a:t>void </a:t>
             </a:r>
@@ -17603,8 +17300,8 @@
                     </a:srgbClr>
                   </a:outerShdw>
                 </a:effectLst>
-                <a:latin typeface="Consolas" pitchFamily="49" charset="0"/>
-                <a:cs typeface="Consolas" pitchFamily="49" charset="0"/>
+                <a:latin typeface="Consolas" panose="020B0609020204030204" pitchFamily="49" charset="0"/>
+                <a:cs typeface="Consolas" panose="020B0609020204030204" pitchFamily="49" charset="0"/>
               </a:rPr>
               <a:t>Print</a:t>
             </a:r>
@@ -17620,8 +17317,8 @@
                     </a:srgbClr>
                   </a:outerShdw>
                 </a:effectLst>
-                <a:latin typeface="Consolas" pitchFamily="49" charset="0"/>
-                <a:cs typeface="Consolas" pitchFamily="49" charset="0"/>
+                <a:latin typeface="Consolas" panose="020B0609020204030204" pitchFamily="49" charset="0"/>
+                <a:cs typeface="Consolas" panose="020B0609020204030204" pitchFamily="49" charset="0"/>
               </a:rPr>
               <a:t>();</a:t>
             </a:r>
@@ -17640,8 +17337,8 @@
                     </a:srgbClr>
                   </a:outerShdw>
                 </a:effectLst>
-                <a:latin typeface="Consolas" pitchFamily="49" charset="0"/>
-                <a:cs typeface="Consolas" pitchFamily="49" charset="0"/>
+                <a:latin typeface="Consolas" panose="020B0609020204030204" pitchFamily="49" charset="0"/>
+                <a:cs typeface="Consolas" panose="020B0609020204030204" pitchFamily="49" charset="0"/>
               </a:rPr>
               <a:t>}</a:t>
             </a:r>
@@ -17741,8 +17438,6 @@
               <a:srgbClr val="F5FFE0"/>
             </a:solidFill>
             <a:miter lim="800000"/>
-            <a:headEnd/>
-            <a:tailEnd/>
           </a:ln>
           <a:effectLst/>
         </p:spPr>
@@ -17829,8 +17524,6 @@
               <a:srgbClr val="F5FFE0"/>
             </a:solidFill>
             <a:miter lim="800000"/>
-            <a:headEnd/>
-            <a:tailEnd/>
           </a:ln>
           <a:effectLst/>
         </p:spPr>
@@ -17893,8 +17586,6 @@
               <a:srgbClr val="F5FFE0"/>
             </a:solidFill>
             <a:miter lim="800000"/>
-            <a:headEnd/>
-            <a:tailEnd/>
           </a:ln>
           <a:effectLst/>
         </p:spPr>
@@ -17957,8 +17648,6 @@
               <a:srgbClr val="F5FFE0"/>
             </a:solidFill>
             <a:miter lim="800000"/>
-            <a:headEnd/>
-            <a:tailEnd/>
           </a:ln>
           <a:effectLst/>
         </p:spPr>
@@ -17994,11 +17683,6 @@
         </p:txBody>
       </p:sp>
     </p:spTree>
-    <p:extLst>
-      <p:ext uri="{BB962C8B-B14F-4D97-AF65-F5344CB8AC3E}">
-        <p14:creationId xmlns:p14="http://schemas.microsoft.com/office/powerpoint/2010/main" val="3943319975"/>
-      </p:ext>
-    </p:extLst>
   </p:cSld>
   <p:clrMapOvr>
     <a:masterClrMapping/>
@@ -18426,7 +18110,6 @@
           <a:p>
             <a:fld id="{C014DD1E-5D91-48A3-AD6D-45FBA980D106}" type="slidenum">
               <a:rPr lang="en-US" smtClean="0"/>
-              <a:pPr/>
               <a:t>4</a:t>
             </a:fld>
             <a:endParaRPr lang="en-US" dirty="0"/>
@@ -18585,8 +18268,8 @@
                     </a:srgbClr>
                   </a:outerShdw>
                 </a:effectLst>
-                <a:latin typeface="Consolas" pitchFamily="49" charset="0"/>
-                <a:cs typeface="Consolas" pitchFamily="49" charset="0"/>
+                <a:latin typeface="Consolas" panose="020B0609020204030204" pitchFamily="49" charset="0"/>
+                <a:cs typeface="Consolas" panose="020B0609020204030204" pitchFamily="49" charset="0"/>
               </a:rPr>
               <a:t>public interface </a:t>
             </a:r>
@@ -18602,8 +18285,8 @@
                     </a:srgbClr>
                   </a:outerShdw>
                 </a:effectLst>
-                <a:latin typeface="Consolas" pitchFamily="49" charset="0"/>
-                <a:cs typeface="Consolas" pitchFamily="49" charset="0"/>
+                <a:latin typeface="Consolas" panose="020B0609020204030204" pitchFamily="49" charset="0"/>
+                <a:cs typeface="Consolas" panose="020B0609020204030204" pitchFamily="49" charset="0"/>
               </a:rPr>
               <a:t>IP</a:t>
             </a:r>
@@ -18619,8 +18302,8 @@
                     </a:srgbClr>
                   </a:outerShdw>
                 </a:effectLst>
-                <a:latin typeface="Consolas" pitchFamily="49" charset="0"/>
-                <a:cs typeface="Consolas" pitchFamily="49" charset="0"/>
+                <a:latin typeface="Consolas" panose="020B0609020204030204" pitchFamily="49" charset="0"/>
+                <a:cs typeface="Consolas" panose="020B0609020204030204" pitchFamily="49" charset="0"/>
               </a:rPr>
               <a:t>rintable</a:t>
             </a:r>
@@ -18639,8 +18322,8 @@
                     </a:srgbClr>
                   </a:outerShdw>
                 </a:effectLst>
-                <a:latin typeface="Consolas" pitchFamily="49" charset="0"/>
-                <a:cs typeface="Consolas" pitchFamily="49" charset="0"/>
+                <a:latin typeface="Consolas" panose="020B0609020204030204" pitchFamily="49" charset="0"/>
+                <a:cs typeface="Consolas" panose="020B0609020204030204" pitchFamily="49" charset="0"/>
               </a:rPr>
               <a:t>{</a:t>
             </a:r>
@@ -18659,8 +18342,8 @@
                     </a:srgbClr>
                   </a:outerShdw>
                 </a:effectLst>
-                <a:latin typeface="Consolas" pitchFamily="49" charset="0"/>
-                <a:cs typeface="Consolas" pitchFamily="49" charset="0"/>
+                <a:latin typeface="Consolas" panose="020B0609020204030204" pitchFamily="49" charset="0"/>
+                <a:cs typeface="Consolas" panose="020B0609020204030204" pitchFamily="49" charset="0"/>
               </a:rPr>
               <a:t>  void Print</a:t>
             </a:r>
@@ -18676,8 +18359,8 @@
                     </a:srgbClr>
                   </a:outerShdw>
                 </a:effectLst>
-                <a:latin typeface="Consolas" pitchFamily="49" charset="0"/>
-                <a:cs typeface="Consolas" pitchFamily="49" charset="0"/>
+                <a:latin typeface="Consolas" panose="020B0609020204030204" pitchFamily="49" charset="0"/>
+                <a:cs typeface="Consolas" panose="020B0609020204030204" pitchFamily="49" charset="0"/>
               </a:rPr>
               <a:t>();</a:t>
             </a:r>
@@ -18696,8 +18379,8 @@
                     </a:srgbClr>
                   </a:outerShdw>
                 </a:effectLst>
-                <a:latin typeface="Consolas" pitchFamily="49" charset="0"/>
-                <a:cs typeface="Consolas" pitchFamily="49" charset="0"/>
+                <a:latin typeface="Consolas" panose="020B0609020204030204" pitchFamily="49" charset="0"/>
+                <a:cs typeface="Consolas" panose="020B0609020204030204" pitchFamily="49" charset="0"/>
               </a:rPr>
               <a:t>}</a:t>
             </a:r>
@@ -18755,7 +18438,7 @@
                     </a:srgbClr>
                   </a:outerShdw>
                 </a:effectLst>
-                <a:latin typeface="Consolas" pitchFamily="49" charset="0"/>
+                <a:latin typeface="Consolas" panose="020B0609020204030204" pitchFamily="49" charset="0"/>
               </a:rPr>
               <a:t>class Document </a:t>
             </a:r>
@@ -18771,7 +18454,7 @@
                     </a:srgbClr>
                   </a:outerShdw>
                 </a:effectLst>
-                <a:latin typeface="Consolas" pitchFamily="49" charset="0"/>
+                <a:latin typeface="Consolas" panose="020B0609020204030204" pitchFamily="49" charset="0"/>
               </a:rPr>
               <a:t>: IPrintable</a:t>
             </a:r>
@@ -18790,7 +18473,7 @@
                     </a:srgbClr>
                   </a:outerShdw>
                 </a:effectLst>
-                <a:latin typeface="Consolas" pitchFamily="49" charset="0"/>
+                <a:latin typeface="Consolas" panose="020B0609020204030204" pitchFamily="49" charset="0"/>
               </a:rPr>
               <a:t>{  </a:t>
             </a:r>
@@ -18805,7 +18488,7 @@
                   </a:srgbClr>
                 </a:outerShdw>
               </a:effectLst>
-              <a:latin typeface="Consolas" pitchFamily="49" charset="0"/>
+              <a:latin typeface="Consolas" panose="020B0609020204030204" pitchFamily="49" charset="0"/>
             </a:endParaRPr>
           </a:p>
           <a:p>
@@ -18822,7 +18505,7 @@
                     </a:srgbClr>
                   </a:outerShdw>
                 </a:effectLst>
-                <a:latin typeface="Consolas" pitchFamily="49" charset="0"/>
+                <a:latin typeface="Consolas" panose="020B0609020204030204" pitchFamily="49" charset="0"/>
               </a:rPr>
               <a:t>  public </a:t>
             </a:r>
@@ -18838,7 +18521,7 @@
                     </a:srgbClr>
                   </a:outerShdw>
                 </a:effectLst>
-                <a:latin typeface="Consolas" pitchFamily="49" charset="0"/>
+                <a:latin typeface="Consolas" panose="020B0609020204030204" pitchFamily="49" charset="0"/>
               </a:rPr>
               <a:t>void </a:t>
             </a:r>
@@ -18856,7 +18539,7 @@
                     </a:srgbClr>
                   </a:outerShdw>
                 </a:effectLst>
-                <a:latin typeface="Consolas" pitchFamily="49" charset="0"/>
+                <a:latin typeface="Consolas" panose="020B0609020204030204" pitchFamily="49" charset="0"/>
               </a:rPr>
               <a:t>Print</a:t>
             </a:r>
@@ -18874,7 +18557,7 @@
                     </a:srgbClr>
                   </a:outerShdw>
                 </a:effectLst>
-                <a:latin typeface="Consolas" pitchFamily="49" charset="0"/>
+                <a:latin typeface="Consolas" panose="020B0609020204030204" pitchFamily="49" charset="0"/>
               </a:rPr>
               <a:t>() </a:t>
             </a:r>
@@ -18891,7 +18574,7 @@
                   </a:srgbClr>
                 </a:outerShdw>
               </a:effectLst>
-              <a:latin typeface="Consolas" pitchFamily="49" charset="0"/>
+              <a:latin typeface="Consolas" panose="020B0609020204030204" pitchFamily="49" charset="0"/>
             </a:endParaRPr>
           </a:p>
           <a:p>
@@ -18910,7 +18593,7 @@
                     </a:srgbClr>
                   </a:outerShdw>
                 </a:effectLst>
-                <a:latin typeface="Consolas" pitchFamily="49" charset="0"/>
+                <a:latin typeface="Consolas" panose="020B0609020204030204" pitchFamily="49" charset="0"/>
               </a:rPr>
               <a:t> </a:t>
             </a:r>
@@ -18928,7 +18611,7 @@
                     </a:srgbClr>
                   </a:outerShdw>
                 </a:effectLst>
-                <a:latin typeface="Consolas" pitchFamily="49" charset="0"/>
+                <a:latin typeface="Consolas" panose="020B0609020204030204" pitchFamily="49" charset="0"/>
               </a:rPr>
               <a:t> </a:t>
             </a:r>
@@ -18944,7 +18627,7 @@
                     </a:srgbClr>
                   </a:outerShdw>
                 </a:effectLst>
-                <a:latin typeface="Consolas" pitchFamily="49" charset="0"/>
+                <a:latin typeface="Consolas" panose="020B0609020204030204" pitchFamily="49" charset="0"/>
               </a:rPr>
               <a:t>{ Console.ReadLine("</a:t>
             </a:r>
@@ -18960,7 +18643,7 @@
                     </a:srgbClr>
                   </a:outerShdw>
                 </a:effectLst>
-                <a:latin typeface="Consolas" pitchFamily="49" charset="0"/>
+                <a:latin typeface="Consolas" panose="020B0609020204030204" pitchFamily="49" charset="0"/>
               </a:rPr>
               <a:t>Hello</a:t>
             </a:r>
@@ -18976,7 +18659,7 @@
                     </a:srgbClr>
                   </a:outerShdw>
                 </a:effectLst>
-                <a:latin typeface="Consolas" pitchFamily="49" charset="0"/>
+                <a:latin typeface="Consolas" panose="020B0609020204030204" pitchFamily="49" charset="0"/>
               </a:rPr>
               <a:t>"); }</a:t>
             </a:r>
@@ -18995,7 +18678,7 @@
                     </a:srgbClr>
                   </a:outerShdw>
                 </a:effectLst>
-                <a:latin typeface="Consolas" pitchFamily="49" charset="0"/>
+                <a:latin typeface="Consolas" panose="020B0609020204030204" pitchFamily="49" charset="0"/>
               </a:rPr>
               <a:t>}</a:t>
             </a:r>
@@ -19003,11 +18686,6 @@
         </p:txBody>
       </p:sp>
     </p:spTree>
-    <p:extLst>
-      <p:ext uri="{BB962C8B-B14F-4D97-AF65-F5344CB8AC3E}">
-        <p14:creationId xmlns:p14="http://schemas.microsoft.com/office/powerpoint/2010/main" val="3849494238"/>
-      </p:ext>
-    </p:extLst>
   </p:cSld>
   <p:clrMapOvr>
     <a:masterClrMapping/>
@@ -19174,7 +18852,6 @@
           <a:p>
             <a:fld id="{C014DD1E-5D91-48A3-AD6D-45FBA980D106}" type="slidenum">
               <a:rPr lang="en-US" smtClean="0"/>
-              <a:pPr/>
               <a:t>5</a:t>
             </a:fld>
             <a:endParaRPr lang="en-US" dirty="0"/>
@@ -19248,545 +18925,6 @@
             </a:r>
             <a:endParaRPr lang="en-US" dirty="0">
               <a:latin typeface="Consolas" panose="020B0609020204030204" pitchFamily="49" charset="0"/>
-            </a:endParaRPr>
-          </a:p>
-        </p:txBody>
-      </p:sp>
-      <p:sp>
-        <p:nvSpPr>
-          <p:cNvPr id="23" name="Text Box 18"/>
-          <p:cNvSpPr txBox="1">
-            <a:spLocks noChangeArrowheads="1"/>
-          </p:cNvSpPr>
-          <p:nvPr/>
-        </p:nvSpPr>
-        <p:spPr bwMode="auto">
-          <a:xfrm>
-            <a:off x="4799012" y="1905000"/>
-            <a:ext cx="2146218" cy="427473"/>
-          </a:xfrm>
-          <a:prstGeom prst="roundRect">
-            <a:avLst/>
-          </a:prstGeom>
-          <a:solidFill>
-            <a:schemeClr val="accent1">
-              <a:lumMod val="75000"/>
-              <a:alpha val="45000"/>
-            </a:schemeClr>
-          </a:solidFill>
-          <a:ln w="38100" algn="ctr">
-            <a:solidFill>
-              <a:schemeClr val="accent1"/>
-            </a:solidFill>
-            <a:miter lim="800000"/>
-            <a:headEnd/>
-            <a:tailEnd/>
-          </a:ln>
-          <a:effectLst/>
-        </p:spPr>
-        <p:txBody>
-          <a:bodyPr wrap="none" anchor="ctr"/>
-          <a:lstStyle/>
-          <a:p>
-            <a:pPr algn="ctr">
-              <a:lnSpc>
-                <a:spcPct val="95000"/>
-              </a:lnSpc>
-              <a:defRPr/>
-            </a:pPr>
-            <a:r>
-              <a:rPr lang="bg-BG" b="1" noProof="1" smtClean="0">
-                <a:effectLst>
-                  <a:outerShdw blurRad="38100" dist="38100" dir="2700000" algn="tl">
-                    <a:srgbClr val="000000">
-                      <a:alpha val="43137"/>
-                    </a:srgbClr>
-                  </a:outerShdw>
-                </a:effectLst>
-                <a:latin typeface="Consolas" pitchFamily="49" charset="0"/>
-              </a:rPr>
-              <a:t>Интерфейс</a:t>
-            </a:r>
-            <a:endParaRPr lang="en-US" b="1" noProof="1">
-              <a:effectLst>
-                <a:outerShdw blurRad="38100" dist="38100" dir="2700000" algn="tl">
-                  <a:srgbClr val="000000">
-                    <a:alpha val="43137"/>
-                  </a:srgbClr>
-                </a:outerShdw>
-              </a:effectLst>
-              <a:latin typeface="Consolas" pitchFamily="49" charset="0"/>
-            </a:endParaRPr>
-          </a:p>
-        </p:txBody>
-      </p:sp>
-      <p:sp>
-        <p:nvSpPr>
-          <p:cNvPr id="2" name="TextBox 1"/>
-          <p:cNvSpPr txBox="1"/>
-          <p:nvPr/>
-        </p:nvSpPr>
-        <p:spPr>
-          <a:xfrm>
-            <a:off x="5403337" y="2394985"/>
-            <a:ext cx="2473241" cy="523220"/>
-          </a:xfrm>
-          <a:prstGeom prst="rect">
-            <a:avLst/>
-          </a:prstGeom>
-          <a:noFill/>
-        </p:spPr>
-        <p:txBody>
-          <a:bodyPr wrap="none" rtlCol="0">
-            <a:spAutoFit/>
-          </a:bodyPr>
-          <a:lstStyle/>
-          <a:p>
-            <a:r>
-              <a:rPr lang="bg-BG" sz="2800" dirty="0"/>
-              <a:t>и</a:t>
-            </a:r>
-            <a:r>
-              <a:rPr lang="bg-BG" sz="2800" dirty="0" smtClean="0"/>
-              <a:t>мплементира</a:t>
-            </a:r>
-            <a:endParaRPr lang="bg-BG" sz="2800" dirty="0"/>
-          </a:p>
-        </p:txBody>
-      </p:sp>
-      <p:sp>
-        <p:nvSpPr>
-          <p:cNvPr id="26" name="TextBox 25"/>
-          <p:cNvSpPr txBox="1"/>
-          <p:nvPr/>
-        </p:nvSpPr>
-        <p:spPr>
-          <a:xfrm>
-            <a:off x="1642861" y="2384805"/>
-            <a:ext cx="1854995" cy="523220"/>
-          </a:xfrm>
-          <a:prstGeom prst="rect">
-            <a:avLst/>
-          </a:prstGeom>
-          <a:noFill/>
-        </p:spPr>
-        <p:txBody>
-          <a:bodyPr wrap="none" rtlCol="0">
-            <a:spAutoFit/>
-          </a:bodyPr>
-          <a:lstStyle/>
-          <a:p>
-            <a:r>
-              <a:rPr lang="bg-BG" sz="2800" dirty="0" smtClean="0"/>
-              <a:t>разширява</a:t>
-            </a:r>
-            <a:endParaRPr lang="bg-BG" sz="2800" dirty="0"/>
-          </a:p>
-        </p:txBody>
-      </p:sp>
-      <p:sp>
-        <p:nvSpPr>
-          <p:cNvPr id="28" name="TextBox 27"/>
-          <p:cNvSpPr txBox="1"/>
-          <p:nvPr/>
-        </p:nvSpPr>
-        <p:spPr>
-          <a:xfrm>
-            <a:off x="9066212" y="2389528"/>
-            <a:ext cx="1854995" cy="954107"/>
-          </a:xfrm>
-          <a:prstGeom prst="rect">
-            <a:avLst/>
-          </a:prstGeom>
-          <a:noFill/>
-        </p:spPr>
-        <p:txBody>
-          <a:bodyPr wrap="none" rtlCol="0">
-            <a:spAutoFit/>
-          </a:bodyPr>
-          <a:lstStyle/>
-          <a:p>
-            <a:r>
-              <a:rPr lang="bg-BG" sz="2800" dirty="0"/>
-              <a:t>разширява</a:t>
-            </a:r>
-          </a:p>
-          <a:p>
-            <a:endParaRPr lang="bg-BG" sz="2800" dirty="0"/>
-          </a:p>
-        </p:txBody>
-      </p:sp>
-      <p:cxnSp>
-        <p:nvCxnSpPr>
-          <p:cNvPr id="29" name="Straight Arrow Connector 28"/>
-          <p:cNvCxnSpPr>
-            <a:cxnSpLocks/>
-          </p:cNvCxnSpPr>
-          <p:nvPr/>
-        </p:nvCxnSpPr>
-        <p:spPr>
-          <a:xfrm flipV="1">
-            <a:off x="1370012" y="2350265"/>
-            <a:ext cx="1" cy="695027"/>
-          </a:xfrm>
-          <a:prstGeom prst="straightConnector1">
-            <a:avLst/>
-          </a:prstGeom>
-          <a:ln w="38100">
-            <a:tailEnd type="triangle"/>
-          </a:ln>
-        </p:spPr>
-        <p:style>
-          <a:lnRef idx="1">
-            <a:schemeClr val="accent1"/>
-          </a:lnRef>
-          <a:fillRef idx="0">
-            <a:schemeClr val="accent1"/>
-          </a:fillRef>
-          <a:effectRef idx="0">
-            <a:schemeClr val="accent1"/>
-          </a:effectRef>
-          <a:fontRef idx="minor">
-            <a:schemeClr val="tx1"/>
-          </a:fontRef>
-        </p:style>
-      </p:cxnSp>
-      <p:sp>
-        <p:nvSpPr>
-          <p:cNvPr id="32" name="Text Box 18"/>
-          <p:cNvSpPr txBox="1">
-            <a:spLocks noChangeArrowheads="1"/>
-          </p:cNvSpPr>
-          <p:nvPr/>
-        </p:nvSpPr>
-        <p:spPr bwMode="auto">
-          <a:xfrm>
-            <a:off x="8467340" y="3046066"/>
-            <a:ext cx="2146218" cy="439968"/>
-          </a:xfrm>
-          <a:prstGeom prst="roundRect">
-            <a:avLst/>
-          </a:prstGeom>
-          <a:solidFill>
-            <a:schemeClr val="accent1">
-              <a:lumMod val="75000"/>
-              <a:alpha val="45000"/>
-            </a:schemeClr>
-          </a:solidFill>
-          <a:ln w="38100" algn="ctr">
-            <a:solidFill>
-              <a:schemeClr val="accent1"/>
-            </a:solidFill>
-            <a:miter lim="800000"/>
-            <a:headEnd/>
-            <a:tailEnd/>
-          </a:ln>
-          <a:effectLst/>
-        </p:spPr>
-        <p:txBody>
-          <a:bodyPr wrap="none" anchor="ctr"/>
-          <a:lstStyle/>
-          <a:p>
-            <a:pPr algn="ctr">
-              <a:lnSpc>
-                <a:spcPct val="95000"/>
-              </a:lnSpc>
-              <a:defRPr/>
-            </a:pPr>
-            <a:r>
-              <a:rPr lang="bg-BG" b="1" noProof="1">
-                <a:effectLst>
-                  <a:outerShdw blurRad="38100" dist="38100" dir="2700000" algn="tl">
-                    <a:srgbClr val="000000">
-                      <a:alpha val="43137"/>
-                    </a:srgbClr>
-                  </a:outerShdw>
-                </a:effectLst>
-                <a:latin typeface="Consolas" pitchFamily="49" charset="0"/>
-              </a:rPr>
-              <a:t>Интерфейс</a:t>
-            </a:r>
-            <a:endParaRPr lang="en-US" b="1" noProof="1">
-              <a:effectLst>
-                <a:outerShdw blurRad="38100" dist="38100" dir="2700000" algn="tl">
-                  <a:srgbClr val="000000">
-                    <a:alpha val="43137"/>
-                  </a:srgbClr>
-                </a:outerShdw>
-              </a:effectLst>
-              <a:latin typeface="Consolas" pitchFamily="49" charset="0"/>
-            </a:endParaRPr>
-          </a:p>
-        </p:txBody>
-      </p:sp>
-      <p:sp>
-        <p:nvSpPr>
-          <p:cNvPr id="33" name="Text Box 18"/>
-          <p:cNvSpPr txBox="1">
-            <a:spLocks noChangeArrowheads="1"/>
-          </p:cNvSpPr>
-          <p:nvPr/>
-        </p:nvSpPr>
-        <p:spPr bwMode="auto">
-          <a:xfrm>
-            <a:off x="8467340" y="1909210"/>
-            <a:ext cx="2146218" cy="423263"/>
-          </a:xfrm>
-          <a:prstGeom prst="roundRect">
-            <a:avLst/>
-          </a:prstGeom>
-          <a:solidFill>
-            <a:schemeClr val="accent1">
-              <a:lumMod val="75000"/>
-              <a:alpha val="45000"/>
-            </a:schemeClr>
-          </a:solidFill>
-          <a:ln w="38100" algn="ctr">
-            <a:solidFill>
-              <a:schemeClr val="accent1"/>
-            </a:solidFill>
-            <a:miter lim="800000"/>
-            <a:headEnd/>
-            <a:tailEnd/>
-          </a:ln>
-          <a:effectLst/>
-        </p:spPr>
-        <p:txBody>
-          <a:bodyPr wrap="none" anchor="ctr"/>
-          <a:lstStyle/>
-          <a:p>
-            <a:pPr algn="ctr">
-              <a:lnSpc>
-                <a:spcPct val="95000"/>
-              </a:lnSpc>
-              <a:defRPr/>
-            </a:pPr>
-            <a:r>
-              <a:rPr lang="bg-BG" b="1" noProof="1" smtClean="0">
-                <a:effectLst>
-                  <a:outerShdw blurRad="38100" dist="38100" dir="2700000" algn="tl">
-                    <a:srgbClr val="000000">
-                      <a:alpha val="43137"/>
-                    </a:srgbClr>
-                  </a:outerShdw>
-                </a:effectLst>
-                <a:latin typeface="Consolas" pitchFamily="49" charset="0"/>
-              </a:rPr>
-              <a:t>Интерфейс</a:t>
-            </a:r>
-            <a:endParaRPr lang="en-US" b="1" noProof="1">
-              <a:effectLst>
-                <a:outerShdw blurRad="38100" dist="38100" dir="2700000" algn="tl">
-                  <a:srgbClr val="000000">
-                    <a:alpha val="43137"/>
-                  </a:srgbClr>
-                </a:outerShdw>
-              </a:effectLst>
-              <a:latin typeface="Consolas" pitchFamily="49" charset="0"/>
-            </a:endParaRPr>
-          </a:p>
-        </p:txBody>
-      </p:sp>
-      <p:sp>
-        <p:nvSpPr>
-          <p:cNvPr id="34" name="Text Box 18"/>
-          <p:cNvSpPr txBox="1">
-            <a:spLocks noChangeArrowheads="1"/>
-          </p:cNvSpPr>
-          <p:nvPr/>
-        </p:nvSpPr>
-        <p:spPr bwMode="auto">
-          <a:xfrm>
-            <a:off x="4799012" y="3063085"/>
-            <a:ext cx="2146218" cy="422949"/>
-          </a:xfrm>
-          <a:prstGeom prst="roundRect">
-            <a:avLst/>
-          </a:prstGeom>
-          <a:solidFill>
-            <a:schemeClr val="accent1">
-              <a:lumMod val="75000"/>
-              <a:alpha val="45000"/>
-            </a:schemeClr>
-          </a:solidFill>
-          <a:ln w="38100" algn="ctr">
-            <a:solidFill>
-              <a:schemeClr val="accent1"/>
-            </a:solidFill>
-            <a:miter lim="800000"/>
-            <a:headEnd/>
-            <a:tailEnd/>
-          </a:ln>
-          <a:effectLst/>
-        </p:spPr>
-        <p:txBody>
-          <a:bodyPr wrap="none" anchor="ctr"/>
-          <a:lstStyle/>
-          <a:p>
-            <a:pPr algn="ctr">
-              <a:lnSpc>
-                <a:spcPct val="95000"/>
-              </a:lnSpc>
-              <a:defRPr/>
-            </a:pPr>
-            <a:r>
-              <a:rPr lang="bg-BG" b="1" noProof="1" smtClean="0">
-                <a:effectLst>
-                  <a:outerShdw blurRad="38100" dist="38100" dir="2700000" algn="tl">
-                    <a:srgbClr val="000000">
-                      <a:alpha val="43137"/>
-                    </a:srgbClr>
-                  </a:outerShdw>
-                </a:effectLst>
-                <a:latin typeface="Consolas" pitchFamily="49" charset="0"/>
-              </a:rPr>
-              <a:t>Клас</a:t>
-            </a:r>
-            <a:endParaRPr lang="en-US" b="1" noProof="1">
-              <a:effectLst>
-                <a:outerShdw blurRad="38100" dist="38100" dir="2700000" algn="tl">
-                  <a:srgbClr val="000000">
-                    <a:alpha val="43137"/>
-                  </a:srgbClr>
-                </a:outerShdw>
-              </a:effectLst>
-              <a:latin typeface="Consolas" pitchFamily="49" charset="0"/>
-            </a:endParaRPr>
-          </a:p>
-        </p:txBody>
-      </p:sp>
-      <p:sp>
-        <p:nvSpPr>
-          <p:cNvPr id="35" name="Text Box 18"/>
-          <p:cNvSpPr txBox="1">
-            <a:spLocks noChangeArrowheads="1"/>
-          </p:cNvSpPr>
-          <p:nvPr/>
-        </p:nvSpPr>
-        <p:spPr bwMode="auto">
-          <a:xfrm>
-            <a:off x="1125547" y="3063085"/>
-            <a:ext cx="2146218" cy="422949"/>
-          </a:xfrm>
-          <a:prstGeom prst="roundRect">
-            <a:avLst/>
-          </a:prstGeom>
-          <a:solidFill>
-            <a:schemeClr val="accent1">
-              <a:lumMod val="75000"/>
-              <a:alpha val="45000"/>
-            </a:schemeClr>
-          </a:solidFill>
-          <a:ln w="38100" algn="ctr">
-            <a:solidFill>
-              <a:schemeClr val="accent1"/>
-            </a:solidFill>
-            <a:miter lim="800000"/>
-            <a:headEnd/>
-            <a:tailEnd/>
-          </a:ln>
-          <a:effectLst/>
-        </p:spPr>
-        <p:txBody>
-          <a:bodyPr wrap="none" anchor="ctr"/>
-          <a:lstStyle/>
-          <a:p>
-            <a:pPr algn="ctr">
-              <a:lnSpc>
-                <a:spcPct val="95000"/>
-              </a:lnSpc>
-              <a:defRPr/>
-            </a:pPr>
-            <a:r>
-              <a:rPr lang="bg-BG" b="1" noProof="1" smtClean="0">
-                <a:effectLst>
-                  <a:outerShdw blurRad="38100" dist="38100" dir="2700000" algn="tl">
-                    <a:srgbClr val="000000">
-                      <a:alpha val="43137"/>
-                    </a:srgbClr>
-                  </a:outerShdw>
-                </a:effectLst>
-                <a:latin typeface="Consolas" pitchFamily="49" charset="0"/>
-              </a:rPr>
-              <a:t>Клас</a:t>
-            </a:r>
-            <a:endParaRPr lang="en-US" b="1" noProof="1">
-              <a:effectLst>
-                <a:outerShdw blurRad="38100" dist="38100" dir="2700000" algn="tl">
-                  <a:srgbClr val="000000">
-                    <a:alpha val="43137"/>
-                  </a:srgbClr>
-                </a:outerShdw>
-              </a:effectLst>
-              <a:latin typeface="Consolas" pitchFamily="49" charset="0"/>
-            </a:endParaRPr>
-          </a:p>
-        </p:txBody>
-      </p:sp>
-      <p:sp>
-        <p:nvSpPr>
-          <p:cNvPr id="36" name="Text Box 18"/>
-          <p:cNvSpPr txBox="1">
-            <a:spLocks noChangeArrowheads="1"/>
-          </p:cNvSpPr>
-          <p:nvPr/>
-        </p:nvSpPr>
-        <p:spPr bwMode="auto">
-          <a:xfrm>
-            <a:off x="1130684" y="1905000"/>
-            <a:ext cx="2146218" cy="427473"/>
-          </a:xfrm>
-          <a:prstGeom prst="roundRect">
-            <a:avLst/>
-          </a:prstGeom>
-          <a:solidFill>
-            <a:schemeClr val="accent1">
-              <a:lumMod val="75000"/>
-              <a:alpha val="45000"/>
-            </a:schemeClr>
-          </a:solidFill>
-          <a:ln w="38100" algn="ctr">
-            <a:solidFill>
-              <a:schemeClr val="accent1"/>
-            </a:solidFill>
-            <a:miter lim="800000"/>
-            <a:headEnd/>
-            <a:tailEnd/>
-          </a:ln>
-          <a:effectLst/>
-        </p:spPr>
-        <p:txBody>
-          <a:bodyPr wrap="none" anchor="ctr"/>
-          <a:lstStyle/>
-          <a:p>
-            <a:pPr algn="ctr">
-              <a:lnSpc>
-                <a:spcPct val="95000"/>
-              </a:lnSpc>
-              <a:defRPr/>
-            </a:pPr>
-            <a:r>
-              <a:rPr lang="bg-BG" b="1" noProof="1" smtClean="0">
-                <a:effectLst>
-                  <a:outerShdw blurRad="38100" dist="38100" dir="2700000" algn="tl">
-                    <a:srgbClr val="000000">
-                      <a:alpha val="43137"/>
-                    </a:srgbClr>
-                  </a:outerShdw>
-                </a:effectLst>
-                <a:latin typeface="Consolas" pitchFamily="49" charset="0"/>
-              </a:rPr>
-              <a:t>Клас</a:t>
-            </a:r>
-            <a:endParaRPr lang="en-US" b="1" noProof="1">
-              <a:effectLst>
-                <a:outerShdw blurRad="38100" dist="38100" dir="2700000" algn="tl">
-                  <a:srgbClr val="000000">
-                    <a:alpha val="43137"/>
-                  </a:srgbClr>
-                </a:outerShdw>
-              </a:effectLst>
-              <a:latin typeface="Consolas" pitchFamily="49" charset="0"/>
             </a:endParaRPr>
           </a:p>
         </p:txBody>
@@ -19818,8 +18956,6 @@
               <a:schemeClr val="accent1"/>
             </a:solidFill>
             <a:miter lim="800000"/>
-            <a:headEnd/>
-            <a:tailEnd/>
           </a:ln>
           <a:effectLst/>
         </p:spPr>
@@ -19842,7 +18978,7 @@
                     </a:srgbClr>
                   </a:outerShdw>
                 </a:effectLst>
-                <a:latin typeface="Consolas" pitchFamily="49" charset="0"/>
+                <a:latin typeface="Consolas" panose="020B0609020204030204" pitchFamily="49" charset="0"/>
               </a:rPr>
               <a:t>Клас</a:t>
             </a:r>
@@ -19854,7 +18990,7 @@
                   </a:srgbClr>
                 </a:outerShdw>
               </a:effectLst>
-              <a:latin typeface="Consolas" pitchFamily="49" charset="0"/>
+              <a:latin typeface="Consolas" panose="020B0609020204030204" pitchFamily="49" charset="0"/>
             </a:endParaRPr>
           </a:p>
         </p:txBody>
@@ -19886,8 +19022,6 @@
               <a:schemeClr val="accent1"/>
             </a:solidFill>
             <a:miter lim="800000"/>
-            <a:headEnd/>
-            <a:tailEnd/>
           </a:ln>
           <a:effectLst/>
         </p:spPr>
@@ -19910,7 +19044,7 @@
                     </a:srgbClr>
                   </a:outerShdw>
                 </a:effectLst>
-                <a:latin typeface="Consolas" pitchFamily="49" charset="0"/>
+                <a:latin typeface="Consolas" panose="020B0609020204030204" pitchFamily="49" charset="0"/>
               </a:rPr>
               <a:t>Интерфейс</a:t>
             </a:r>
@@ -19922,7 +19056,7 @@
                   </a:srgbClr>
                 </a:outerShdw>
               </a:effectLst>
-              <a:latin typeface="Consolas" pitchFamily="49" charset="0"/>
+              <a:latin typeface="Consolas" panose="020B0609020204030204" pitchFamily="49" charset="0"/>
             </a:endParaRPr>
           </a:p>
         </p:txBody>
@@ -19954,8 +19088,6 @@
               <a:schemeClr val="accent1"/>
             </a:solidFill>
             <a:miter lim="800000"/>
-            <a:headEnd/>
-            <a:tailEnd/>
           </a:ln>
           <a:effectLst/>
         </p:spPr>
@@ -19978,7 +19110,7 @@
                     </a:srgbClr>
                   </a:outerShdw>
                 </a:effectLst>
-                <a:latin typeface="Consolas" pitchFamily="49" charset="0"/>
+                <a:latin typeface="Consolas" panose="020B0609020204030204" pitchFamily="49" charset="0"/>
               </a:rPr>
               <a:t>Интерфейс</a:t>
             </a:r>
@@ -19990,7 +19122,7 @@
                   </a:srgbClr>
                 </a:outerShdw>
               </a:effectLst>
-              <a:latin typeface="Consolas" pitchFamily="49" charset="0"/>
+              <a:latin typeface="Consolas" panose="020B0609020204030204" pitchFamily="49" charset="0"/>
             </a:endParaRPr>
           </a:p>
         </p:txBody>
@@ -20022,8 +19154,6 @@
               <a:schemeClr val="accent1"/>
             </a:solidFill>
             <a:miter lim="800000"/>
-            <a:headEnd/>
-            <a:tailEnd/>
           </a:ln>
           <a:effectLst/>
         </p:spPr>
@@ -20046,7 +19176,7 @@
                     </a:srgbClr>
                   </a:outerShdw>
                 </a:effectLst>
-                <a:latin typeface="Consolas" pitchFamily="49" charset="0"/>
+                <a:latin typeface="Consolas" panose="020B0609020204030204" pitchFamily="49" charset="0"/>
               </a:rPr>
               <a:t>Интерфейс</a:t>
             </a:r>
@@ -20058,7 +19188,7 @@
                   </a:srgbClr>
                 </a:outerShdw>
               </a:effectLst>
-              <a:latin typeface="Consolas" pitchFamily="49" charset="0"/>
+              <a:latin typeface="Consolas" panose="020B0609020204030204" pitchFamily="49" charset="0"/>
             </a:endParaRPr>
           </a:p>
         </p:txBody>
@@ -20090,8 +19220,6 @@
               <a:schemeClr val="accent1"/>
             </a:solidFill>
             <a:miter lim="800000"/>
-            <a:headEnd/>
-            <a:tailEnd/>
           </a:ln>
           <a:effectLst/>
         </p:spPr>
@@ -20114,7 +19242,7 @@
                     </a:srgbClr>
                   </a:outerShdw>
                 </a:effectLst>
-                <a:latin typeface="Consolas" pitchFamily="49" charset="0"/>
+                <a:latin typeface="Consolas" panose="020B0609020204030204" pitchFamily="49" charset="0"/>
               </a:rPr>
               <a:t>Интерфейс</a:t>
             </a:r>
@@ -20126,7 +19254,7 @@
                   </a:srgbClr>
                 </a:outerShdw>
               </a:effectLst>
-              <a:latin typeface="Consolas" pitchFamily="49" charset="0"/>
+              <a:latin typeface="Consolas" panose="020B0609020204030204" pitchFamily="49" charset="0"/>
             </a:endParaRPr>
           </a:p>
         </p:txBody>
@@ -20158,8 +19286,6 @@
               <a:schemeClr val="accent1"/>
             </a:solidFill>
             <a:miter lim="800000"/>
-            <a:headEnd/>
-            <a:tailEnd/>
           </a:ln>
           <a:effectLst/>
         </p:spPr>
@@ -20182,7 +19308,7 @@
                     </a:srgbClr>
                   </a:outerShdw>
                 </a:effectLst>
-                <a:latin typeface="Consolas" pitchFamily="49" charset="0"/>
+                <a:latin typeface="Consolas" panose="020B0609020204030204" pitchFamily="49" charset="0"/>
               </a:rPr>
               <a:t>Интерфейс</a:t>
             </a:r>
@@ -20194,87 +19320,622 @@
                   </a:srgbClr>
                 </a:outerShdw>
               </a:effectLst>
-              <a:latin typeface="Consolas" pitchFamily="49" charset="0"/>
+              <a:latin typeface="Consolas" panose="020B0609020204030204" pitchFamily="49" charset="0"/>
             </a:endParaRPr>
           </a:p>
         </p:txBody>
       </p:sp>
-      <p:cxnSp>
-        <p:nvCxnSpPr>
-          <p:cNvPr id="47" name="Straight Arrow Connector 46"/>
-          <p:cNvCxnSpPr>
-            <a:cxnSpLocks/>
-          </p:cNvCxnSpPr>
+      <p:grpSp>
+        <p:nvGrpSpPr>
+          <p:cNvPr id="4" name="Group 3"/>
+          <p:cNvGrpSpPr/>
           <p:nvPr/>
-        </p:nvCxnSpPr>
-        <p:spPr>
-          <a:xfrm flipV="1">
-            <a:off x="8859744" y="2335182"/>
-            <a:ext cx="1" cy="695027"/>
+        </p:nvGrpSpPr>
+        <p:grpSpPr>
+          <a:xfrm>
+            <a:off x="1125855" y="1905000"/>
+            <a:ext cx="9794240" cy="1581150"/>
+            <a:chOff x="1773" y="3000"/>
+            <a:chExt cx="15424" cy="2490"/>
           </a:xfrm>
-          <a:prstGeom prst="straightConnector1">
-            <a:avLst/>
-          </a:prstGeom>
-          <a:ln w="38100">
-            <a:tailEnd type="triangle"/>
-          </a:ln>
-        </p:spPr>
-        <p:style>
-          <a:lnRef idx="1">
-            <a:schemeClr val="accent1"/>
-          </a:lnRef>
-          <a:fillRef idx="0">
-            <a:schemeClr val="accent1"/>
-          </a:fillRef>
-          <a:effectRef idx="0">
-            <a:schemeClr val="accent1"/>
-          </a:effectRef>
-          <a:fontRef idx="minor">
-            <a:schemeClr val="tx1"/>
-          </a:fontRef>
-        </p:style>
-      </p:cxnSp>
-      <p:cxnSp>
-        <p:nvCxnSpPr>
-          <p:cNvPr id="48" name="Straight Arrow Connector 47"/>
-          <p:cNvCxnSpPr>
-            <a:cxnSpLocks/>
-          </p:cNvCxnSpPr>
-          <p:nvPr/>
-        </p:nvCxnSpPr>
-        <p:spPr>
-          <a:xfrm flipV="1">
-            <a:off x="5180012" y="2347732"/>
-            <a:ext cx="1" cy="695027"/>
-          </a:xfrm>
-          <a:prstGeom prst="straightConnector1">
-            <a:avLst/>
-          </a:prstGeom>
-          <a:ln w="38100">
-            <a:prstDash val="sysDash"/>
-            <a:tailEnd type="triangle"/>
-          </a:ln>
-        </p:spPr>
-        <p:style>
-          <a:lnRef idx="1">
-            <a:schemeClr val="accent1"/>
-          </a:lnRef>
-          <a:fillRef idx="0">
-            <a:schemeClr val="accent1"/>
-          </a:fillRef>
-          <a:effectRef idx="0">
-            <a:schemeClr val="accent1"/>
-          </a:effectRef>
-          <a:fontRef idx="minor">
-            <a:schemeClr val="tx1"/>
-          </a:fontRef>
-        </p:style>
-      </p:cxnSp>
+        </p:grpSpPr>
+        <p:sp>
+          <p:nvSpPr>
+            <p:cNvPr id="23" name="Text Box 18"/>
+            <p:cNvSpPr txBox="1">
+              <a:spLocks noChangeArrowheads="1"/>
+            </p:cNvSpPr>
+            <p:nvPr/>
+          </p:nvSpPr>
+          <p:spPr bwMode="auto">
+            <a:xfrm>
+              <a:off x="7557" y="3000"/>
+              <a:ext cx="3380" cy="673"/>
+            </a:xfrm>
+            <a:prstGeom prst="roundRect">
+              <a:avLst/>
+            </a:prstGeom>
+            <a:solidFill>
+              <a:schemeClr val="accent1">
+                <a:lumMod val="75000"/>
+                <a:alpha val="45000"/>
+              </a:schemeClr>
+            </a:solidFill>
+            <a:ln w="38100" algn="ctr">
+              <a:solidFill>
+                <a:schemeClr val="accent1"/>
+              </a:solidFill>
+              <a:miter lim="800000"/>
+            </a:ln>
+            <a:effectLst/>
+          </p:spPr>
+          <p:txBody>
+            <a:bodyPr wrap="none" anchor="ctr"/>
+            <a:lstStyle/>
+            <a:p>
+              <a:pPr algn="ctr">
+                <a:lnSpc>
+                  <a:spcPct val="95000"/>
+                </a:lnSpc>
+                <a:defRPr/>
+              </a:pPr>
+              <a:r>
+                <a:rPr lang="bg-BG" b="1" noProof="1" smtClean="0">
+                  <a:effectLst>
+                    <a:outerShdw blurRad="38100" dist="38100" dir="2700000" algn="tl">
+                      <a:srgbClr val="000000">
+                        <a:alpha val="43137"/>
+                      </a:srgbClr>
+                    </a:outerShdw>
+                  </a:effectLst>
+                  <a:latin typeface="Consolas" panose="020B0609020204030204" pitchFamily="49" charset="0"/>
+                </a:rPr>
+                <a:t>Интерфейс</a:t>
+              </a:r>
+              <a:endParaRPr lang="en-US" b="1" noProof="1">
+                <a:effectLst>
+                  <a:outerShdw blurRad="38100" dist="38100" dir="2700000" algn="tl">
+                    <a:srgbClr val="000000">
+                      <a:alpha val="43137"/>
+                    </a:srgbClr>
+                  </a:outerShdw>
+                </a:effectLst>
+                <a:latin typeface="Consolas" panose="020B0609020204030204" pitchFamily="49" charset="0"/>
+              </a:endParaRPr>
+            </a:p>
+          </p:txBody>
+        </p:sp>
+        <p:sp>
+          <p:nvSpPr>
+            <p:cNvPr id="2" name="TextBox 1"/>
+            <p:cNvSpPr txBox="1"/>
+            <p:nvPr/>
+          </p:nvSpPr>
+          <p:spPr>
+            <a:xfrm>
+              <a:off x="8509" y="3772"/>
+              <a:ext cx="3895" cy="824"/>
+            </a:xfrm>
+            <a:prstGeom prst="rect">
+              <a:avLst/>
+            </a:prstGeom>
+            <a:noFill/>
+          </p:spPr>
+          <p:txBody>
+            <a:bodyPr wrap="none" rtlCol="0">
+              <a:spAutoFit/>
+            </a:bodyPr>
+            <a:lstStyle/>
+            <a:p>
+              <a:r>
+                <a:rPr lang="bg-BG" sz="2800" dirty="0"/>
+                <a:t>и</a:t>
+              </a:r>
+              <a:r>
+                <a:rPr lang="bg-BG" sz="2800" dirty="0" smtClean="0"/>
+                <a:t>мплементира</a:t>
+              </a:r>
+              <a:endParaRPr lang="bg-BG" sz="2800" dirty="0"/>
+            </a:p>
+          </p:txBody>
+        </p:sp>
+        <p:sp>
+          <p:nvSpPr>
+            <p:cNvPr id="26" name="TextBox 25"/>
+            <p:cNvSpPr txBox="1"/>
+            <p:nvPr/>
+          </p:nvSpPr>
+          <p:spPr>
+            <a:xfrm>
+              <a:off x="2587" y="3756"/>
+              <a:ext cx="2921" cy="824"/>
+            </a:xfrm>
+            <a:prstGeom prst="rect">
+              <a:avLst/>
+            </a:prstGeom>
+            <a:noFill/>
+          </p:spPr>
+          <p:txBody>
+            <a:bodyPr wrap="none" rtlCol="0">
+              <a:spAutoFit/>
+            </a:bodyPr>
+            <a:lstStyle/>
+            <a:p>
+              <a:r>
+                <a:rPr lang="bg-BG" sz="2800" dirty="0" smtClean="0"/>
+                <a:t>разширява</a:t>
+              </a:r>
+              <a:endParaRPr lang="bg-BG" sz="2800" dirty="0"/>
+            </a:p>
+          </p:txBody>
+        </p:sp>
+        <p:sp>
+          <p:nvSpPr>
+            <p:cNvPr id="28" name="TextBox 27"/>
+            <p:cNvSpPr txBox="1"/>
+            <p:nvPr/>
+          </p:nvSpPr>
+          <p:spPr>
+            <a:xfrm>
+              <a:off x="14277" y="3763"/>
+              <a:ext cx="2921" cy="1503"/>
+            </a:xfrm>
+            <a:prstGeom prst="rect">
+              <a:avLst/>
+            </a:prstGeom>
+            <a:noFill/>
+          </p:spPr>
+          <p:txBody>
+            <a:bodyPr wrap="none" rtlCol="0">
+              <a:spAutoFit/>
+            </a:bodyPr>
+            <a:lstStyle/>
+            <a:p>
+              <a:r>
+                <a:rPr lang="bg-BG" sz="2800" dirty="0"/>
+                <a:t>разширява</a:t>
+              </a:r>
+            </a:p>
+            <a:p>
+              <a:endParaRPr lang="bg-BG" sz="2800" dirty="0"/>
+            </a:p>
+          </p:txBody>
+        </p:sp>
+        <p:cxnSp>
+          <p:nvCxnSpPr>
+            <p:cNvPr id="29" name="Straight Arrow Connector 28"/>
+            <p:cNvCxnSpPr/>
+            <p:nvPr/>
+          </p:nvCxnSpPr>
+          <p:spPr>
+            <a:xfrm flipV="1">
+              <a:off x="2157" y="3701"/>
+              <a:ext cx="0" cy="1095"/>
+            </a:xfrm>
+            <a:prstGeom prst="straightConnector1">
+              <a:avLst/>
+            </a:prstGeom>
+            <a:ln w="38100">
+              <a:tailEnd type="triangle"/>
+            </a:ln>
+          </p:spPr>
+          <p:style>
+            <a:lnRef idx="1">
+              <a:schemeClr val="accent1"/>
+            </a:lnRef>
+            <a:fillRef idx="0">
+              <a:schemeClr val="accent1"/>
+            </a:fillRef>
+            <a:effectRef idx="0">
+              <a:schemeClr val="accent1"/>
+            </a:effectRef>
+            <a:fontRef idx="minor">
+              <a:schemeClr val="tx1"/>
+            </a:fontRef>
+          </p:style>
+        </p:cxnSp>
+        <p:sp>
+          <p:nvSpPr>
+            <p:cNvPr id="32" name="Text Box 18"/>
+            <p:cNvSpPr txBox="1">
+              <a:spLocks noChangeArrowheads="1"/>
+            </p:cNvSpPr>
+            <p:nvPr/>
+          </p:nvSpPr>
+          <p:spPr bwMode="auto">
+            <a:xfrm>
+              <a:off x="13334" y="4797"/>
+              <a:ext cx="3380" cy="693"/>
+            </a:xfrm>
+            <a:prstGeom prst="roundRect">
+              <a:avLst/>
+            </a:prstGeom>
+            <a:solidFill>
+              <a:schemeClr val="accent1">
+                <a:lumMod val="75000"/>
+                <a:alpha val="45000"/>
+              </a:schemeClr>
+            </a:solidFill>
+            <a:ln w="38100" algn="ctr">
+              <a:solidFill>
+                <a:schemeClr val="accent1"/>
+              </a:solidFill>
+              <a:miter lim="800000"/>
+            </a:ln>
+            <a:effectLst/>
+          </p:spPr>
+          <p:txBody>
+            <a:bodyPr wrap="none" anchor="ctr"/>
+            <a:lstStyle/>
+            <a:p>
+              <a:pPr algn="ctr">
+                <a:lnSpc>
+                  <a:spcPct val="95000"/>
+                </a:lnSpc>
+                <a:defRPr/>
+              </a:pPr>
+              <a:r>
+                <a:rPr lang="bg-BG" b="1" noProof="1">
+                  <a:effectLst>
+                    <a:outerShdw blurRad="38100" dist="38100" dir="2700000" algn="tl">
+                      <a:srgbClr val="000000">
+                        <a:alpha val="43137"/>
+                      </a:srgbClr>
+                    </a:outerShdw>
+                  </a:effectLst>
+                  <a:latin typeface="Consolas" panose="020B0609020204030204" pitchFamily="49" charset="0"/>
+                </a:rPr>
+                <a:t>Интерфейс</a:t>
+              </a:r>
+              <a:endParaRPr lang="en-US" b="1" noProof="1">
+                <a:effectLst>
+                  <a:outerShdw blurRad="38100" dist="38100" dir="2700000" algn="tl">
+                    <a:srgbClr val="000000">
+                      <a:alpha val="43137"/>
+                    </a:srgbClr>
+                  </a:outerShdw>
+                </a:effectLst>
+                <a:latin typeface="Consolas" panose="020B0609020204030204" pitchFamily="49" charset="0"/>
+              </a:endParaRPr>
+            </a:p>
+          </p:txBody>
+        </p:sp>
+        <p:sp>
+          <p:nvSpPr>
+            <p:cNvPr id="33" name="Text Box 18"/>
+            <p:cNvSpPr txBox="1">
+              <a:spLocks noChangeArrowheads="1"/>
+            </p:cNvSpPr>
+            <p:nvPr/>
+          </p:nvSpPr>
+          <p:spPr bwMode="auto">
+            <a:xfrm>
+              <a:off x="13334" y="3007"/>
+              <a:ext cx="3380" cy="667"/>
+            </a:xfrm>
+            <a:prstGeom prst="roundRect">
+              <a:avLst/>
+            </a:prstGeom>
+            <a:solidFill>
+              <a:schemeClr val="accent1">
+                <a:lumMod val="75000"/>
+                <a:alpha val="45000"/>
+              </a:schemeClr>
+            </a:solidFill>
+            <a:ln w="38100" algn="ctr">
+              <a:solidFill>
+                <a:schemeClr val="accent1"/>
+              </a:solidFill>
+              <a:miter lim="800000"/>
+            </a:ln>
+            <a:effectLst/>
+          </p:spPr>
+          <p:txBody>
+            <a:bodyPr wrap="none" anchor="ctr"/>
+            <a:lstStyle/>
+            <a:p>
+              <a:pPr algn="ctr">
+                <a:lnSpc>
+                  <a:spcPct val="95000"/>
+                </a:lnSpc>
+                <a:defRPr/>
+              </a:pPr>
+              <a:r>
+                <a:rPr lang="bg-BG" b="1" noProof="1" smtClean="0">
+                  <a:effectLst>
+                    <a:outerShdw blurRad="38100" dist="38100" dir="2700000" algn="tl">
+                      <a:srgbClr val="000000">
+                        <a:alpha val="43137"/>
+                      </a:srgbClr>
+                    </a:outerShdw>
+                  </a:effectLst>
+                  <a:latin typeface="Consolas" panose="020B0609020204030204" pitchFamily="49" charset="0"/>
+                </a:rPr>
+                <a:t>Интерфейс</a:t>
+              </a:r>
+              <a:endParaRPr lang="en-US" b="1" noProof="1">
+                <a:effectLst>
+                  <a:outerShdw blurRad="38100" dist="38100" dir="2700000" algn="tl">
+                    <a:srgbClr val="000000">
+                      <a:alpha val="43137"/>
+                    </a:srgbClr>
+                  </a:outerShdw>
+                </a:effectLst>
+                <a:latin typeface="Consolas" panose="020B0609020204030204" pitchFamily="49" charset="0"/>
+              </a:endParaRPr>
+            </a:p>
+          </p:txBody>
+        </p:sp>
+        <p:sp>
+          <p:nvSpPr>
+            <p:cNvPr id="34" name="Text Box 18"/>
+            <p:cNvSpPr txBox="1">
+              <a:spLocks noChangeArrowheads="1"/>
+            </p:cNvSpPr>
+            <p:nvPr/>
+          </p:nvSpPr>
+          <p:spPr bwMode="auto">
+            <a:xfrm>
+              <a:off x="7557" y="4824"/>
+              <a:ext cx="3380" cy="666"/>
+            </a:xfrm>
+            <a:prstGeom prst="roundRect">
+              <a:avLst/>
+            </a:prstGeom>
+            <a:solidFill>
+              <a:schemeClr val="accent1">
+                <a:lumMod val="75000"/>
+                <a:alpha val="45000"/>
+              </a:schemeClr>
+            </a:solidFill>
+            <a:ln w="38100" algn="ctr">
+              <a:solidFill>
+                <a:schemeClr val="accent1"/>
+              </a:solidFill>
+              <a:miter lim="800000"/>
+            </a:ln>
+            <a:effectLst/>
+          </p:spPr>
+          <p:txBody>
+            <a:bodyPr wrap="none" anchor="ctr"/>
+            <a:lstStyle/>
+            <a:p>
+              <a:pPr algn="ctr">
+                <a:lnSpc>
+                  <a:spcPct val="95000"/>
+                </a:lnSpc>
+                <a:defRPr/>
+              </a:pPr>
+              <a:r>
+                <a:rPr lang="bg-BG" b="1" noProof="1" smtClean="0">
+                  <a:effectLst>
+                    <a:outerShdw blurRad="38100" dist="38100" dir="2700000" algn="tl">
+                      <a:srgbClr val="000000">
+                        <a:alpha val="43137"/>
+                      </a:srgbClr>
+                    </a:outerShdw>
+                  </a:effectLst>
+                  <a:latin typeface="Consolas" panose="020B0609020204030204" pitchFamily="49" charset="0"/>
+                </a:rPr>
+                <a:t>Клас</a:t>
+              </a:r>
+              <a:endParaRPr lang="en-US" b="1" noProof="1">
+                <a:effectLst>
+                  <a:outerShdw blurRad="38100" dist="38100" dir="2700000" algn="tl">
+                    <a:srgbClr val="000000">
+                      <a:alpha val="43137"/>
+                    </a:srgbClr>
+                  </a:outerShdw>
+                </a:effectLst>
+                <a:latin typeface="Consolas" panose="020B0609020204030204" pitchFamily="49" charset="0"/>
+              </a:endParaRPr>
+            </a:p>
+          </p:txBody>
+        </p:sp>
+        <p:sp>
+          <p:nvSpPr>
+            <p:cNvPr id="35" name="Text Box 18"/>
+            <p:cNvSpPr txBox="1">
+              <a:spLocks noChangeArrowheads="1"/>
+            </p:cNvSpPr>
+            <p:nvPr/>
+          </p:nvSpPr>
+          <p:spPr bwMode="auto">
+            <a:xfrm>
+              <a:off x="1773" y="4824"/>
+              <a:ext cx="3380" cy="666"/>
+            </a:xfrm>
+            <a:prstGeom prst="roundRect">
+              <a:avLst/>
+            </a:prstGeom>
+            <a:solidFill>
+              <a:schemeClr val="accent1">
+                <a:lumMod val="75000"/>
+                <a:alpha val="45000"/>
+              </a:schemeClr>
+            </a:solidFill>
+            <a:ln w="38100" algn="ctr">
+              <a:solidFill>
+                <a:schemeClr val="accent1"/>
+              </a:solidFill>
+              <a:miter lim="800000"/>
+            </a:ln>
+            <a:effectLst/>
+          </p:spPr>
+          <p:txBody>
+            <a:bodyPr wrap="none" anchor="ctr"/>
+            <a:lstStyle/>
+            <a:p>
+              <a:pPr algn="ctr">
+                <a:lnSpc>
+                  <a:spcPct val="95000"/>
+                </a:lnSpc>
+                <a:defRPr/>
+              </a:pPr>
+              <a:r>
+                <a:rPr lang="bg-BG" b="1" noProof="1" smtClean="0">
+                  <a:effectLst>
+                    <a:outerShdw blurRad="38100" dist="38100" dir="2700000" algn="tl">
+                      <a:srgbClr val="000000">
+                        <a:alpha val="43137"/>
+                      </a:srgbClr>
+                    </a:outerShdw>
+                  </a:effectLst>
+                  <a:latin typeface="Consolas" panose="020B0609020204030204" pitchFamily="49" charset="0"/>
+                </a:rPr>
+                <a:t>Клас</a:t>
+              </a:r>
+              <a:endParaRPr lang="en-US" b="1" noProof="1">
+                <a:effectLst>
+                  <a:outerShdw blurRad="38100" dist="38100" dir="2700000" algn="tl">
+                    <a:srgbClr val="000000">
+                      <a:alpha val="43137"/>
+                    </a:srgbClr>
+                  </a:outerShdw>
+                </a:effectLst>
+                <a:latin typeface="Consolas" panose="020B0609020204030204" pitchFamily="49" charset="0"/>
+              </a:endParaRPr>
+            </a:p>
+          </p:txBody>
+        </p:sp>
+        <p:sp>
+          <p:nvSpPr>
+            <p:cNvPr id="36" name="Text Box 18"/>
+            <p:cNvSpPr txBox="1">
+              <a:spLocks noChangeArrowheads="1"/>
+            </p:cNvSpPr>
+            <p:nvPr/>
+          </p:nvSpPr>
+          <p:spPr bwMode="auto">
+            <a:xfrm>
+              <a:off x="1781" y="3000"/>
+              <a:ext cx="3380" cy="673"/>
+            </a:xfrm>
+            <a:prstGeom prst="roundRect">
+              <a:avLst/>
+            </a:prstGeom>
+            <a:solidFill>
+              <a:schemeClr val="accent1">
+                <a:lumMod val="75000"/>
+                <a:alpha val="45000"/>
+              </a:schemeClr>
+            </a:solidFill>
+            <a:ln w="38100" algn="ctr">
+              <a:solidFill>
+                <a:schemeClr val="accent1"/>
+              </a:solidFill>
+              <a:miter lim="800000"/>
+            </a:ln>
+            <a:effectLst/>
+          </p:spPr>
+          <p:txBody>
+            <a:bodyPr wrap="none" anchor="ctr"/>
+            <a:lstStyle/>
+            <a:p>
+              <a:pPr algn="ctr">
+                <a:lnSpc>
+                  <a:spcPct val="95000"/>
+                </a:lnSpc>
+                <a:defRPr/>
+              </a:pPr>
+              <a:r>
+                <a:rPr lang="bg-BG" b="1" noProof="1" smtClean="0">
+                  <a:effectLst>
+                    <a:outerShdw blurRad="38100" dist="38100" dir="2700000" algn="tl">
+                      <a:srgbClr val="000000">
+                        <a:alpha val="43137"/>
+                      </a:srgbClr>
+                    </a:outerShdw>
+                  </a:effectLst>
+                  <a:latin typeface="Consolas" panose="020B0609020204030204" pitchFamily="49" charset="0"/>
+                </a:rPr>
+                <a:t>Клас</a:t>
+              </a:r>
+              <a:endParaRPr lang="en-US" b="1" noProof="1">
+                <a:effectLst>
+                  <a:outerShdw blurRad="38100" dist="38100" dir="2700000" algn="tl">
+                    <a:srgbClr val="000000">
+                      <a:alpha val="43137"/>
+                    </a:srgbClr>
+                  </a:outerShdw>
+                </a:effectLst>
+                <a:latin typeface="Consolas" panose="020B0609020204030204" pitchFamily="49" charset="0"/>
+              </a:endParaRPr>
+            </a:p>
+          </p:txBody>
+        </p:sp>
+        <p:cxnSp>
+          <p:nvCxnSpPr>
+            <p:cNvPr id="47" name="Straight Arrow Connector 46"/>
+            <p:cNvCxnSpPr/>
+            <p:nvPr/>
+          </p:nvCxnSpPr>
+          <p:spPr>
+            <a:xfrm flipV="1">
+              <a:off x="13952" y="3677"/>
+              <a:ext cx="0" cy="1095"/>
+            </a:xfrm>
+            <a:prstGeom prst="straightConnector1">
+              <a:avLst/>
+            </a:prstGeom>
+            <a:ln w="38100">
+              <a:tailEnd type="triangle"/>
+            </a:ln>
+          </p:spPr>
+          <p:style>
+            <a:lnRef idx="1">
+              <a:schemeClr val="accent1"/>
+            </a:lnRef>
+            <a:fillRef idx="0">
+              <a:schemeClr val="accent1"/>
+            </a:fillRef>
+            <a:effectRef idx="0">
+              <a:schemeClr val="accent1"/>
+            </a:effectRef>
+            <a:fontRef idx="minor">
+              <a:schemeClr val="tx1"/>
+            </a:fontRef>
+          </p:style>
+        </p:cxnSp>
+        <p:cxnSp>
+          <p:nvCxnSpPr>
+            <p:cNvPr id="48" name="Straight Arrow Connector 47"/>
+            <p:cNvCxnSpPr/>
+            <p:nvPr/>
+          </p:nvCxnSpPr>
+          <p:spPr>
+            <a:xfrm flipV="1">
+              <a:off x="8157" y="3697"/>
+              <a:ext cx="0" cy="1095"/>
+            </a:xfrm>
+            <a:prstGeom prst="straightConnector1">
+              <a:avLst/>
+            </a:prstGeom>
+            <a:ln w="38100">
+              <a:prstDash val="sysDash"/>
+              <a:tailEnd type="triangle"/>
+            </a:ln>
+          </p:spPr>
+          <p:style>
+            <a:lnRef idx="1">
+              <a:schemeClr val="accent1"/>
+            </a:lnRef>
+            <a:fillRef idx="0">
+              <a:schemeClr val="accent1"/>
+            </a:fillRef>
+            <a:effectRef idx="0">
+              <a:schemeClr val="accent1"/>
+            </a:effectRef>
+            <a:fontRef idx="minor">
+              <a:schemeClr val="tx1"/>
+            </a:fontRef>
+          </p:style>
+        </p:cxnSp>
+      </p:grpSp>
       <p:cxnSp>
         <p:nvCxnSpPr>
           <p:cNvPr id="49" name="Straight Arrow Connector 48"/>
           <p:cNvCxnSpPr>
-            <a:cxnSpLocks/>
             <a:endCxn id="43" idx="2"/>
           </p:cNvCxnSpPr>
           <p:nvPr/>
@@ -20311,7 +19972,6 @@
         <p:nvCxnSpPr>
           <p:cNvPr id="51" name="Straight Arrow Connector 50"/>
           <p:cNvCxnSpPr>
-            <a:cxnSpLocks/>
             <a:stCxn id="39" idx="0"/>
             <a:endCxn id="42" idx="2"/>
           </p:cNvCxnSpPr>
@@ -20349,7 +20009,6 @@
         <p:nvCxnSpPr>
           <p:cNvPr id="52" name="Straight Arrow Connector 51"/>
           <p:cNvCxnSpPr>
-            <a:cxnSpLocks/>
             <a:stCxn id="46" idx="0"/>
             <a:endCxn id="45" idx="2"/>
           </p:cNvCxnSpPr>
@@ -20386,7 +20045,6 @@
         <p:nvCxnSpPr>
           <p:cNvPr id="53" name="Straight Arrow Connector 52"/>
           <p:cNvCxnSpPr>
-            <a:cxnSpLocks/>
             <a:stCxn id="46" idx="0"/>
           </p:cNvCxnSpPr>
           <p:nvPr/>
@@ -20479,11 +20137,6 @@
         </p:txBody>
       </p:sp>
     </p:spTree>
-    <p:extLst>
-      <p:ext uri="{BB962C8B-B14F-4D97-AF65-F5344CB8AC3E}">
-        <p14:creationId xmlns:p14="http://schemas.microsoft.com/office/powerpoint/2010/main" val="1707711754"/>
-      </p:ext>
-    </p:extLst>
   </p:cSld>
   <p:clrMapOvr>
     <a:masterClrMapping/>
@@ -20501,6 +20154,9 @@
                     <p:cTn id="3" fill="hold">
                       <p:stCondLst>
                         <p:cond delay="indefinite"/>
+                        <p:cond evt="onBegin" delay="0">
+                          <p:tn val="2"/>
+                        </p:cond>
                       </p:stCondLst>
                       <p:childTnLst>
                         <p:par>
@@ -20510,7 +20166,7 @@
                             </p:stCondLst>
                             <p:childTnLst>
                               <p:par>
-                                <p:cTn id="5" presetID="1" presetClass="entr" presetSubtype="0" fill="hold" nodeType="clickEffect">
+                                <p:cTn id="5" presetID="1" presetClass="entr" presetSubtype="0" fill="hold" nodeType="withEffect">
                                   <p:stCondLst>
                                     <p:cond delay="0"/>
                                   </p:stCondLst>
@@ -20518,6 +20174,82 @@
                                     <p:set>
                                       <p:cBhvr>
                                         <p:cTn id="6" dur="1" fill="hold">
+                                          <p:stCondLst>
+                                            <p:cond delay="0"/>
+                                          </p:stCondLst>
+                                        </p:cTn>
+                                        <p:tgtEl>
+                                          <p:spTgt spid="11">
+                                            <p:txEl>
+                                              <p:pRg st="0" end="0"/>
+                                            </p:txEl>
+                                          </p:spTgt>
+                                        </p:tgtEl>
+                                        <p:attrNameLst>
+                                          <p:attrName>style.visibility</p:attrName>
+                                        </p:attrNameLst>
+                                      </p:cBhvr>
+                                      <p:to>
+                                        <p:strVal val="visible"/>
+                                      </p:to>
+                                    </p:set>
+                                  </p:childTnLst>
+                                </p:cTn>
+                              </p:par>
+                              <p:par>
+                                <p:cTn id="7" presetID="1" presetClass="entr" presetSubtype="0" fill="hold" nodeType="withEffect">
+                                  <p:stCondLst>
+                                    <p:cond delay="0"/>
+                                  </p:stCondLst>
+                                  <p:childTnLst>
+                                    <p:set>
+                                      <p:cBhvr>
+                                        <p:cTn id="8" dur="1" fill="hold">
+                                          <p:stCondLst>
+                                            <p:cond delay="0"/>
+                                          </p:stCondLst>
+                                        </p:cTn>
+                                        <p:tgtEl>
+                                          <p:spTgt spid="4"/>
+                                        </p:tgtEl>
+                                        <p:attrNameLst>
+                                          <p:attrName>style.visibility</p:attrName>
+                                        </p:attrNameLst>
+                                      </p:cBhvr>
+                                      <p:to>
+                                        <p:strVal val="visible"/>
+                                      </p:to>
+                                    </p:set>
+                                  </p:childTnLst>
+                                </p:cTn>
+                              </p:par>
+                            </p:childTnLst>
+                          </p:cTn>
+                        </p:par>
+                      </p:childTnLst>
+                    </p:cTn>
+                  </p:par>
+                  <p:par>
+                    <p:cTn id="9" fill="hold">
+                      <p:stCondLst>
+                        <p:cond delay="indefinite"/>
+                      </p:stCondLst>
+                      <p:childTnLst>
+                        <p:par>
+                          <p:cTn id="10" fill="hold">
+                            <p:stCondLst>
+                              <p:cond delay="0"/>
+                            </p:stCondLst>
+                            <p:childTnLst>
+                              <p:par>
+                                <p:cTn id="11" presetID="1" presetClass="entr" presetSubtype="0" fill="hold" nodeType="clickEffect">
+                                  <p:stCondLst>
+                                    <p:cond delay="0"/>
+                                  </p:stCondLst>
+                                  <p:childTnLst>
+                                    <p:set>
+                                      <p:cBhvr>
+                                        <p:cTn id="12" dur="1" fill="hold">
                                           <p:stCondLst>
                                             <p:cond delay="0"/>
                                           </p:stCondLst>
@@ -20540,75 +20272,8 @@
                                   </p:childTnLst>
                                 </p:cTn>
                               </p:par>
-                            </p:childTnLst>
-                          </p:cTn>
-                        </p:par>
-                      </p:childTnLst>
-                    </p:cTn>
-                  </p:par>
-                  <p:par>
-                    <p:cTn id="7" fill="hold">
-                      <p:stCondLst>
-                        <p:cond delay="indefinite"/>
-                      </p:stCondLst>
-                      <p:childTnLst>
-                        <p:par>
-                          <p:cTn id="8" fill="hold">
-                            <p:stCondLst>
-                              <p:cond delay="0"/>
-                            </p:stCondLst>
-                            <p:childTnLst>
                               <p:par>
-                                <p:cTn id="9" presetID="1" presetClass="entr" presetSubtype="0" fill="hold" nodeType="clickEffect">
-                                  <p:stCondLst>
-                                    <p:cond delay="0"/>
-                                  </p:stCondLst>
-                                  <p:childTnLst>
-                                    <p:set>
-                                      <p:cBhvr>
-                                        <p:cTn id="10" dur="1" fill="hold">
-                                          <p:stCondLst>
-                                            <p:cond delay="0"/>
-                                          </p:stCondLst>
-                                        </p:cTn>
-                                        <p:tgtEl>
-                                          <p:spTgt spid="11">
-                                            <p:txEl>
-                                              <p:pRg st="0" end="0"/>
-                                            </p:txEl>
-                                          </p:spTgt>
-                                        </p:tgtEl>
-                                        <p:attrNameLst>
-                                          <p:attrName>style.visibility</p:attrName>
-                                        </p:attrNameLst>
-                                      </p:cBhvr>
-                                      <p:to>
-                                        <p:strVal val="visible"/>
-                                      </p:to>
-                                    </p:set>
-                                  </p:childTnLst>
-                                </p:cTn>
-                              </p:par>
-                            </p:childTnLst>
-                          </p:cTn>
-                        </p:par>
-                      </p:childTnLst>
-                    </p:cTn>
-                  </p:par>
-                  <p:par>
-                    <p:cTn id="11" fill="hold">
-                      <p:stCondLst>
-                        <p:cond delay="indefinite"/>
-                      </p:stCondLst>
-                      <p:childTnLst>
-                        <p:par>
-                          <p:cTn id="12" fill="hold">
-                            <p:stCondLst>
-                              <p:cond delay="0"/>
-                            </p:stCondLst>
-                            <p:childTnLst>
-                              <p:par>
-                                <p:cTn id="13" presetID="1" presetClass="entr" presetSubtype="0" fill="hold" grpId="0" nodeType="clickEffect">
+                                <p:cTn id="13" presetID="1" presetClass="entr" presetSubtype="0" fill="hold" grpId="0" nodeType="withEffect">
                                   <p:stCondLst>
                                     <p:cond delay="0"/>
                                   </p:stCondLst>
@@ -21006,7 +20671,6 @@
           <a:p>
             <a:fld id="{C014DD1E-5D91-48A3-AD6D-45FBA980D106}" type="slidenum">
               <a:rPr lang="en-US" smtClean="0"/>
-              <a:pPr/>
               <a:t>6</a:t>
             </a:fld>
             <a:endParaRPr lang="en-US" dirty="0"/>
@@ -21035,7 +20699,15 @@
           <a:p>
             <a:r>
               <a:rPr lang="bg-BG" dirty="0" smtClean="0"/>
-              <a:t>Създайте проект, който съдържа интерфейс за рисуваеми обекти</a:t>
+              <a:t>Създайте проект, съдържа</a:t>
+            </a:r>
+            <a:r>
+              <a:rPr lang="" altLang="bg-BG" dirty="0" smtClean="0"/>
+              <a:t>щ</a:t>
+            </a:r>
+            <a:r>
+              <a:rPr lang="bg-BG" dirty="0" smtClean="0"/>
+              <a:t> интерфейс за рисуваеми обекти</a:t>
             </a:r>
             <a:endParaRPr lang="en-US" dirty="0"/>
           </a:p>
@@ -21048,23 +20720,34 @@
               <a:rPr lang="en-US" dirty="0" smtClean="0"/>
               <a:t>: </a:t>
             </a:r>
-            <a:r>
-              <a:rPr lang="en-US" dirty="0"/>
-              <a:t/>
-            </a:r>
-            <a:br>
-              <a:rPr lang="en-US" dirty="0"/>
-            </a:br>
+          </a:p>
+          <a:p>
+            <a:pPr lvl="1" fontAlgn="auto">
+              <a:spcBef>
+                <a:spcPts val="0"/>
+              </a:spcBef>
+            </a:pPr>
             <a:r>
               <a:rPr lang="bg-BG" dirty="0" smtClean="0"/>
-              <a:t>Кръг и правоъгълник</a:t>
+              <a:t>Кръг</a:t>
+            </a:r>
+          </a:p>
+          <a:p>
+            <a:pPr lvl="1" fontAlgn="auto">
+              <a:spcBef>
+                <a:spcPts val="0"/>
+              </a:spcBef>
+            </a:pPr>
+            <a:r>
+              <a:rPr lang="bg-BG" dirty="0" smtClean="0"/>
+              <a:t>правоъгълник</a:t>
             </a:r>
             <a:endParaRPr lang="en-US" dirty="0"/>
           </a:p>
           <a:p>
             <a:r>
               <a:rPr lang="bg-BG" dirty="0" smtClean="0"/>
-              <a:t>И двата класа трябва да отпечатват на конзолата фигурата си със</a:t>
+              <a:t>И двата класа трябва да отпечатват фигурата си със</a:t>
             </a:r>
             <a:r>
               <a:rPr lang="en-US" dirty="0" smtClean="0"/>
@@ -21820,11 +21503,6 @@
         </p:txBody>
       </p:sp>
     </p:spTree>
-    <p:extLst>
-      <p:ext uri="{BB962C8B-B14F-4D97-AF65-F5344CB8AC3E}">
-        <p14:creationId xmlns:p14="http://schemas.microsoft.com/office/powerpoint/2010/main" val="988948441"/>
-      </p:ext>
-    </p:extLst>
   </p:cSld>
   <p:clrMapOvr>
     <a:masterClrMapping/>
@@ -21874,7 +21552,6 @@
           <a:p>
             <a:fld id="{C014DD1E-5D91-48A3-AD6D-45FBA980D106}" type="slidenum">
               <a:rPr lang="en-US" smtClean="0"/>
-              <a:pPr/>
               <a:t>7</a:t>
             </a:fld>
             <a:endParaRPr lang="en-US" dirty="0"/>
@@ -21968,7 +21645,7 @@
                     </a:srgbClr>
                   </a:outerShdw>
                 </a:effectLst>
-                <a:latin typeface="Consolas" pitchFamily="49" charset="0"/>
+                <a:latin typeface="Consolas" panose="020B0609020204030204" pitchFamily="49" charset="0"/>
               </a:rPr>
               <a:t>public interface </a:t>
             </a:r>
@@ -21984,7 +21661,7 @@
                     </a:srgbClr>
                   </a:outerShdw>
                 </a:effectLst>
-                <a:latin typeface="Consolas" pitchFamily="49" charset="0"/>
+                <a:latin typeface="Consolas" panose="020B0609020204030204" pitchFamily="49" charset="0"/>
               </a:rPr>
               <a:t>Drawable {</a:t>
             </a:r>
@@ -22003,7 +21680,7 @@
                     </a:srgbClr>
                   </a:outerShdw>
                 </a:effectLst>
-                <a:latin typeface="Consolas" pitchFamily="49" charset="0"/>
+                <a:latin typeface="Consolas" panose="020B0609020204030204" pitchFamily="49" charset="0"/>
               </a:rPr>
               <a:t> </a:t>
             </a:r>
@@ -22019,7 +21696,7 @@
                     </a:srgbClr>
                   </a:outerShdw>
                 </a:effectLst>
-                <a:latin typeface="Consolas" pitchFamily="49" charset="0"/>
+                <a:latin typeface="Consolas" panose="020B0609020204030204" pitchFamily="49" charset="0"/>
               </a:rPr>
               <a:t> </a:t>
             </a:r>
@@ -22037,7 +21714,7 @@
                     </a:srgbClr>
                   </a:outerShdw>
                 </a:effectLst>
-                <a:latin typeface="Consolas" pitchFamily="49" charset="0"/>
+                <a:latin typeface="Consolas" panose="020B0609020204030204" pitchFamily="49" charset="0"/>
               </a:rPr>
               <a:t>void Draw();</a:t>
             </a:r>
@@ -22056,7 +21733,7 @@
                     </a:srgbClr>
                   </a:outerShdw>
                 </a:effectLst>
-                <a:latin typeface="Consolas" pitchFamily="49" charset="0"/>
+                <a:latin typeface="Consolas" panose="020B0609020204030204" pitchFamily="49" charset="0"/>
               </a:rPr>
               <a:t>}</a:t>
             </a:r>
@@ -22071,7 +21748,7 @@
                   </a:srgbClr>
                 </a:outerShdw>
               </a:effectLst>
-              <a:latin typeface="Consolas" pitchFamily="49" charset="0"/>
+              <a:latin typeface="Consolas" panose="020B0609020204030204" pitchFamily="49" charset="0"/>
             </a:endParaRPr>
           </a:p>
         </p:txBody>
@@ -22127,7 +21804,7 @@
                     </a:srgbClr>
                   </a:outerShdw>
                 </a:effectLst>
-                <a:latin typeface="Consolas" pitchFamily="49" charset="0"/>
+                <a:latin typeface="Consolas" panose="020B0609020204030204" pitchFamily="49" charset="0"/>
               </a:rPr>
               <a:t>public </a:t>
             </a:r>
@@ -22143,7 +21820,7 @@
                     </a:srgbClr>
                   </a:outerShdw>
                 </a:effectLst>
-                <a:latin typeface="Consolas" pitchFamily="49" charset="0"/>
+                <a:latin typeface="Consolas" panose="020B0609020204030204" pitchFamily="49" charset="0"/>
               </a:rPr>
               <a:t>class Circle </a:t>
             </a:r>
@@ -22161,7 +21838,7 @@
                     </a:srgbClr>
                   </a:outerShdw>
                 </a:effectLst>
-                <a:latin typeface="Consolas" pitchFamily="49" charset="0"/>
+                <a:latin typeface="Consolas" panose="020B0609020204030204" pitchFamily="49" charset="0"/>
               </a:rPr>
               <a:t>:</a:t>
             </a:r>
@@ -22179,7 +21856,7 @@
                     </a:srgbClr>
                   </a:outerShdw>
                 </a:effectLst>
-                <a:latin typeface="Consolas" pitchFamily="49" charset="0"/>
+                <a:latin typeface="Consolas" panose="020B0609020204030204" pitchFamily="49" charset="0"/>
               </a:rPr>
               <a:t> Drawable </a:t>
             </a:r>
@@ -22195,7 +21872,7 @@
                     </a:srgbClr>
                   </a:outerShdw>
                 </a:effectLst>
-                <a:latin typeface="Consolas" pitchFamily="49" charset="0"/>
+                <a:latin typeface="Consolas" panose="020B0609020204030204" pitchFamily="49" charset="0"/>
               </a:rPr>
               <a:t>{</a:t>
             </a:r>
@@ -22214,7 +21891,7 @@
                     </a:srgbClr>
                   </a:outerShdw>
                 </a:effectLst>
-                <a:latin typeface="Consolas" pitchFamily="49" charset="0"/>
+                <a:latin typeface="Consolas" panose="020B0609020204030204" pitchFamily="49" charset="0"/>
               </a:rPr>
               <a:t> </a:t>
             </a:r>
@@ -22230,7 +21907,7 @@
                     </a:srgbClr>
                   </a:outerShdw>
                 </a:effectLst>
-                <a:latin typeface="Consolas" pitchFamily="49" charset="0"/>
+                <a:latin typeface="Consolas" panose="020B0609020204030204" pitchFamily="49" charset="0"/>
               </a:rPr>
               <a:t> //TODO </a:t>
             </a:r>
@@ -22246,7 +21923,7 @@
                     </a:srgbClr>
                   </a:outerShdw>
                 </a:effectLst>
-                <a:latin typeface="Consolas" pitchFamily="49" charset="0"/>
+                <a:latin typeface="Consolas" panose="020B0609020204030204" pitchFamily="49" charset="0"/>
               </a:rPr>
               <a:t>добавете полета и конструктор</a:t>
             </a:r>
@@ -22265,7 +21942,7 @@
                     </a:srgbClr>
                   </a:outerShdw>
                 </a:effectLst>
-                <a:latin typeface="Consolas" pitchFamily="49" charset="0"/>
+                <a:latin typeface="Consolas" panose="020B0609020204030204" pitchFamily="49" charset="0"/>
               </a:rPr>
               <a:t>public </a:t>
             </a:r>
@@ -22281,7 +21958,7 @@
                     </a:srgbClr>
                   </a:outerShdw>
                 </a:effectLst>
-                <a:latin typeface="Consolas" pitchFamily="49" charset="0"/>
+                <a:latin typeface="Consolas" panose="020B0609020204030204" pitchFamily="49" charset="0"/>
               </a:rPr>
               <a:t>void </a:t>
             </a:r>
@@ -22299,7 +21976,7 @@
                     </a:srgbClr>
                   </a:outerShdw>
                 </a:effectLst>
-                <a:latin typeface="Consolas" pitchFamily="49" charset="0"/>
+                <a:latin typeface="Consolas" panose="020B0609020204030204" pitchFamily="49" charset="0"/>
               </a:rPr>
               <a:t>D</a:t>
             </a:r>
@@ -22317,7 +21994,7 @@
                     </a:srgbClr>
                   </a:outerShdw>
                 </a:effectLst>
-                <a:latin typeface="Consolas" pitchFamily="49" charset="0"/>
+                <a:latin typeface="Consolas" panose="020B0609020204030204" pitchFamily="49" charset="0"/>
               </a:rPr>
               <a:t>raw</a:t>
             </a:r>
@@ -22335,7 +22012,7 @@
                     </a:srgbClr>
                   </a:outerShdw>
                 </a:effectLst>
-                <a:latin typeface="Consolas" pitchFamily="49" charset="0"/>
+                <a:latin typeface="Consolas" panose="020B0609020204030204" pitchFamily="49" charset="0"/>
               </a:rPr>
               <a:t>() </a:t>
             </a:r>
@@ -22351,7 +22028,7 @@
                     </a:srgbClr>
                   </a:outerShdw>
                 </a:effectLst>
-                <a:latin typeface="Consolas" pitchFamily="49" charset="0"/>
+                <a:latin typeface="Consolas" panose="020B0609020204030204" pitchFamily="49" charset="0"/>
               </a:rPr>
               <a:t>{ </a:t>
             </a:r>
@@ -22369,7 +22046,7 @@
                     </a:srgbClr>
                   </a:outerShdw>
                 </a:effectLst>
-                <a:latin typeface="Consolas" pitchFamily="49" charset="0"/>
+                <a:latin typeface="Consolas" panose="020B0609020204030204" pitchFamily="49" charset="0"/>
               </a:rPr>
               <a:t>слайд 9</a:t>
             </a:r>
@@ -22387,7 +22064,7 @@
                     </a:srgbClr>
                   </a:outerShdw>
                 </a:effectLst>
-                <a:latin typeface="Consolas" pitchFamily="49" charset="0"/>
+                <a:latin typeface="Consolas" panose="020B0609020204030204" pitchFamily="49" charset="0"/>
               </a:rPr>
               <a:t> </a:t>
             </a:r>
@@ -22403,7 +22080,7 @@
                     </a:srgbClr>
                   </a:outerShdw>
                 </a:effectLst>
-                <a:latin typeface="Consolas" pitchFamily="49" charset="0"/>
+                <a:latin typeface="Consolas" panose="020B0609020204030204" pitchFamily="49" charset="0"/>
               </a:rPr>
               <a:t>} }</a:t>
             </a:r>
@@ -22418,7 +22095,7 @@
                   </a:srgbClr>
                 </a:outerShdw>
               </a:effectLst>
-              <a:latin typeface="Consolas" pitchFamily="49" charset="0"/>
+              <a:latin typeface="Consolas" panose="020B0609020204030204" pitchFamily="49" charset="0"/>
             </a:endParaRPr>
           </a:p>
         </p:txBody>
@@ -22474,7 +22151,7 @@
                     </a:srgbClr>
                   </a:outerShdw>
                 </a:effectLst>
-                <a:latin typeface="Consolas" pitchFamily="49" charset="0"/>
+                <a:latin typeface="Consolas" panose="020B0609020204030204" pitchFamily="49" charset="0"/>
               </a:rPr>
               <a:t>public </a:t>
             </a:r>
@@ -22490,7 +22167,7 @@
                     </a:srgbClr>
                   </a:outerShdw>
                 </a:effectLst>
-                <a:latin typeface="Consolas" pitchFamily="49" charset="0"/>
+                <a:latin typeface="Consolas" panose="020B0609020204030204" pitchFamily="49" charset="0"/>
               </a:rPr>
               <a:t>class Rectangle </a:t>
             </a:r>
@@ -22508,7 +22185,7 @@
                     </a:srgbClr>
                   </a:outerShdw>
                 </a:effectLst>
-                <a:latin typeface="Consolas" pitchFamily="49" charset="0"/>
+                <a:latin typeface="Consolas" panose="020B0609020204030204" pitchFamily="49" charset="0"/>
               </a:rPr>
               <a:t>: Drawable </a:t>
             </a:r>
@@ -22524,7 +22201,7 @@
                     </a:srgbClr>
                   </a:outerShdw>
                 </a:effectLst>
-                <a:latin typeface="Consolas" pitchFamily="49" charset="0"/>
+                <a:latin typeface="Consolas" panose="020B0609020204030204" pitchFamily="49" charset="0"/>
               </a:rPr>
               <a:t>{</a:t>
             </a:r>
@@ -22543,7 +22220,7 @@
                     </a:srgbClr>
                   </a:outerShdw>
                 </a:effectLst>
-                <a:latin typeface="Consolas" pitchFamily="49" charset="0"/>
+                <a:latin typeface="Consolas" panose="020B0609020204030204" pitchFamily="49" charset="0"/>
               </a:rPr>
               <a:t> </a:t>
             </a:r>
@@ -22559,7 +22236,7 @@
                     </a:srgbClr>
                   </a:outerShdw>
                 </a:effectLst>
-                <a:latin typeface="Consolas" pitchFamily="49" charset="0"/>
+                <a:latin typeface="Consolas" panose="020B0609020204030204" pitchFamily="49" charset="0"/>
               </a:rPr>
               <a:t> </a:t>
             </a:r>
@@ -22575,7 +22252,7 @@
                     </a:srgbClr>
                   </a:outerShdw>
                 </a:effectLst>
-                <a:latin typeface="Consolas" pitchFamily="49" charset="0"/>
+                <a:latin typeface="Consolas" panose="020B0609020204030204" pitchFamily="49" charset="0"/>
               </a:rPr>
               <a:t>//TODO </a:t>
             </a:r>
@@ -22591,7 +22268,7 @@
                     </a:srgbClr>
                   </a:outerShdw>
                 </a:effectLst>
-                <a:latin typeface="Consolas" pitchFamily="49" charset="0"/>
+                <a:latin typeface="Consolas" panose="020B0609020204030204" pitchFamily="49" charset="0"/>
               </a:rPr>
               <a:t>добавете полета и конструктор</a:t>
             </a:r>
@@ -22606,7 +22283,7 @@
                   </a:srgbClr>
                 </a:outerShdw>
               </a:effectLst>
-              <a:latin typeface="Consolas" pitchFamily="49" charset="0"/>
+              <a:latin typeface="Consolas" panose="020B0609020204030204" pitchFamily="49" charset="0"/>
             </a:endParaRPr>
           </a:p>
           <a:p>
@@ -22623,7 +22300,7 @@
                     </a:srgbClr>
                   </a:outerShdw>
                 </a:effectLst>
-                <a:latin typeface="Consolas" pitchFamily="49" charset="0"/>
+                <a:latin typeface="Consolas" panose="020B0609020204030204" pitchFamily="49" charset="0"/>
               </a:rPr>
               <a:t>public </a:t>
             </a:r>
@@ -22639,7 +22316,7 @@
                     </a:srgbClr>
                   </a:outerShdw>
                 </a:effectLst>
-                <a:latin typeface="Consolas" pitchFamily="49" charset="0"/>
+                <a:latin typeface="Consolas" panose="020B0609020204030204" pitchFamily="49" charset="0"/>
               </a:rPr>
               <a:t>void </a:t>
             </a:r>
@@ -22657,7 +22334,7 @@
                     </a:srgbClr>
                   </a:outerShdw>
                 </a:effectLst>
-                <a:latin typeface="Consolas" pitchFamily="49" charset="0"/>
+                <a:latin typeface="Consolas" panose="020B0609020204030204" pitchFamily="49" charset="0"/>
               </a:rPr>
               <a:t>Draw</a:t>
             </a:r>
@@ -22675,7 +22352,7 @@
                     </a:srgbClr>
                   </a:outerShdw>
                 </a:effectLst>
-                <a:latin typeface="Consolas" pitchFamily="49" charset="0"/>
+                <a:latin typeface="Consolas" panose="020B0609020204030204" pitchFamily="49" charset="0"/>
               </a:rPr>
               <a:t>() </a:t>
             </a:r>
@@ -22691,7 +22368,7 @@
                     </a:srgbClr>
                   </a:outerShdw>
                 </a:effectLst>
-                <a:latin typeface="Consolas" pitchFamily="49" charset="0"/>
+                <a:latin typeface="Consolas" panose="020B0609020204030204" pitchFamily="49" charset="0"/>
               </a:rPr>
               <a:t>{ </a:t>
             </a:r>
@@ -22709,7 +22386,7 @@
                     </a:srgbClr>
                   </a:outerShdw>
                 </a:effectLst>
-                <a:latin typeface="Consolas" pitchFamily="49" charset="0"/>
+                <a:latin typeface="Consolas" panose="020B0609020204030204" pitchFamily="49" charset="0"/>
               </a:rPr>
               <a:t>слайд 8</a:t>
             </a:r>
@@ -22727,7 +22404,7 @@
                     </a:srgbClr>
                   </a:outerShdw>
                 </a:effectLst>
-                <a:latin typeface="Consolas" pitchFamily="49" charset="0"/>
+                <a:latin typeface="Consolas" panose="020B0609020204030204" pitchFamily="49" charset="0"/>
               </a:rPr>
               <a:t> </a:t>
             </a:r>
@@ -22743,7 +22420,7 @@
                     </a:srgbClr>
                   </a:outerShdw>
                 </a:effectLst>
-                <a:latin typeface="Consolas" pitchFamily="49" charset="0"/>
+                <a:latin typeface="Consolas" panose="020B0609020204030204" pitchFamily="49" charset="0"/>
               </a:rPr>
               <a:t>} }</a:t>
             </a:r>
@@ -22758,17 +22435,12 @@
                   </a:srgbClr>
                 </a:outerShdw>
               </a:effectLst>
-              <a:latin typeface="Consolas" pitchFamily="49" charset="0"/>
+              <a:latin typeface="Consolas" panose="020B0609020204030204" pitchFamily="49" charset="0"/>
             </a:endParaRPr>
           </a:p>
         </p:txBody>
       </p:sp>
     </p:spTree>
-    <p:extLst>
-      <p:ext uri="{BB962C8B-B14F-4D97-AF65-F5344CB8AC3E}">
-        <p14:creationId xmlns:p14="http://schemas.microsoft.com/office/powerpoint/2010/main" val="2897943259"/>
-      </p:ext>
-    </p:extLst>
   </p:cSld>
   <p:clrMapOvr>
     <a:masterClrMapping/>
@@ -22818,7 +22490,6 @@
           <a:p>
             <a:fld id="{C014DD1E-5D91-48A3-AD6D-45FBA980D106}" type="slidenum">
               <a:rPr lang="en-US" smtClean="0"/>
-              <a:pPr/>
               <a:t>8</a:t>
             </a:fld>
             <a:endParaRPr lang="en-US" dirty="0"/>
@@ -22917,7 +22588,7 @@
                     </a:srgbClr>
                   </a:outerShdw>
                 </a:effectLst>
-                <a:latin typeface="Consolas" pitchFamily="49" charset="0"/>
+                <a:latin typeface="Consolas" panose="020B0609020204030204" pitchFamily="49" charset="0"/>
               </a:rPr>
               <a:t>public void Draw()</a:t>
             </a:r>
@@ -22936,7 +22607,7 @@
                     </a:srgbClr>
                   </a:outerShdw>
                 </a:effectLst>
-                <a:latin typeface="Consolas" pitchFamily="49" charset="0"/>
+                <a:latin typeface="Consolas" panose="020B0609020204030204" pitchFamily="49" charset="0"/>
               </a:rPr>
               <a:t>{</a:t>
             </a:r>
@@ -22951,7 +22622,7 @@
                   </a:srgbClr>
                 </a:outerShdw>
               </a:effectLst>
-              <a:latin typeface="Consolas" pitchFamily="49" charset="0"/>
+              <a:latin typeface="Consolas" panose="020B0609020204030204" pitchFamily="49" charset="0"/>
             </a:endParaRPr>
           </a:p>
           <a:p>
@@ -22968,7 +22639,7 @@
                     </a:srgbClr>
                   </a:outerShdw>
                 </a:effectLst>
-                <a:latin typeface="Consolas" pitchFamily="49" charset="0"/>
+                <a:latin typeface="Consolas" panose="020B0609020204030204" pitchFamily="49" charset="0"/>
               </a:rPr>
               <a:t>  DrawLine(this.Width</a:t>
             </a:r>
@@ -22984,7 +22655,7 @@
                     </a:srgbClr>
                   </a:outerShdw>
                 </a:effectLst>
-                <a:latin typeface="Consolas" pitchFamily="49" charset="0"/>
+                <a:latin typeface="Consolas" panose="020B0609020204030204" pitchFamily="49" charset="0"/>
               </a:rPr>
               <a:t>, '*', '*');</a:t>
             </a:r>
@@ -23003,7 +22674,7 @@
                     </a:srgbClr>
                   </a:outerShdw>
                 </a:effectLst>
-                <a:latin typeface="Consolas" pitchFamily="49" charset="0"/>
+                <a:latin typeface="Consolas" panose="020B0609020204030204" pitchFamily="49" charset="0"/>
               </a:rPr>
               <a:t> </a:t>
             </a:r>
@@ -23019,7 +22690,7 @@
                     </a:srgbClr>
                   </a:outerShdw>
                 </a:effectLst>
-                <a:latin typeface="Consolas" pitchFamily="49" charset="0"/>
+                <a:latin typeface="Consolas" panose="020B0609020204030204" pitchFamily="49" charset="0"/>
               </a:rPr>
               <a:t> for </a:t>
             </a:r>
@@ -23035,7 +22706,7 @@
                     </a:srgbClr>
                   </a:outerShdw>
                 </a:effectLst>
-                <a:latin typeface="Consolas" pitchFamily="49" charset="0"/>
+                <a:latin typeface="Consolas" panose="020B0609020204030204" pitchFamily="49" charset="0"/>
               </a:rPr>
               <a:t>(int i = 1; i &lt; this.Height - 1; ++i)</a:t>
             </a:r>
@@ -23054,7 +22725,7 @@
                     </a:srgbClr>
                   </a:outerShdw>
                 </a:effectLst>
-                <a:latin typeface="Consolas" pitchFamily="49" charset="0"/>
+                <a:latin typeface="Consolas" panose="020B0609020204030204" pitchFamily="49" charset="0"/>
               </a:rPr>
               <a:t>   </a:t>
             </a:r>
@@ -23070,7 +22741,7 @@
                     </a:srgbClr>
                   </a:outerShdw>
                 </a:effectLst>
-                <a:latin typeface="Consolas" pitchFamily="49" charset="0"/>
+                <a:latin typeface="Consolas" panose="020B0609020204030204" pitchFamily="49" charset="0"/>
               </a:rPr>
               <a:t> DrawLine(this.Width</a:t>
             </a:r>
@@ -23086,7 +22757,7 @@
                     </a:srgbClr>
                   </a:outerShdw>
                 </a:effectLst>
-                <a:latin typeface="Consolas" pitchFamily="49" charset="0"/>
+                <a:latin typeface="Consolas" panose="020B0609020204030204" pitchFamily="49" charset="0"/>
               </a:rPr>
               <a:t>, '*', ' ');</a:t>
             </a:r>
@@ -23105,7 +22776,7 @@
                     </a:srgbClr>
                   </a:outerShdw>
                 </a:effectLst>
-                <a:latin typeface="Consolas" pitchFamily="49" charset="0"/>
+                <a:latin typeface="Consolas" panose="020B0609020204030204" pitchFamily="49" charset="0"/>
               </a:rPr>
               <a:t> </a:t>
             </a:r>
@@ -23121,7 +22792,7 @@
                     </a:srgbClr>
                   </a:outerShdw>
                 </a:effectLst>
-                <a:latin typeface="Consolas" pitchFamily="49" charset="0"/>
+                <a:latin typeface="Consolas" panose="020B0609020204030204" pitchFamily="49" charset="0"/>
               </a:rPr>
               <a:t> DrawLine(this.Width</a:t>
             </a:r>
@@ -23137,7 +22808,7 @@
                     </a:srgbClr>
                   </a:outerShdw>
                 </a:effectLst>
-                <a:latin typeface="Consolas" pitchFamily="49" charset="0"/>
+                <a:latin typeface="Consolas" panose="020B0609020204030204" pitchFamily="49" charset="0"/>
               </a:rPr>
               <a:t>, '*', '*');</a:t>
             </a:r>
@@ -23156,7 +22827,7 @@
                     </a:srgbClr>
                   </a:outerShdw>
                 </a:effectLst>
-                <a:latin typeface="Consolas" pitchFamily="49" charset="0"/>
+                <a:latin typeface="Consolas" panose="020B0609020204030204" pitchFamily="49" charset="0"/>
               </a:rPr>
               <a:t>}</a:t>
             </a:r>
@@ -23171,7 +22842,7 @@
                   </a:srgbClr>
                 </a:outerShdw>
               </a:effectLst>
-              <a:latin typeface="Consolas" pitchFamily="49" charset="0"/>
+              <a:latin typeface="Consolas" panose="020B0609020204030204" pitchFamily="49" charset="0"/>
             </a:endParaRPr>
           </a:p>
           <a:p>
@@ -23188,7 +22859,7 @@
                     </a:srgbClr>
                   </a:outerShdw>
                 </a:effectLst>
-                <a:latin typeface="Consolas" pitchFamily="49" charset="0"/>
+                <a:latin typeface="Consolas" panose="020B0609020204030204" pitchFamily="49" charset="0"/>
               </a:rPr>
               <a:t>private </a:t>
             </a:r>
@@ -23204,7 +22875,7 @@
                     </a:srgbClr>
                   </a:outerShdw>
                 </a:effectLst>
-                <a:latin typeface="Consolas" pitchFamily="49" charset="0"/>
+                <a:latin typeface="Consolas" panose="020B0609020204030204" pitchFamily="49" charset="0"/>
               </a:rPr>
               <a:t>void DrawLine(int width, char end, char mid)</a:t>
             </a:r>
@@ -23223,7 +22894,7 @@
                     </a:srgbClr>
                   </a:outerShdw>
                 </a:effectLst>
-                <a:latin typeface="Consolas" pitchFamily="49" charset="0"/>
+                <a:latin typeface="Consolas" panose="020B0609020204030204" pitchFamily="49" charset="0"/>
               </a:rPr>
               <a:t>{</a:t>
             </a:r>
@@ -23238,7 +22909,7 @@
                   </a:srgbClr>
                 </a:outerShdw>
               </a:effectLst>
-              <a:latin typeface="Consolas" pitchFamily="49" charset="0"/>
+              <a:latin typeface="Consolas" panose="020B0609020204030204" pitchFamily="49" charset="0"/>
             </a:endParaRPr>
           </a:p>
           <a:p>
@@ -23255,7 +22926,7 @@
                     </a:srgbClr>
                   </a:outerShdw>
                 </a:effectLst>
-                <a:latin typeface="Consolas" pitchFamily="49" charset="0"/>
+                <a:latin typeface="Consolas" panose="020B0609020204030204" pitchFamily="49" charset="0"/>
               </a:rPr>
               <a:t> </a:t>
             </a:r>
@@ -23271,7 +22942,7 @@
                     </a:srgbClr>
                   </a:outerShdw>
                 </a:effectLst>
-                <a:latin typeface="Consolas" pitchFamily="49" charset="0"/>
+                <a:latin typeface="Consolas" panose="020B0609020204030204" pitchFamily="49" charset="0"/>
               </a:rPr>
               <a:t> Console.Write(end</a:t>
             </a:r>
@@ -23287,7 +22958,7 @@
                     </a:srgbClr>
                   </a:outerShdw>
                 </a:effectLst>
-                <a:latin typeface="Consolas" pitchFamily="49" charset="0"/>
+                <a:latin typeface="Consolas" panose="020B0609020204030204" pitchFamily="49" charset="0"/>
               </a:rPr>
               <a:t>);</a:t>
             </a:r>
@@ -23306,7 +22977,7 @@
                     </a:srgbClr>
                   </a:outerShdw>
                 </a:effectLst>
-                <a:latin typeface="Consolas" pitchFamily="49" charset="0"/>
+                <a:latin typeface="Consolas" panose="020B0609020204030204" pitchFamily="49" charset="0"/>
               </a:rPr>
               <a:t>  </a:t>
             </a:r>
@@ -23322,7 +22993,7 @@
                     </a:srgbClr>
                   </a:outerShdw>
                 </a:effectLst>
-                <a:latin typeface="Consolas" pitchFamily="49" charset="0"/>
+                <a:latin typeface="Consolas" panose="020B0609020204030204" pitchFamily="49" charset="0"/>
               </a:rPr>
               <a:t>for </a:t>
             </a:r>
@@ -23338,7 +23009,7 @@
                     </a:srgbClr>
                   </a:outerShdw>
                 </a:effectLst>
-                <a:latin typeface="Consolas" pitchFamily="49" charset="0"/>
+                <a:latin typeface="Consolas" panose="020B0609020204030204" pitchFamily="49" charset="0"/>
               </a:rPr>
               <a:t>(int i = 1; i &lt; width - 1; ++i)</a:t>
             </a:r>
@@ -23357,7 +23028,7 @@
                     </a:srgbClr>
                   </a:outerShdw>
                 </a:effectLst>
-                <a:latin typeface="Consolas" pitchFamily="49" charset="0"/>
+                <a:latin typeface="Consolas" panose="020B0609020204030204" pitchFamily="49" charset="0"/>
               </a:rPr>
               <a:t>   </a:t>
             </a:r>
@@ -23373,7 +23044,7 @@
                     </a:srgbClr>
                   </a:outerShdw>
                 </a:effectLst>
-                <a:latin typeface="Consolas" pitchFamily="49" charset="0"/>
+                <a:latin typeface="Consolas" panose="020B0609020204030204" pitchFamily="49" charset="0"/>
               </a:rPr>
               <a:t> Console.Write(mid</a:t>
             </a:r>
@@ -23389,7 +23060,7 @@
                     </a:srgbClr>
                   </a:outerShdw>
                 </a:effectLst>
-                <a:latin typeface="Consolas" pitchFamily="49" charset="0"/>
+                <a:latin typeface="Consolas" panose="020B0609020204030204" pitchFamily="49" charset="0"/>
               </a:rPr>
               <a:t>);</a:t>
             </a:r>
@@ -23408,7 +23079,7 @@
                     </a:srgbClr>
                   </a:outerShdw>
                 </a:effectLst>
-                <a:latin typeface="Consolas" pitchFamily="49" charset="0"/>
+                <a:latin typeface="Consolas" panose="020B0609020204030204" pitchFamily="49" charset="0"/>
               </a:rPr>
               <a:t> </a:t>
             </a:r>
@@ -23424,7 +23095,7 @@
                     </a:srgbClr>
                   </a:outerShdw>
                 </a:effectLst>
-                <a:latin typeface="Consolas" pitchFamily="49" charset="0"/>
+                <a:latin typeface="Consolas" panose="020B0609020204030204" pitchFamily="49" charset="0"/>
               </a:rPr>
               <a:t> Console.WriteLine(end</a:t>
             </a:r>
@@ -23440,7 +23111,7 @@
                     </a:srgbClr>
                   </a:outerShdw>
                 </a:effectLst>
-                <a:latin typeface="Consolas" pitchFamily="49" charset="0"/>
+                <a:latin typeface="Consolas" panose="020B0609020204030204" pitchFamily="49" charset="0"/>
               </a:rPr>
               <a:t>);</a:t>
             </a:r>
@@ -23459,7 +23130,7 @@
                     </a:srgbClr>
                   </a:outerShdw>
                 </a:effectLst>
-                <a:latin typeface="Consolas" pitchFamily="49" charset="0"/>
+                <a:latin typeface="Consolas" panose="020B0609020204030204" pitchFamily="49" charset="0"/>
               </a:rPr>
               <a:t>}</a:t>
             </a:r>
@@ -23474,17 +23145,12 @@
                   </a:srgbClr>
                 </a:outerShdw>
               </a:effectLst>
-              <a:latin typeface="Consolas" pitchFamily="49" charset="0"/>
+              <a:latin typeface="Consolas" panose="020B0609020204030204" pitchFamily="49" charset="0"/>
             </a:endParaRPr>
           </a:p>
         </p:txBody>
       </p:sp>
     </p:spTree>
-    <p:extLst>
-      <p:ext uri="{BB962C8B-B14F-4D97-AF65-F5344CB8AC3E}">
-        <p14:creationId xmlns:p14="http://schemas.microsoft.com/office/powerpoint/2010/main" val="3544754260"/>
-      </p:ext>
-    </p:extLst>
   </p:cSld>
   <p:clrMapOvr>
     <a:masterClrMapping/>
@@ -23534,7 +23200,6 @@
           <a:p>
             <a:fld id="{C014DD1E-5D91-48A3-AD6D-45FBA980D106}" type="slidenum">
               <a:rPr lang="en-US" smtClean="0"/>
-              <a:pPr/>
               <a:t>9</a:t>
             </a:fld>
             <a:endParaRPr lang="en-US" dirty="0"/>
@@ -23633,7 +23298,7 @@
                     </a:srgbClr>
                   </a:outerShdw>
                 </a:effectLst>
-                <a:latin typeface="Consolas" pitchFamily="49" charset="0"/>
+                <a:latin typeface="Consolas" panose="020B0609020204030204" pitchFamily="49" charset="0"/>
               </a:rPr>
               <a:t>double r_in = this.Radius - 0.4;</a:t>
             </a:r>
@@ -23652,7 +23317,7 @@
                     </a:srgbClr>
                   </a:outerShdw>
                 </a:effectLst>
-                <a:latin typeface="Consolas" pitchFamily="49" charset="0"/>
+                <a:latin typeface="Consolas" panose="020B0609020204030204" pitchFamily="49" charset="0"/>
               </a:rPr>
               <a:t>double </a:t>
             </a:r>
@@ -23668,7 +23333,7 @@
                     </a:srgbClr>
                   </a:outerShdw>
                 </a:effectLst>
-                <a:latin typeface="Consolas" pitchFamily="49" charset="0"/>
+                <a:latin typeface="Consolas" panose="020B0609020204030204" pitchFamily="49" charset="0"/>
               </a:rPr>
               <a:t>r_out = this.Radius + 0.4;</a:t>
             </a:r>
@@ -23687,7 +23352,7 @@
                     </a:srgbClr>
                   </a:outerShdw>
                 </a:effectLst>
-                <a:latin typeface="Consolas" pitchFamily="49" charset="0"/>
+                <a:latin typeface="Consolas" panose="020B0609020204030204" pitchFamily="49" charset="0"/>
               </a:rPr>
               <a:t>for </a:t>
             </a:r>
@@ -23703,7 +23368,7 @@
                     </a:srgbClr>
                   </a:outerShdw>
                 </a:effectLst>
-                <a:latin typeface="Consolas" pitchFamily="49" charset="0"/>
+                <a:latin typeface="Consolas" panose="020B0609020204030204" pitchFamily="49" charset="0"/>
               </a:rPr>
               <a:t>(double y = this.Radius; y &gt;= -this.Radius; --y)</a:t>
             </a:r>
@@ -23722,7 +23387,7 @@
                     </a:srgbClr>
                   </a:outerShdw>
                 </a:effectLst>
-                <a:latin typeface="Consolas" pitchFamily="49" charset="0"/>
+                <a:latin typeface="Consolas" panose="020B0609020204030204" pitchFamily="49" charset="0"/>
               </a:rPr>
               <a:t>{</a:t>
             </a:r>
@@ -23737,7 +23402,7 @@
                   </a:srgbClr>
                 </a:outerShdw>
               </a:effectLst>
-              <a:latin typeface="Consolas" pitchFamily="49" charset="0"/>
+              <a:latin typeface="Consolas" panose="020B0609020204030204" pitchFamily="49" charset="0"/>
             </a:endParaRPr>
           </a:p>
           <a:p>
@@ -23754,7 +23419,7 @@
                     </a:srgbClr>
                   </a:outerShdw>
                 </a:effectLst>
-                <a:latin typeface="Consolas" pitchFamily="49" charset="0"/>
+                <a:latin typeface="Consolas" panose="020B0609020204030204" pitchFamily="49" charset="0"/>
               </a:rPr>
               <a:t>  for </a:t>
             </a:r>
@@ -23770,7 +23435,7 @@
                     </a:srgbClr>
                   </a:outerShdw>
                 </a:effectLst>
-                <a:latin typeface="Consolas" pitchFamily="49" charset="0"/>
+                <a:latin typeface="Consolas" panose="020B0609020204030204" pitchFamily="49" charset="0"/>
               </a:rPr>
               <a:t>(double x = -this.Radius; x &lt; r_out; x += 0.5)</a:t>
             </a:r>
@@ -23789,7 +23454,7 @@
                     </a:srgbClr>
                   </a:outerShdw>
                 </a:effectLst>
-                <a:latin typeface="Consolas" pitchFamily="49" charset="0"/>
+                <a:latin typeface="Consolas" panose="020B0609020204030204" pitchFamily="49" charset="0"/>
               </a:rPr>
               <a:t> </a:t>
             </a:r>
@@ -23805,7 +23470,7 @@
                     </a:srgbClr>
                   </a:outerShdw>
                 </a:effectLst>
-                <a:latin typeface="Consolas" pitchFamily="49" charset="0"/>
+                <a:latin typeface="Consolas" panose="020B0609020204030204" pitchFamily="49" charset="0"/>
               </a:rPr>
               <a:t> {</a:t>
             </a:r>
@@ -23820,7 +23485,7 @@
                   </a:srgbClr>
                 </a:outerShdw>
               </a:effectLst>
-              <a:latin typeface="Consolas" pitchFamily="49" charset="0"/>
+              <a:latin typeface="Consolas" panose="020B0609020204030204" pitchFamily="49" charset="0"/>
             </a:endParaRPr>
           </a:p>
           <a:p>
@@ -23837,7 +23502,7 @@
                     </a:srgbClr>
                   </a:outerShdw>
                 </a:effectLst>
-                <a:latin typeface="Consolas" pitchFamily="49" charset="0"/>
+                <a:latin typeface="Consolas" panose="020B0609020204030204" pitchFamily="49" charset="0"/>
               </a:rPr>
               <a:t>   </a:t>
             </a:r>
@@ -23853,7 +23518,7 @@
                     </a:srgbClr>
                   </a:outerShdw>
                 </a:effectLst>
-                <a:latin typeface="Consolas" pitchFamily="49" charset="0"/>
+                <a:latin typeface="Consolas" panose="020B0609020204030204" pitchFamily="49" charset="0"/>
               </a:rPr>
               <a:t> double </a:t>
             </a:r>
@@ -23869,7 +23534,7 @@
                     </a:srgbClr>
                   </a:outerShdw>
                 </a:effectLst>
-                <a:latin typeface="Consolas" pitchFamily="49" charset="0"/>
+                <a:latin typeface="Consolas" panose="020B0609020204030204" pitchFamily="49" charset="0"/>
               </a:rPr>
               <a:t>value = x * x + y * y;</a:t>
             </a:r>
@@ -23888,7 +23553,7 @@
                     </a:srgbClr>
                   </a:outerShdw>
                 </a:effectLst>
-                <a:latin typeface="Consolas" pitchFamily="49" charset="0"/>
+                <a:latin typeface="Consolas" panose="020B0609020204030204" pitchFamily="49" charset="0"/>
               </a:rPr>
               <a:t>   </a:t>
             </a:r>
@@ -23904,7 +23569,7 @@
                     </a:srgbClr>
                   </a:outerShdw>
                 </a:effectLst>
-                <a:latin typeface="Consolas" pitchFamily="49" charset="0"/>
+                <a:latin typeface="Consolas" panose="020B0609020204030204" pitchFamily="49" charset="0"/>
               </a:rPr>
               <a:t> if </a:t>
             </a:r>
@@ -23920,7 +23585,7 @@
                     </a:srgbClr>
                   </a:outerShdw>
                 </a:effectLst>
-                <a:latin typeface="Consolas" pitchFamily="49" charset="0"/>
+                <a:latin typeface="Consolas" panose="020B0609020204030204" pitchFamily="49" charset="0"/>
               </a:rPr>
               <a:t>(value &gt;= r_in * r_in &amp;&amp; value &lt;= r_out * r_out</a:t>
             </a:r>
@@ -23936,7 +23601,7 @@
                     </a:srgbClr>
                   </a:outerShdw>
                 </a:effectLst>
-                <a:latin typeface="Consolas" pitchFamily="49" charset="0"/>
+                <a:latin typeface="Consolas" panose="020B0609020204030204" pitchFamily="49" charset="0"/>
               </a:rPr>
               <a:t>) </a:t>
             </a:r>
@@ -23955,7 +23620,7 @@
                     </a:srgbClr>
                   </a:outerShdw>
                 </a:effectLst>
-                <a:latin typeface="Consolas" pitchFamily="49" charset="0"/>
+                <a:latin typeface="Consolas" panose="020B0609020204030204" pitchFamily="49" charset="0"/>
               </a:rPr>
               <a:t> </a:t>
             </a:r>
@@ -23971,7 +23636,7 @@
                     </a:srgbClr>
                   </a:outerShdw>
                 </a:effectLst>
-                <a:latin typeface="Consolas" pitchFamily="49" charset="0"/>
+                <a:latin typeface="Consolas" panose="020B0609020204030204" pitchFamily="49" charset="0"/>
               </a:rPr>
               <a:t>     </a:t>
             </a:r>
@@ -23987,7 +23652,7 @@
                     </a:srgbClr>
                   </a:outerShdw>
                 </a:effectLst>
-                <a:latin typeface="Consolas" pitchFamily="49" charset="0"/>
+                <a:latin typeface="Consolas" panose="020B0609020204030204" pitchFamily="49" charset="0"/>
               </a:rPr>
               <a:t>Console.Write</a:t>
             </a:r>
@@ -24003,7 +23668,7 @@
                     </a:srgbClr>
                   </a:outerShdw>
                 </a:effectLst>
-                <a:latin typeface="Consolas" pitchFamily="49" charset="0"/>
+                <a:latin typeface="Consolas" panose="020B0609020204030204" pitchFamily="49" charset="0"/>
               </a:rPr>
               <a:t>("*");</a:t>
             </a:r>
@@ -24022,7 +23687,7 @@
                     </a:srgbClr>
                   </a:outerShdw>
                 </a:effectLst>
-                <a:latin typeface="Consolas" pitchFamily="49" charset="0"/>
+                <a:latin typeface="Consolas" panose="020B0609020204030204" pitchFamily="49" charset="0"/>
               </a:rPr>
               <a:t> </a:t>
             </a:r>
@@ -24038,7 +23703,7 @@
                     </a:srgbClr>
                   </a:outerShdw>
                 </a:effectLst>
-                <a:latin typeface="Consolas" pitchFamily="49" charset="0"/>
+                <a:latin typeface="Consolas" panose="020B0609020204030204" pitchFamily="49" charset="0"/>
               </a:rPr>
               <a:t>   else</a:t>
             </a:r>
@@ -24057,7 +23722,7 @@
                     </a:srgbClr>
                   </a:outerShdw>
                 </a:effectLst>
-                <a:latin typeface="Consolas" pitchFamily="49" charset="0"/>
+                <a:latin typeface="Consolas" panose="020B0609020204030204" pitchFamily="49" charset="0"/>
               </a:rPr>
               <a:t> </a:t>
             </a:r>
@@ -24073,7 +23738,7 @@
                     </a:srgbClr>
                   </a:outerShdw>
                 </a:effectLst>
-                <a:latin typeface="Consolas" pitchFamily="49" charset="0"/>
+                <a:latin typeface="Consolas" panose="020B0609020204030204" pitchFamily="49" charset="0"/>
               </a:rPr>
               <a:t>     </a:t>
             </a:r>
@@ -24089,7 +23754,7 @@
                     </a:srgbClr>
                   </a:outerShdw>
                 </a:effectLst>
-                <a:latin typeface="Consolas" pitchFamily="49" charset="0"/>
+                <a:latin typeface="Consolas" panose="020B0609020204030204" pitchFamily="49" charset="0"/>
               </a:rPr>
               <a:t>Console.Write(" </a:t>
             </a:r>
@@ -24105,7 +23770,7 @@
                     </a:srgbClr>
                   </a:outerShdw>
                 </a:effectLst>
-                <a:latin typeface="Consolas" pitchFamily="49" charset="0"/>
+                <a:latin typeface="Consolas" panose="020B0609020204030204" pitchFamily="49" charset="0"/>
               </a:rPr>
               <a:t>");</a:t>
             </a:r>
@@ -24120,7 +23785,7 @@
                   </a:srgbClr>
                 </a:outerShdw>
               </a:effectLst>
-              <a:latin typeface="Consolas" pitchFamily="49" charset="0"/>
+              <a:latin typeface="Consolas" panose="020B0609020204030204" pitchFamily="49" charset="0"/>
             </a:endParaRPr>
           </a:p>
           <a:p>
@@ -24137,7 +23802,7 @@
                     </a:srgbClr>
                   </a:outerShdw>
                 </a:effectLst>
-                <a:latin typeface="Consolas" pitchFamily="49" charset="0"/>
+                <a:latin typeface="Consolas" panose="020B0609020204030204" pitchFamily="49" charset="0"/>
               </a:rPr>
               <a:t> </a:t>
             </a:r>
@@ -24153,7 +23818,7 @@
                     </a:srgbClr>
                   </a:outerShdw>
                 </a:effectLst>
-                <a:latin typeface="Consolas" pitchFamily="49" charset="0"/>
+                <a:latin typeface="Consolas" panose="020B0609020204030204" pitchFamily="49" charset="0"/>
               </a:rPr>
               <a:t> }</a:t>
             </a:r>
@@ -24172,7 +23837,7 @@
                     </a:srgbClr>
                   </a:outerShdw>
                 </a:effectLst>
-                <a:latin typeface="Consolas" pitchFamily="49" charset="0"/>
+                <a:latin typeface="Consolas" panose="020B0609020204030204" pitchFamily="49" charset="0"/>
               </a:rPr>
               <a:t>  Console.WriteLine();</a:t>
             </a:r>
@@ -24191,7 +23856,7 @@
                     </a:srgbClr>
                   </a:outerShdw>
                 </a:effectLst>
-                <a:latin typeface="Consolas" pitchFamily="49" charset="0"/>
+                <a:latin typeface="Consolas" panose="020B0609020204030204" pitchFamily="49" charset="0"/>
               </a:rPr>
               <a:t>}</a:t>
             </a:r>
@@ -24199,11 +23864,6 @@
         </p:txBody>
       </p:sp>
     </p:spTree>
-    <p:extLst>
-      <p:ext uri="{BB962C8B-B14F-4D97-AF65-F5344CB8AC3E}">
-        <p14:creationId xmlns:p14="http://schemas.microsoft.com/office/powerpoint/2010/main" val="878622125"/>
-      </p:ext>
-    </p:extLst>
   </p:cSld>
   <p:clrMapOvr>
     <a:masterClrMapping/>
@@ -24548,6 +24208,11 @@
     </a:txDef>
   </a:objectDefaults>
   <a:extraClrSchemeLst/>
+  <a:extLst>
+    <a:ext uri="{05A4C25C-085E-4340-85A3-A5531E510DB2}">
+      <thm15:themeFamily xmlns:thm15="http://schemas.microsoft.com/office/thememl/2012/main" name="Office Theme" id="{62F939B6-93AF-4DB8-9C6B-D6C7DFDC589F}" vid="{4A3C46E8-61CC-4603-A589-7422A47A8E4A}"/>
+    </a:ext>
+  </a:extLst>
 </a:theme>
 </file>
 
@@ -24843,6 +24508,11 @@
   </a:themeElements>
   <a:objectDefaults/>
   <a:extraClrSchemeLst/>
+  <a:extLst>
+    <a:ext uri="{05A4C25C-085E-4340-85A3-A5531E510DB2}">
+      <thm15:themeFamily xmlns:thm15="http://schemas.microsoft.com/office/thememl/2012/main" name="Office Theme" id="{62F939B6-93AF-4DB8-9C6B-D6C7DFDC589F}" vid="{4A3C46E8-61CC-4603-A589-7422A47A8E4A}"/>
+    </a:ext>
+  </a:extLst>
 </a:theme>
 </file>
 
@@ -25138,22 +24808,10 @@
   </a:themeElements>
   <a:objectDefaults/>
   <a:extraClrSchemeLst/>
+  <a:extLst>
+    <a:ext uri="{05A4C25C-085E-4340-85A3-A5531E510DB2}">
+      <thm15:themeFamily xmlns:thm15="http://schemas.microsoft.com/office/thememl/2012/main" name="Office Theme" id="{62F939B6-93AF-4DB8-9C6B-D6C7DFDC589F}" vid="{4A3C46E8-61CC-4603-A589-7422A47A8E4A}"/>
+    </a:ext>
+  </a:extLst>
 </a:theme>
-</file>
-
-<file path=customXml/item1.xml><?xml version="1.0" encoding="utf-8"?>
-<?mso-contentType ?>
-<FormTemplates xmlns="http://schemas.microsoft.com/sharepoint/v3/contenttype/forms">
-  <Display>DocumentLibraryForm</Display>
-  <Edit>AssetEditForm</Edit>
-  <New>DocumentLibraryForm</New>
-</FormTemplates>
-</file>
-
-<file path=customXml/itemProps1.xml><?xml version="1.0" encoding="utf-8"?>
-<ds:datastoreItem xmlns:ds="http://schemas.openxmlformats.org/officeDocument/2006/customXml" ds:itemID="{3836F65B-1B07-41EE-A0E8-BC6EF3855225}">
-  <ds:schemaRefs>
-    <ds:schemaRef ds:uri="http://schemas.microsoft.com/sharepoint/v3/contenttype/forms"/>
-  </ds:schemaRefs>
-</ds:datastoreItem>
 </file>